--- a/Desafío - Clase 36/Presentación_CancelaciónDeReservas.pptx
+++ b/Desafío - Clase 36/Presentación_CancelaciónDeReservas.pptx
@@ -5,23 +5,26 @@
     <p:sldMasterId id="2147483648" r:id="rId1"/>
   </p:sldMasterIdLst>
   <p:notesMasterIdLst>
-    <p:notesMasterId r:id="rId13"/>
+    <p:notesMasterId r:id="rId16"/>
   </p:notesMasterIdLst>
   <p:handoutMasterIdLst>
-    <p:handoutMasterId r:id="rId14"/>
+    <p:handoutMasterId r:id="rId17"/>
   </p:handoutMasterIdLst>
   <p:sldIdLst>
     <p:sldId id="257" r:id="rId2"/>
     <p:sldId id="266" r:id="rId3"/>
-    <p:sldId id="273" r:id="rId4"/>
-    <p:sldId id="301" r:id="rId5"/>
-    <p:sldId id="286" r:id="rId6"/>
-    <p:sldId id="289" r:id="rId7"/>
-    <p:sldId id="302" r:id="rId8"/>
-    <p:sldId id="300" r:id="rId9"/>
-    <p:sldId id="303" r:id="rId10"/>
-    <p:sldId id="305" r:id="rId11"/>
-    <p:sldId id="304" r:id="rId12"/>
+    <p:sldId id="306" r:id="rId4"/>
+    <p:sldId id="307" r:id="rId5"/>
+    <p:sldId id="308" r:id="rId6"/>
+    <p:sldId id="273" r:id="rId7"/>
+    <p:sldId id="301" r:id="rId8"/>
+    <p:sldId id="286" r:id="rId9"/>
+    <p:sldId id="289" r:id="rId10"/>
+    <p:sldId id="302" r:id="rId11"/>
+    <p:sldId id="300" r:id="rId12"/>
+    <p:sldId id="303" r:id="rId13"/>
+    <p:sldId id="305" r:id="rId14"/>
+    <p:sldId id="304" r:id="rId15"/>
   </p:sldIdLst>
   <p:sldSz cx="12192000" cy="6858000"/>
   <p:notesSz cx="6858000" cy="9144000"/>
@@ -143,15 +146,27 @@
 </file>
 
 <file path=ppt/diagrams/colors1.xml><?xml version="1.0" encoding="utf-8"?>
-<dgm:colorsDef xmlns:dgm="http://schemas.openxmlformats.org/drawingml/2006/diagram" xmlns:a="http://schemas.openxmlformats.org/drawingml/2006/main" uniqueId="urn:microsoft.com/office/officeart/2005/8/colors/accent1_2">
+<dgm:colorsDef xmlns:dgm="http://schemas.openxmlformats.org/drawingml/2006/diagram" xmlns:a="http://schemas.openxmlformats.org/drawingml/2006/main" uniqueId="urn:microsoft.com/office/officeart/2005/8/colors/accent3_2">
   <dgm:title val=""/>
   <dgm:desc val=""/>
   <dgm:catLst>
-    <dgm:cat type="accent1" pri="11200"/>
+    <dgm:cat type="accent3" pri="11200"/>
   </dgm:catLst>
   <dgm:styleLbl name="node0">
     <dgm:fillClrLst meth="repeat">
-      <a:schemeClr val="accent1"/>
+      <a:schemeClr val="accent3"/>
+    </dgm:fillClrLst>
+    <dgm:linClrLst meth="repeat">
+      <a:schemeClr val="lt1"/>
+    </dgm:linClrLst>
+    <dgm:effectClrLst/>
+    <dgm:txLinClrLst/>
+    <dgm:txFillClrLst/>
+    <dgm:txEffectClrLst/>
+  </dgm:styleLbl>
+  <dgm:styleLbl name="node1">
+    <dgm:fillClrLst meth="repeat">
+      <a:schemeClr val="accent3"/>
     </dgm:fillClrLst>
     <dgm:linClrLst meth="repeat">
       <a:schemeClr val="lt1"/>
@@ -163,22 +178,10 @@
   </dgm:styleLbl>
   <dgm:styleLbl name="alignNode1">
     <dgm:fillClrLst meth="repeat">
-      <a:schemeClr val="accent1"/>
+      <a:schemeClr val="accent3"/>
     </dgm:fillClrLst>
     <dgm:linClrLst meth="repeat">
-      <a:schemeClr val="accent1"/>
-    </dgm:linClrLst>
-    <dgm:effectClrLst/>
-    <dgm:txLinClrLst/>
-    <dgm:txFillClrLst/>
-    <dgm:txEffectClrLst/>
-  </dgm:styleLbl>
-  <dgm:styleLbl name="node1">
-    <dgm:fillClrLst meth="repeat">
-      <a:schemeClr val="accent1"/>
-    </dgm:fillClrLst>
-    <dgm:linClrLst meth="repeat">
-      <a:schemeClr val="lt1"/>
+      <a:schemeClr val="accent3"/>
     </dgm:linClrLst>
     <dgm:effectClrLst/>
     <dgm:txLinClrLst/>
@@ -187,7 +190,7 @@
   </dgm:styleLbl>
   <dgm:styleLbl name="lnNode1">
     <dgm:fillClrLst meth="repeat">
-      <a:schemeClr val="accent1"/>
+      <a:schemeClr val="accent3"/>
     </dgm:fillClrLst>
     <dgm:linClrLst meth="repeat">
       <a:schemeClr val="lt1"/>
@@ -199,7 +202,7 @@
   </dgm:styleLbl>
   <dgm:styleLbl name="vennNode1">
     <dgm:fillClrLst meth="repeat">
-      <a:schemeClr val="accent1">
+      <a:schemeClr val="accent3">
         <a:alpha val="50000"/>
       </a:schemeClr>
     </dgm:fillClrLst>
@@ -213,7 +216,7 @@
   </dgm:styleLbl>
   <dgm:styleLbl name="node2">
     <dgm:fillClrLst meth="repeat">
-      <a:schemeClr val="accent1"/>
+      <a:schemeClr val="accent3"/>
     </dgm:fillClrLst>
     <dgm:linClrLst meth="repeat">
       <a:schemeClr val="lt1"/>
@@ -225,7 +228,7 @@
   </dgm:styleLbl>
   <dgm:styleLbl name="node3">
     <dgm:fillClrLst meth="repeat">
-      <a:schemeClr val="accent1"/>
+      <a:schemeClr val="accent3"/>
     </dgm:fillClrLst>
     <dgm:linClrLst meth="repeat">
       <a:schemeClr val="lt1"/>
@@ -237,7 +240,7 @@
   </dgm:styleLbl>
   <dgm:styleLbl name="node4">
     <dgm:fillClrLst meth="repeat">
-      <a:schemeClr val="accent1"/>
+      <a:schemeClr val="accent3"/>
     </dgm:fillClrLst>
     <dgm:linClrLst meth="repeat">
       <a:schemeClr val="lt1"/>
@@ -249,7 +252,7 @@
   </dgm:styleLbl>
   <dgm:styleLbl name="fgImgPlace1">
     <dgm:fillClrLst meth="repeat">
-      <a:schemeClr val="accent1">
+      <a:schemeClr val="accent3">
         <a:tint val="50000"/>
       </a:schemeClr>
     </dgm:fillClrLst>
@@ -265,7 +268,7 @@
   </dgm:styleLbl>
   <dgm:styleLbl name="alignImgPlace1">
     <dgm:fillClrLst meth="repeat">
-      <a:schemeClr val="accent1">
+      <a:schemeClr val="accent3">
         <a:tint val="50000"/>
       </a:schemeClr>
     </dgm:fillClrLst>
@@ -281,7 +284,7 @@
   </dgm:styleLbl>
   <dgm:styleLbl name="bgImgPlace1">
     <dgm:fillClrLst meth="repeat">
-      <a:schemeClr val="accent1">
+      <a:schemeClr val="accent3">
         <a:tint val="50000"/>
       </a:schemeClr>
     </dgm:fillClrLst>
@@ -297,12 +300,12 @@
   </dgm:styleLbl>
   <dgm:styleLbl name="sibTrans2D1">
     <dgm:fillClrLst meth="repeat">
-      <a:schemeClr val="accent1">
+      <a:schemeClr val="accent3">
         <a:tint val="60000"/>
       </a:schemeClr>
     </dgm:fillClrLst>
     <dgm:linClrLst meth="repeat">
-      <a:schemeClr val="accent1">
+      <a:schemeClr val="accent3">
         <a:tint val="60000"/>
       </a:schemeClr>
     </dgm:linClrLst>
@@ -313,12 +316,12 @@
   </dgm:styleLbl>
   <dgm:styleLbl name="fgSibTrans2D1">
     <dgm:fillClrLst meth="repeat">
-      <a:schemeClr val="accent1">
+      <a:schemeClr val="accent3">
         <a:tint val="60000"/>
       </a:schemeClr>
     </dgm:fillClrLst>
     <dgm:linClrLst meth="repeat">
-      <a:schemeClr val="accent1">
+      <a:schemeClr val="accent3">
         <a:tint val="60000"/>
       </a:schemeClr>
     </dgm:linClrLst>
@@ -329,12 +332,12 @@
   </dgm:styleLbl>
   <dgm:styleLbl name="bgSibTrans2D1">
     <dgm:fillClrLst meth="repeat">
-      <a:schemeClr val="accent1">
+      <a:schemeClr val="accent3">
         <a:tint val="60000"/>
       </a:schemeClr>
     </dgm:fillClrLst>
     <dgm:linClrLst meth="repeat">
-      <a:schemeClr val="accent1">
+      <a:schemeClr val="accent3">
         <a:tint val="60000"/>
       </a:schemeClr>
     </dgm:linClrLst>
@@ -345,10 +348,10 @@
   </dgm:styleLbl>
   <dgm:styleLbl name="sibTrans1D1">
     <dgm:fillClrLst meth="repeat">
-      <a:schemeClr val="accent1"/>
+      <a:schemeClr val="accent3"/>
     </dgm:fillClrLst>
     <dgm:linClrLst meth="repeat">
-      <a:schemeClr val="accent1"/>
+      <a:schemeClr val="accent3"/>
     </dgm:linClrLst>
     <dgm:effectClrLst/>
     <dgm:txLinClrLst/>
@@ -359,10 +362,10 @@
   </dgm:styleLbl>
   <dgm:styleLbl name="callout">
     <dgm:fillClrLst meth="repeat">
-      <a:schemeClr val="accent1"/>
+      <a:schemeClr val="accent3"/>
     </dgm:fillClrLst>
     <dgm:linClrLst meth="repeat">
-      <a:schemeClr val="accent1">
+      <a:schemeClr val="accent3">
         <a:tint val="50000"/>
       </a:schemeClr>
     </dgm:linClrLst>
@@ -375,7 +378,7 @@
   </dgm:styleLbl>
   <dgm:styleLbl name="asst0">
     <dgm:fillClrLst meth="repeat">
-      <a:schemeClr val="accent1"/>
+      <a:schemeClr val="accent3"/>
     </dgm:fillClrLst>
     <dgm:linClrLst meth="repeat">
       <a:schemeClr val="lt1"/>
@@ -387,7 +390,7 @@
   </dgm:styleLbl>
   <dgm:styleLbl name="asst1">
     <dgm:fillClrLst meth="repeat">
-      <a:schemeClr val="accent1"/>
+      <a:schemeClr val="accent3"/>
     </dgm:fillClrLst>
     <dgm:linClrLst meth="repeat">
       <a:schemeClr val="lt1"/>
@@ -399,7 +402,7 @@
   </dgm:styleLbl>
   <dgm:styleLbl name="asst2">
     <dgm:fillClrLst meth="repeat">
-      <a:schemeClr val="accent1"/>
+      <a:schemeClr val="accent3"/>
     </dgm:fillClrLst>
     <dgm:linClrLst meth="repeat">
       <a:schemeClr val="lt1"/>
@@ -411,7 +414,7 @@
   </dgm:styleLbl>
   <dgm:styleLbl name="asst3">
     <dgm:fillClrLst meth="repeat">
-      <a:schemeClr val="accent1"/>
+      <a:schemeClr val="accent3"/>
     </dgm:fillClrLst>
     <dgm:linClrLst meth="repeat">
       <a:schemeClr val="lt1"/>
@@ -423,7 +426,7 @@
   </dgm:styleLbl>
   <dgm:styleLbl name="asst4">
     <dgm:fillClrLst meth="repeat">
-      <a:schemeClr val="accent1"/>
+      <a:schemeClr val="accent3"/>
     </dgm:fillClrLst>
     <dgm:linClrLst meth="repeat">
       <a:schemeClr val="lt1"/>
@@ -435,12 +438,12 @@
   </dgm:styleLbl>
   <dgm:styleLbl name="parChTrans2D1">
     <dgm:fillClrLst meth="repeat">
-      <a:schemeClr val="accent1">
+      <a:schemeClr val="accent3">
         <a:tint val="60000"/>
       </a:schemeClr>
     </dgm:fillClrLst>
     <dgm:linClrLst meth="repeat">
-      <a:schemeClr val="accent1">
+      <a:schemeClr val="accent3">
         <a:tint val="60000"/>
       </a:schemeClr>
     </dgm:linClrLst>
@@ -453,10 +456,10 @@
   </dgm:styleLbl>
   <dgm:styleLbl name="parChTrans2D2">
     <dgm:fillClrLst meth="repeat">
-      <a:schemeClr val="accent1"/>
+      <a:schemeClr val="accent3"/>
     </dgm:fillClrLst>
     <dgm:linClrLst meth="repeat">
-      <a:schemeClr val="accent1"/>
+      <a:schemeClr val="accent3"/>
     </dgm:linClrLst>
     <dgm:effectClrLst/>
     <dgm:txLinClrLst/>
@@ -467,10 +470,10 @@
   </dgm:styleLbl>
   <dgm:styleLbl name="parChTrans2D3">
     <dgm:fillClrLst meth="repeat">
-      <a:schemeClr val="accent1"/>
+      <a:schemeClr val="accent3"/>
     </dgm:fillClrLst>
     <dgm:linClrLst meth="repeat">
-      <a:schemeClr val="accent1"/>
+      <a:schemeClr val="accent3"/>
     </dgm:linClrLst>
     <dgm:effectClrLst/>
     <dgm:txLinClrLst/>
@@ -481,10 +484,10 @@
   </dgm:styleLbl>
   <dgm:styleLbl name="parChTrans2D4">
     <dgm:fillClrLst meth="repeat">
-      <a:schemeClr val="accent1"/>
+      <a:schemeClr val="accent3"/>
     </dgm:fillClrLst>
     <dgm:linClrLst meth="repeat">
-      <a:schemeClr val="accent1"/>
+      <a:schemeClr val="accent3"/>
     </dgm:linClrLst>
     <dgm:effectClrLst/>
     <dgm:txLinClrLst/>
@@ -495,10 +498,10 @@
   </dgm:styleLbl>
   <dgm:styleLbl name="parChTrans1D1">
     <dgm:fillClrLst meth="repeat">
-      <a:schemeClr val="accent1"/>
+      <a:schemeClr val="accent3"/>
     </dgm:fillClrLst>
     <dgm:linClrLst meth="repeat">
-      <a:schemeClr val="accent1">
+      <a:schemeClr val="accent3">
         <a:shade val="60000"/>
       </a:schemeClr>
     </dgm:linClrLst>
@@ -511,10 +514,10 @@
   </dgm:styleLbl>
   <dgm:styleLbl name="parChTrans1D2">
     <dgm:fillClrLst meth="repeat">
-      <a:schemeClr val="accent1"/>
+      <a:schemeClr val="accent3"/>
     </dgm:fillClrLst>
     <dgm:linClrLst meth="repeat">
-      <a:schemeClr val="accent1">
+      <a:schemeClr val="accent3">
         <a:shade val="60000"/>
       </a:schemeClr>
     </dgm:linClrLst>
@@ -527,10 +530,10 @@
   </dgm:styleLbl>
   <dgm:styleLbl name="parChTrans1D3">
     <dgm:fillClrLst meth="repeat">
-      <a:schemeClr val="accent1"/>
+      <a:schemeClr val="accent3"/>
     </dgm:fillClrLst>
     <dgm:linClrLst meth="repeat">
-      <a:schemeClr val="accent1">
+      <a:schemeClr val="accent3">
         <a:shade val="80000"/>
       </a:schemeClr>
     </dgm:linClrLst>
@@ -543,10 +546,10 @@
   </dgm:styleLbl>
   <dgm:styleLbl name="parChTrans1D4">
     <dgm:fillClrLst meth="repeat">
-      <a:schemeClr val="accent1"/>
+      <a:schemeClr val="accent3"/>
     </dgm:fillClrLst>
     <dgm:linClrLst meth="repeat">
-      <a:schemeClr val="accent1">
+      <a:schemeClr val="accent3">
         <a:shade val="80000"/>
       </a:schemeClr>
     </dgm:linClrLst>
@@ -564,7 +567,7 @@
       </a:schemeClr>
     </dgm:fillClrLst>
     <dgm:linClrLst meth="repeat">
-      <a:schemeClr val="accent1"/>
+      <a:schemeClr val="accent3"/>
     </dgm:linClrLst>
     <dgm:effectClrLst/>
     <dgm:txLinClrLst/>
@@ -580,7 +583,7 @@
       </a:schemeClr>
     </dgm:fillClrLst>
     <dgm:linClrLst meth="repeat">
-      <a:schemeClr val="accent1"/>
+      <a:schemeClr val="accent3"/>
     </dgm:linClrLst>
     <dgm:effectClrLst/>
     <dgm:txLinClrLst/>
@@ -596,7 +599,7 @@
       </a:schemeClr>
     </dgm:fillClrLst>
     <dgm:linClrLst meth="repeat">
-      <a:schemeClr val="accent1"/>
+      <a:schemeClr val="accent3"/>
     </dgm:linClrLst>
     <dgm:effectClrLst/>
     <dgm:txLinClrLst/>
@@ -612,7 +615,7 @@
       </a:schemeClr>
     </dgm:fillClrLst>
     <dgm:linClrLst meth="repeat">
-      <a:schemeClr val="accent1"/>
+      <a:schemeClr val="accent3"/>
     </dgm:linClrLst>
     <dgm:effectClrLst/>
     <dgm:txLinClrLst/>
@@ -628,7 +631,7 @@
       </a:schemeClr>
     </dgm:fillClrLst>
     <dgm:linClrLst meth="repeat">
-      <a:schemeClr val="accent1"/>
+      <a:schemeClr val="accent3"/>
     </dgm:linClrLst>
     <dgm:effectClrLst/>
     <dgm:txLinClrLst/>
@@ -642,7 +645,7 @@
       <a:schemeClr val="lt1"/>
     </dgm:fillClrLst>
     <dgm:linClrLst meth="repeat">
-      <a:schemeClr val="accent1"/>
+      <a:schemeClr val="accent3"/>
     </dgm:linClrLst>
     <dgm:effectClrLst/>
     <dgm:txLinClrLst/>
@@ -656,7 +659,7 @@
       <a:schemeClr val="lt1"/>
     </dgm:fillClrLst>
     <dgm:linClrLst meth="repeat">
-      <a:schemeClr val="accent1"/>
+      <a:schemeClr val="accent3"/>
     </dgm:linClrLst>
     <dgm:effectClrLst/>
     <dgm:txLinClrLst/>
@@ -670,7 +673,7 @@
       <a:schemeClr val="lt1"/>
     </dgm:fillClrLst>
     <dgm:linClrLst meth="repeat">
-      <a:schemeClr val="accent1"/>
+      <a:schemeClr val="accent3"/>
     </dgm:linClrLst>
     <dgm:effectClrLst/>
     <dgm:txLinClrLst/>
@@ -681,13 +684,13 @@
   </dgm:styleLbl>
   <dgm:styleLbl name="fgAccFollowNode1">
     <dgm:fillClrLst meth="repeat">
-      <a:schemeClr val="accent1">
+      <a:schemeClr val="accent3">
         <a:alpha val="90000"/>
         <a:tint val="40000"/>
       </a:schemeClr>
     </dgm:fillClrLst>
     <dgm:linClrLst meth="repeat">
-      <a:schemeClr val="accent1">
+      <a:schemeClr val="accent3">
         <a:alpha val="90000"/>
         <a:tint val="40000"/>
       </a:schemeClr>
@@ -701,13 +704,13 @@
   </dgm:styleLbl>
   <dgm:styleLbl name="alignAccFollowNode1">
     <dgm:fillClrLst meth="repeat">
-      <a:schemeClr val="accent1">
+      <a:schemeClr val="accent3">
         <a:alpha val="90000"/>
         <a:tint val="40000"/>
       </a:schemeClr>
     </dgm:fillClrLst>
     <dgm:linClrLst meth="repeat">
-      <a:schemeClr val="accent1">
+      <a:schemeClr val="accent3">
         <a:alpha val="90000"/>
         <a:tint val="40000"/>
       </a:schemeClr>
@@ -721,13 +724,13 @@
   </dgm:styleLbl>
   <dgm:styleLbl name="bgAccFollowNode1">
     <dgm:fillClrLst meth="repeat">
-      <a:schemeClr val="accent1">
+      <a:schemeClr val="accent3">
         <a:alpha val="90000"/>
         <a:tint val="40000"/>
       </a:schemeClr>
     </dgm:fillClrLst>
     <dgm:linClrLst meth="repeat">
-      <a:schemeClr val="accent1">
+      <a:schemeClr val="accent3">
         <a:alpha val="90000"/>
         <a:tint val="40000"/>
       </a:schemeClr>
@@ -746,7 +749,7 @@
       </a:schemeClr>
     </dgm:fillClrLst>
     <dgm:linClrLst meth="repeat">
-      <a:schemeClr val="accent1"/>
+      <a:schemeClr val="accent3"/>
     </dgm:linClrLst>
     <dgm:effectClrLst/>
     <dgm:txLinClrLst/>
@@ -762,7 +765,7 @@
       </a:schemeClr>
     </dgm:fillClrLst>
     <dgm:linClrLst meth="repeat">
-      <a:schemeClr val="accent1"/>
+      <a:schemeClr val="accent3"/>
     </dgm:linClrLst>
     <dgm:effectClrLst/>
     <dgm:txLinClrLst/>
@@ -778,7 +781,7 @@
       </a:schemeClr>
     </dgm:fillClrLst>
     <dgm:linClrLst meth="repeat">
-      <a:schemeClr val="accent1"/>
+      <a:schemeClr val="accent3"/>
     </dgm:linClrLst>
     <dgm:effectClrLst/>
     <dgm:txLinClrLst/>
@@ -794,7 +797,7 @@
       </a:schemeClr>
     </dgm:fillClrLst>
     <dgm:linClrLst meth="repeat">
-      <a:schemeClr val="accent1"/>
+      <a:schemeClr val="accent3"/>
     </dgm:linClrLst>
     <dgm:effectClrLst/>
     <dgm:txLinClrLst/>
@@ -805,12 +808,12 @@
   </dgm:styleLbl>
   <dgm:styleLbl name="bgShp">
     <dgm:fillClrLst meth="repeat">
-      <a:schemeClr val="accent1">
+      <a:schemeClr val="accent3">
         <a:tint val="40000"/>
       </a:schemeClr>
     </dgm:fillClrLst>
     <dgm:linClrLst meth="repeat">
-      <a:schemeClr val="accent1"/>
+      <a:schemeClr val="accent3"/>
     </dgm:linClrLst>
     <dgm:effectClrLst/>
     <dgm:txLinClrLst/>
@@ -821,12 +824,12 @@
   </dgm:styleLbl>
   <dgm:styleLbl name="dkBgShp">
     <dgm:fillClrLst meth="repeat">
-      <a:schemeClr val="accent1">
+      <a:schemeClr val="accent3">
         <a:shade val="80000"/>
       </a:schemeClr>
     </dgm:fillClrLst>
     <dgm:linClrLst meth="repeat">
-      <a:schemeClr val="accent1"/>
+      <a:schemeClr val="accent3"/>
     </dgm:linClrLst>
     <dgm:effectClrLst/>
     <dgm:txLinClrLst/>
@@ -837,13 +840,13 @@
   </dgm:styleLbl>
   <dgm:styleLbl name="trBgShp">
     <dgm:fillClrLst meth="repeat">
-      <a:schemeClr val="accent1">
+      <a:schemeClr val="accent3">
         <a:tint val="50000"/>
         <a:alpha val="40000"/>
       </a:schemeClr>
     </dgm:fillClrLst>
     <dgm:linClrLst meth="repeat">
-      <a:schemeClr val="accent1"/>
+      <a:schemeClr val="accent3"/>
     </dgm:linClrLst>
     <dgm:effectClrLst/>
     <dgm:txLinClrLst/>
@@ -854,7 +857,7 @@
   </dgm:styleLbl>
   <dgm:styleLbl name="fgShp">
     <dgm:fillClrLst meth="repeat">
-      <a:schemeClr val="accent1">
+      <a:schemeClr val="accent3">
         <a:tint val="60000"/>
       </a:schemeClr>
     </dgm:fillClrLst>
@@ -1640,7 +1643,7 @@
 <dgm:dataModel xmlns:dgm="http://schemas.openxmlformats.org/drawingml/2006/diagram" xmlns:a="http://schemas.openxmlformats.org/drawingml/2006/main">
   <dgm:ptLst>
     <dgm:pt modelId="{52E931CF-DAB1-48B5-8B2A-30629FC8640F}" type="doc">
-      <dgm:prSet loTypeId="urn:microsoft.com/office/officeart/2018/2/layout/IconVerticalSolidList" loCatId="icon" qsTypeId="urn:microsoft.com/office/officeart/2005/8/quickstyle/simple1" qsCatId="simple" csTypeId="urn:microsoft.com/office/officeart/2005/8/colors/accent1_2" csCatId="accent1" phldr="1"/>
+      <dgm:prSet loTypeId="urn:microsoft.com/office/officeart/2018/2/layout/IconVerticalSolidList" loCatId="icon" qsTypeId="urn:microsoft.com/office/officeart/2005/8/quickstyle/simple1" qsCatId="simple" csTypeId="urn:microsoft.com/office/officeart/2005/8/colors/accent3_2" csCatId="accent3" phldr="1"/>
       <dgm:spPr/>
       <dgm:t>
         <a:bodyPr/>
@@ -1657,11 +1660,6 @@
         <a:bodyPr/>
         <a:lstStyle/>
         <a:p>
-          <a:pPr>
-            <a:lnSpc>
-              <a:spcPct val="100000"/>
-            </a:lnSpc>
-          </a:pPr>
           <a:r>
             <a:rPr lang="es-ES"/>
             <a:t>Contexto Comercial y Analítico</a:t>
@@ -1699,11 +1697,6 @@
         <a:bodyPr/>
         <a:lstStyle/>
         <a:p>
-          <a:pPr>
-            <a:lnSpc>
-              <a:spcPct val="100000"/>
-            </a:lnSpc>
-          </a:pPr>
           <a:r>
             <a:rPr lang="es-ES"/>
             <a:t>Problemática</a:t>
@@ -1741,11 +1734,6 @@
         <a:bodyPr/>
         <a:lstStyle/>
         <a:p>
-          <a:pPr>
-            <a:lnSpc>
-              <a:spcPct val="100000"/>
-            </a:lnSpc>
-          </a:pPr>
           <a:r>
             <a:rPr lang="es-ES"/>
             <a:t>Descripción del dataset y Preguntas de interés.</a:t>
@@ -1783,16 +1771,11 @@
         <a:bodyPr/>
         <a:lstStyle/>
         <a:p>
-          <a:pPr>
-            <a:lnSpc>
-              <a:spcPct val="100000"/>
-            </a:lnSpc>
-          </a:pPr>
           <a:r>
-            <a:rPr lang="es-ES" dirty="0"/>
+            <a:rPr lang="es-ES"/>
             <a:t>Variable target</a:t>
           </a:r>
-          <a:endParaRPr lang="en-US" dirty="0"/>
+          <a:endParaRPr lang="en-US"/>
         </a:p>
       </dgm:t>
     </dgm:pt>
@@ -1825,20 +1808,11 @@
         <a:bodyPr/>
         <a:lstStyle/>
         <a:p>
-          <a:pPr>
-            <a:lnSpc>
-              <a:spcPct val="100000"/>
-            </a:lnSpc>
-          </a:pPr>
           <a:r>
-            <a:rPr lang="es-ES" dirty="0"/>
-            <a:t>Análisis Exploratorio de Datos e </a:t>
+            <a:rPr lang="es-ES"/>
+            <a:t>Análisis Exploratorio de Datos e Insights</a:t>
           </a:r>
-          <a:r>
-            <a:rPr lang="es-ES" dirty="0" err="1"/>
-            <a:t>Insights</a:t>
-          </a:r>
-          <a:endParaRPr lang="en-US" dirty="0"/>
+          <a:endParaRPr lang="en-US"/>
         </a:p>
       </dgm:t>
     </dgm:pt>
@@ -1864,6 +1838,114 @@
         </a:p>
       </dgm:t>
     </dgm:pt>
+    <dgm:pt modelId="{8342C56F-4807-4608-95BA-3C7F10E1C09F}">
+      <dgm:prSet/>
+      <dgm:spPr/>
+      <dgm:t>
+        <a:bodyPr/>
+        <a:lstStyle/>
+        <a:p>
+          <a:r>
+            <a:rPr lang="en-US"/>
+            <a:t>Abstract</a:t>
+          </a:r>
+        </a:p>
+      </dgm:t>
+    </dgm:pt>
+    <dgm:pt modelId="{A14BE6DB-2F57-45B2-BFB7-B597AB8B8330}" type="parTrans" cxnId="{C722C953-80CE-4CFA-B1EA-6F2AB0F9ADC2}">
+      <dgm:prSet/>
+      <dgm:spPr/>
+      <dgm:t>
+        <a:bodyPr/>
+        <a:lstStyle/>
+        <a:p>
+          <a:endParaRPr lang="es-AR"/>
+        </a:p>
+      </dgm:t>
+    </dgm:pt>
+    <dgm:pt modelId="{E1BF2396-3E3A-4321-8CF2-10B8067A4F9A}" type="sibTrans" cxnId="{C722C953-80CE-4CFA-B1EA-6F2AB0F9ADC2}">
+      <dgm:prSet/>
+      <dgm:spPr/>
+      <dgm:t>
+        <a:bodyPr/>
+        <a:lstStyle/>
+        <a:p>
+          <a:endParaRPr lang="es-AR"/>
+        </a:p>
+      </dgm:t>
+    </dgm:pt>
+    <dgm:pt modelId="{670C060F-34AF-4679-A740-34712F45841E}">
+      <dgm:prSet/>
+      <dgm:spPr/>
+      <dgm:t>
+        <a:bodyPr/>
+        <a:lstStyle/>
+        <a:p>
+          <a:r>
+            <a:rPr lang="en-US"/>
+            <a:t>Dataset</a:t>
+          </a:r>
+        </a:p>
+      </dgm:t>
+    </dgm:pt>
+    <dgm:pt modelId="{0C96A267-11E1-4795-8238-94DD7F01F0A3}" type="parTrans" cxnId="{5FDCB6E3-3E4E-481A-936F-24C7667CFB10}">
+      <dgm:prSet/>
+      <dgm:spPr/>
+      <dgm:t>
+        <a:bodyPr/>
+        <a:lstStyle/>
+        <a:p>
+          <a:endParaRPr lang="es-AR"/>
+        </a:p>
+      </dgm:t>
+    </dgm:pt>
+    <dgm:pt modelId="{49A1CE36-6888-49F2-8519-0066ED08C413}" type="sibTrans" cxnId="{5FDCB6E3-3E4E-481A-936F-24C7667CFB10}">
+      <dgm:prSet/>
+      <dgm:spPr/>
+      <dgm:t>
+        <a:bodyPr/>
+        <a:lstStyle/>
+        <a:p>
+          <a:endParaRPr lang="es-AR"/>
+        </a:p>
+      </dgm:t>
+    </dgm:pt>
+    <dgm:pt modelId="{C5453328-8FEB-4384-8F5A-68EBD366B90B}">
+      <dgm:prSet/>
+      <dgm:spPr/>
+      <dgm:t>
+        <a:bodyPr/>
+        <a:lstStyle/>
+        <a:p>
+          <a:r>
+            <a:rPr lang="en-US"/>
+            <a:t>Diccionario</a:t>
+          </a:r>
+        </a:p>
+      </dgm:t>
+    </dgm:pt>
+    <dgm:pt modelId="{9BF15944-A35C-452C-AA33-AD0BA254978F}" type="parTrans" cxnId="{30E85146-F51B-490D-8E7E-17DF2DC93EE8}">
+      <dgm:prSet/>
+      <dgm:spPr/>
+      <dgm:t>
+        <a:bodyPr/>
+        <a:lstStyle/>
+        <a:p>
+          <a:endParaRPr lang="es-AR"/>
+        </a:p>
+      </dgm:t>
+    </dgm:pt>
+    <dgm:pt modelId="{CED4A0A8-4E43-4E62-B695-42A4EF3D1994}" type="sibTrans" cxnId="{30E85146-F51B-490D-8E7E-17DF2DC93EE8}">
+      <dgm:prSet/>
+      <dgm:spPr/>
+      <dgm:t>
+        <a:bodyPr/>
+        <a:lstStyle/>
+        <a:p>
+          <a:endParaRPr lang="es-AR"/>
+        </a:p>
+      </dgm:t>
+    </dgm:pt>
     <dgm:pt modelId="{1BDFD842-A21F-4CF5-9902-769BEE2D91A5}" type="pres">
       <dgm:prSet presAssocID="{52E931CF-DAB1-48B5-8B2A-30629FC8640F}" presName="root" presStyleCnt="0">
         <dgm:presLayoutVars>
@@ -1873,25 +1955,178 @@
       </dgm:prSet>
       <dgm:spPr/>
     </dgm:pt>
+    <dgm:pt modelId="{46141B3D-F9C0-41C6-8FB1-C24ACB5DA6B0}" type="pres">
+      <dgm:prSet presAssocID="{8342C56F-4807-4608-95BA-3C7F10E1C09F}" presName="compNode" presStyleCnt="0"/>
+      <dgm:spPr/>
+    </dgm:pt>
+    <dgm:pt modelId="{8220A6BF-2141-47A2-83AA-335213E1009E}" type="pres">
+      <dgm:prSet presAssocID="{8342C56F-4807-4608-95BA-3C7F10E1C09F}" presName="bgRect" presStyleLbl="bgShp" presStyleIdx="0" presStyleCnt="8"/>
+      <dgm:spPr/>
+    </dgm:pt>
+    <dgm:pt modelId="{E581DCB8-227D-4319-A584-63D68E022838}" type="pres">
+      <dgm:prSet presAssocID="{8342C56F-4807-4608-95BA-3C7F10E1C09F}" presName="iconRect" presStyleLbl="node1" presStyleIdx="0" presStyleCnt="8"/>
+      <dgm:spPr>
+        <a:blipFill>
+          <a:blip xmlns:r="http://schemas.openxmlformats.org/officeDocument/2006/relationships" r:embed="rId1">
+            <a:extLst>
+              <a:ext uri="{96DAC541-7B7A-43D3-8B79-37D633B846F1}">
+                <asvg:svgBlip xmlns:asvg="http://schemas.microsoft.com/office/drawing/2016/SVG/main" r:embed="rId2"/>
+              </a:ext>
+            </a:extLst>
+          </a:blip>
+          <a:srcRect/>
+          <a:stretch>
+            <a:fillRect/>
+          </a:stretch>
+        </a:blipFill>
+        <a:ln>
+          <a:noFill/>
+        </a:ln>
+      </dgm:spPr>
+      <dgm:extLst>
+        <a:ext uri="{E40237B7-FDA0-4F09-8148-C483321AD2D9}">
+          <dgm14:cNvPr xmlns:dgm14="http://schemas.microsoft.com/office/drawing/2010/diagram" id="0" name="" descr="Lápiz con relleno sólido"/>
+        </a:ext>
+      </dgm:extLst>
+    </dgm:pt>
+    <dgm:pt modelId="{886B85CA-6F14-4591-926A-C2A2D8E0DEE8}" type="pres">
+      <dgm:prSet presAssocID="{8342C56F-4807-4608-95BA-3C7F10E1C09F}" presName="spaceRect" presStyleCnt="0"/>
+      <dgm:spPr/>
+    </dgm:pt>
+    <dgm:pt modelId="{0C8BEB21-DF15-4E0B-A12E-697BC99F8FBF}" type="pres">
+      <dgm:prSet presAssocID="{8342C56F-4807-4608-95BA-3C7F10E1C09F}" presName="parTx" presStyleLbl="revTx" presStyleIdx="0" presStyleCnt="8">
+        <dgm:presLayoutVars>
+          <dgm:chMax val="0"/>
+          <dgm:chPref val="0"/>
+        </dgm:presLayoutVars>
+      </dgm:prSet>
+      <dgm:spPr/>
+    </dgm:pt>
+    <dgm:pt modelId="{5AF0432B-092A-47A8-818A-F6A315F60F61}" type="pres">
+      <dgm:prSet presAssocID="{E1BF2396-3E3A-4321-8CF2-10B8067A4F9A}" presName="sibTrans" presStyleCnt="0"/>
+      <dgm:spPr/>
+    </dgm:pt>
+    <dgm:pt modelId="{FE2A1DFD-434D-4C3E-B2FF-3069FD99ED4B}" type="pres">
+      <dgm:prSet presAssocID="{670C060F-34AF-4679-A740-34712F45841E}" presName="compNode" presStyleCnt="0"/>
+      <dgm:spPr/>
+    </dgm:pt>
+    <dgm:pt modelId="{B2EDB97B-39F6-41FF-BFC0-147F0DE8074F}" type="pres">
+      <dgm:prSet presAssocID="{670C060F-34AF-4679-A740-34712F45841E}" presName="bgRect" presStyleLbl="bgShp" presStyleIdx="1" presStyleCnt="8"/>
+      <dgm:spPr/>
+    </dgm:pt>
+    <dgm:pt modelId="{F6AE346F-0FC9-4E79-91EB-66645076A4C1}" type="pres">
+      <dgm:prSet presAssocID="{670C060F-34AF-4679-A740-34712F45841E}" presName="iconRect" presStyleLbl="node1" presStyleIdx="1" presStyleCnt="8"/>
+      <dgm:spPr>
+        <a:blipFill>
+          <a:blip xmlns:r="http://schemas.openxmlformats.org/officeDocument/2006/relationships" r:embed="rId3">
+            <a:extLst>
+              <a:ext uri="{96DAC541-7B7A-43D3-8B79-37D633B846F1}">
+                <asvg:svgBlip xmlns:asvg="http://schemas.microsoft.com/office/drawing/2016/SVG/main" r:embed="rId4"/>
+              </a:ext>
+            </a:extLst>
+          </a:blip>
+          <a:srcRect/>
+          <a:stretch>
+            <a:fillRect/>
+          </a:stretch>
+        </a:blipFill>
+        <a:ln>
+          <a:noFill/>
+        </a:ln>
+      </dgm:spPr>
+      <dgm:extLst>
+        <a:ext uri="{E40237B7-FDA0-4F09-8148-C483321AD2D9}">
+          <dgm14:cNvPr xmlns:dgm14="http://schemas.microsoft.com/office/drawing/2010/diagram" id="0" name="" descr="Base de datos con relleno sólido"/>
+        </a:ext>
+      </dgm:extLst>
+    </dgm:pt>
+    <dgm:pt modelId="{8E579926-09FD-4E37-8815-238331C36301}" type="pres">
+      <dgm:prSet presAssocID="{670C060F-34AF-4679-A740-34712F45841E}" presName="spaceRect" presStyleCnt="0"/>
+      <dgm:spPr/>
+    </dgm:pt>
+    <dgm:pt modelId="{98ABE6CB-A85A-4BDC-A51D-DE70B4AEFEC1}" type="pres">
+      <dgm:prSet presAssocID="{670C060F-34AF-4679-A740-34712F45841E}" presName="parTx" presStyleLbl="revTx" presStyleIdx="1" presStyleCnt="8">
+        <dgm:presLayoutVars>
+          <dgm:chMax val="0"/>
+          <dgm:chPref val="0"/>
+        </dgm:presLayoutVars>
+      </dgm:prSet>
+      <dgm:spPr/>
+    </dgm:pt>
+    <dgm:pt modelId="{E4E4B45A-EC64-4CB5-8342-2EAF370E6F0B}" type="pres">
+      <dgm:prSet presAssocID="{49A1CE36-6888-49F2-8519-0066ED08C413}" presName="sibTrans" presStyleCnt="0"/>
+      <dgm:spPr/>
+    </dgm:pt>
+    <dgm:pt modelId="{0E2F5F01-5E11-49FA-BF96-9981F36B9336}" type="pres">
+      <dgm:prSet presAssocID="{C5453328-8FEB-4384-8F5A-68EBD366B90B}" presName="compNode" presStyleCnt="0"/>
+      <dgm:spPr/>
+    </dgm:pt>
+    <dgm:pt modelId="{60E2F038-488E-4CD7-B9DE-FEE5C0F08644}" type="pres">
+      <dgm:prSet presAssocID="{C5453328-8FEB-4384-8F5A-68EBD366B90B}" presName="bgRect" presStyleLbl="bgShp" presStyleIdx="2" presStyleCnt="8"/>
+      <dgm:spPr/>
+    </dgm:pt>
+    <dgm:pt modelId="{5FF6E9BB-0F68-46A0-9A4F-6DD0BD2E7DC0}" type="pres">
+      <dgm:prSet presAssocID="{C5453328-8FEB-4384-8F5A-68EBD366B90B}" presName="iconRect" presStyleLbl="node1" presStyleIdx="2" presStyleCnt="8"/>
+      <dgm:spPr>
+        <a:blipFill>
+          <a:blip xmlns:r="http://schemas.openxmlformats.org/officeDocument/2006/relationships" r:embed="rId5">
+            <a:extLst>
+              <a:ext uri="{96DAC541-7B7A-43D3-8B79-37D633B846F1}">
+                <asvg:svgBlip xmlns:asvg="http://schemas.microsoft.com/office/drawing/2016/SVG/main" r:embed="rId6"/>
+              </a:ext>
+            </a:extLst>
+          </a:blip>
+          <a:srcRect/>
+          <a:stretch>
+            <a:fillRect/>
+          </a:stretch>
+        </a:blipFill>
+        <a:ln>
+          <a:noFill/>
+        </a:ln>
+      </dgm:spPr>
+      <dgm:extLst>
+        <a:ext uri="{E40237B7-FDA0-4F09-8148-C483321AD2D9}">
+          <dgm14:cNvPr xmlns:dgm14="http://schemas.microsoft.com/office/drawing/2010/diagram" id="0" name="" descr="Libros en una estantería con relleno sólido"/>
+        </a:ext>
+      </dgm:extLst>
+    </dgm:pt>
+    <dgm:pt modelId="{94913409-62AD-493A-B980-28FA4D15C806}" type="pres">
+      <dgm:prSet presAssocID="{C5453328-8FEB-4384-8F5A-68EBD366B90B}" presName="spaceRect" presStyleCnt="0"/>
+      <dgm:spPr/>
+    </dgm:pt>
+    <dgm:pt modelId="{84979391-5166-4C44-B2C5-3C373023429F}" type="pres">
+      <dgm:prSet presAssocID="{C5453328-8FEB-4384-8F5A-68EBD366B90B}" presName="parTx" presStyleLbl="revTx" presStyleIdx="2" presStyleCnt="8">
+        <dgm:presLayoutVars>
+          <dgm:chMax val="0"/>
+          <dgm:chPref val="0"/>
+        </dgm:presLayoutVars>
+      </dgm:prSet>
+      <dgm:spPr/>
+    </dgm:pt>
+    <dgm:pt modelId="{77B9E960-BCCC-4D5E-9739-4D11B54B49EB}" type="pres">
+      <dgm:prSet presAssocID="{CED4A0A8-4E43-4E62-B695-42A4EF3D1994}" presName="sibTrans" presStyleCnt="0"/>
+      <dgm:spPr/>
+    </dgm:pt>
     <dgm:pt modelId="{71E92353-FCBC-4A6B-8817-598496521301}" type="pres">
       <dgm:prSet presAssocID="{63541E6E-BDC0-4BC6-BF75-FDEB5DB4E5A9}" presName="compNode" presStyleCnt="0"/>
       <dgm:spPr/>
     </dgm:pt>
     <dgm:pt modelId="{E4C243F8-7D3E-462C-8114-560BFCAD5BBB}" type="pres">
-      <dgm:prSet presAssocID="{63541E6E-BDC0-4BC6-BF75-FDEB5DB4E5A9}" presName="bgRect" presStyleLbl="bgShp" presStyleIdx="0" presStyleCnt="5"/>
+      <dgm:prSet presAssocID="{63541E6E-BDC0-4BC6-BF75-FDEB5DB4E5A9}" presName="bgRect" presStyleLbl="bgShp" presStyleIdx="3" presStyleCnt="8"/>
       <dgm:spPr/>
     </dgm:pt>
     <dgm:pt modelId="{0BF62C12-017F-49CA-AAF4-F1C47CFCD132}" type="pres">
-      <dgm:prSet presAssocID="{63541E6E-BDC0-4BC6-BF75-FDEB5DB4E5A9}" presName="iconRect" presStyleLbl="node1" presStyleIdx="0" presStyleCnt="5"/>
+      <dgm:prSet presAssocID="{63541E6E-BDC0-4BC6-BF75-FDEB5DB4E5A9}" presName="iconRect" presStyleLbl="node1" presStyleIdx="3" presStyleCnt="8"/>
       <dgm:spPr>
         <a:blipFill>
-          <a:blip xmlns:r="http://schemas.openxmlformats.org/officeDocument/2006/relationships" r:embed="rId1">
+          <a:blip xmlns:r="http://schemas.openxmlformats.org/officeDocument/2006/relationships" r:embed="rId7">
             <a:extLst>
               <a:ext uri="{28A0092B-C50C-407E-A947-70E740481C1C}">
                 <a14:useLocalDpi xmlns:a14="http://schemas.microsoft.com/office/drawing/2010/main" val="0"/>
               </a:ext>
               <a:ext uri="{96DAC541-7B7A-43D3-8B79-37D633B846F1}">
-                <asvg:svgBlip xmlns:asvg="http://schemas.microsoft.com/office/drawing/2016/SVG/main" r:embed="rId2"/>
+                <asvg:svgBlip xmlns:asvg="http://schemas.microsoft.com/office/drawing/2016/SVG/main" r:embed="rId8"/>
               </a:ext>
             </a:extLst>
           </a:blip>
@@ -1914,7 +2149,7 @@
       <dgm:spPr/>
     </dgm:pt>
     <dgm:pt modelId="{66099222-96B9-4944-A5BA-201C8AC6E751}" type="pres">
-      <dgm:prSet presAssocID="{63541E6E-BDC0-4BC6-BF75-FDEB5DB4E5A9}" presName="parTx" presStyleLbl="revTx" presStyleIdx="0" presStyleCnt="5">
+      <dgm:prSet presAssocID="{63541E6E-BDC0-4BC6-BF75-FDEB5DB4E5A9}" presName="parTx" presStyleLbl="revTx" presStyleIdx="3" presStyleCnt="8">
         <dgm:presLayoutVars>
           <dgm:chMax val="0"/>
           <dgm:chPref val="0"/>
@@ -1931,20 +2166,20 @@
       <dgm:spPr/>
     </dgm:pt>
     <dgm:pt modelId="{3A4C22EB-1265-4A66-9146-6CB8207A1842}" type="pres">
-      <dgm:prSet presAssocID="{F12432E0-0901-433C-B1E3-485D54A3DF42}" presName="bgRect" presStyleLbl="bgShp" presStyleIdx="1" presStyleCnt="5"/>
+      <dgm:prSet presAssocID="{F12432E0-0901-433C-B1E3-485D54A3DF42}" presName="bgRect" presStyleLbl="bgShp" presStyleIdx="4" presStyleCnt="8"/>
       <dgm:spPr/>
     </dgm:pt>
     <dgm:pt modelId="{0E8A30A5-3B27-42C3-8A13-34BF6BF67A33}" type="pres">
-      <dgm:prSet presAssocID="{F12432E0-0901-433C-B1E3-485D54A3DF42}" presName="iconRect" presStyleLbl="node1" presStyleIdx="1" presStyleCnt="5"/>
+      <dgm:prSet presAssocID="{F12432E0-0901-433C-B1E3-485D54A3DF42}" presName="iconRect" presStyleLbl="node1" presStyleIdx="4" presStyleCnt="8"/>
       <dgm:spPr>
         <a:blipFill>
-          <a:blip xmlns:r="http://schemas.openxmlformats.org/officeDocument/2006/relationships" r:embed="rId3">
+          <a:blip xmlns:r="http://schemas.openxmlformats.org/officeDocument/2006/relationships" r:embed="rId9">
             <a:extLst>
               <a:ext uri="{28A0092B-C50C-407E-A947-70E740481C1C}">
                 <a14:useLocalDpi xmlns:a14="http://schemas.microsoft.com/office/drawing/2010/main" val="0"/>
               </a:ext>
               <a:ext uri="{96DAC541-7B7A-43D3-8B79-37D633B846F1}">
-                <asvg:svgBlip xmlns:asvg="http://schemas.microsoft.com/office/drawing/2016/SVG/main" r:embed="rId4"/>
+                <asvg:svgBlip xmlns:asvg="http://schemas.microsoft.com/office/drawing/2016/SVG/main" r:embed="rId10"/>
               </a:ext>
             </a:extLst>
           </a:blip>
@@ -1967,7 +2202,7 @@
       <dgm:spPr/>
     </dgm:pt>
     <dgm:pt modelId="{14B5B67E-0477-432C-B112-6FBCEAF01454}" type="pres">
-      <dgm:prSet presAssocID="{F12432E0-0901-433C-B1E3-485D54A3DF42}" presName="parTx" presStyleLbl="revTx" presStyleIdx="1" presStyleCnt="5">
+      <dgm:prSet presAssocID="{F12432E0-0901-433C-B1E3-485D54A3DF42}" presName="parTx" presStyleLbl="revTx" presStyleIdx="4" presStyleCnt="8">
         <dgm:presLayoutVars>
           <dgm:chMax val="0"/>
           <dgm:chPref val="0"/>
@@ -1984,20 +2219,20 @@
       <dgm:spPr/>
     </dgm:pt>
     <dgm:pt modelId="{B068C79A-3DD3-4756-96B1-5A8F99FBAD1B}" type="pres">
-      <dgm:prSet presAssocID="{24EBBDB3-5868-4082-A937-A71D634B92AE}" presName="bgRect" presStyleLbl="bgShp" presStyleIdx="2" presStyleCnt="5"/>
+      <dgm:prSet presAssocID="{24EBBDB3-5868-4082-A937-A71D634B92AE}" presName="bgRect" presStyleLbl="bgShp" presStyleIdx="5" presStyleCnt="8"/>
       <dgm:spPr/>
     </dgm:pt>
     <dgm:pt modelId="{6E6BE928-3739-4FB6-BEFE-E573DB676FF6}" type="pres">
-      <dgm:prSet presAssocID="{24EBBDB3-5868-4082-A937-A71D634B92AE}" presName="iconRect" presStyleLbl="node1" presStyleIdx="2" presStyleCnt="5"/>
+      <dgm:prSet presAssocID="{24EBBDB3-5868-4082-A937-A71D634B92AE}" presName="iconRect" presStyleLbl="node1" presStyleIdx="5" presStyleCnt="8"/>
       <dgm:spPr>
         <a:blipFill>
-          <a:blip xmlns:r="http://schemas.openxmlformats.org/officeDocument/2006/relationships" r:embed="rId5">
+          <a:blip xmlns:r="http://schemas.openxmlformats.org/officeDocument/2006/relationships" r:embed="rId11">
             <a:extLst>
               <a:ext uri="{28A0092B-C50C-407E-A947-70E740481C1C}">
                 <a14:useLocalDpi xmlns:a14="http://schemas.microsoft.com/office/drawing/2010/main" val="0"/>
               </a:ext>
               <a:ext uri="{96DAC541-7B7A-43D3-8B79-37D633B846F1}">
-                <asvg:svgBlip xmlns:asvg="http://schemas.microsoft.com/office/drawing/2016/SVG/main" r:embed="rId6"/>
+                <asvg:svgBlip xmlns:asvg="http://schemas.microsoft.com/office/drawing/2016/SVG/main" r:embed="rId12"/>
               </a:ext>
             </a:extLst>
           </a:blip>
@@ -2020,7 +2255,7 @@
       <dgm:spPr/>
     </dgm:pt>
     <dgm:pt modelId="{85A7CA8F-1E79-40C8-BD8F-5E6EAB1F9922}" type="pres">
-      <dgm:prSet presAssocID="{24EBBDB3-5868-4082-A937-A71D634B92AE}" presName="parTx" presStyleLbl="revTx" presStyleIdx="2" presStyleCnt="5">
+      <dgm:prSet presAssocID="{24EBBDB3-5868-4082-A937-A71D634B92AE}" presName="parTx" presStyleLbl="revTx" presStyleIdx="5" presStyleCnt="8">
         <dgm:presLayoutVars>
           <dgm:chMax val="0"/>
           <dgm:chPref val="0"/>
@@ -2037,20 +2272,20 @@
       <dgm:spPr/>
     </dgm:pt>
     <dgm:pt modelId="{71B14F88-0F6A-41E3-BD16-D3660069736D}" type="pres">
-      <dgm:prSet presAssocID="{FB1D8570-2404-42BE-A200-81676D717B68}" presName="bgRect" presStyleLbl="bgShp" presStyleIdx="3" presStyleCnt="5"/>
+      <dgm:prSet presAssocID="{FB1D8570-2404-42BE-A200-81676D717B68}" presName="bgRect" presStyleLbl="bgShp" presStyleIdx="6" presStyleCnt="8"/>
       <dgm:spPr/>
     </dgm:pt>
     <dgm:pt modelId="{059B7361-D86A-4432-9F08-2E7E1BC91BFC}" type="pres">
-      <dgm:prSet presAssocID="{FB1D8570-2404-42BE-A200-81676D717B68}" presName="iconRect" presStyleLbl="node1" presStyleIdx="3" presStyleCnt="5"/>
+      <dgm:prSet presAssocID="{FB1D8570-2404-42BE-A200-81676D717B68}" presName="iconRect" presStyleLbl="node1" presStyleIdx="6" presStyleCnt="8"/>
       <dgm:spPr>
         <a:blipFill>
-          <a:blip xmlns:r="http://schemas.openxmlformats.org/officeDocument/2006/relationships" r:embed="rId7">
+          <a:blip xmlns:r="http://schemas.openxmlformats.org/officeDocument/2006/relationships" r:embed="rId13">
             <a:extLst>
               <a:ext uri="{28A0092B-C50C-407E-A947-70E740481C1C}">
                 <a14:useLocalDpi xmlns:a14="http://schemas.microsoft.com/office/drawing/2010/main" val="0"/>
               </a:ext>
               <a:ext uri="{96DAC541-7B7A-43D3-8B79-37D633B846F1}">
-                <asvg:svgBlip xmlns:asvg="http://schemas.microsoft.com/office/drawing/2016/SVG/main" r:embed="rId8"/>
+                <asvg:svgBlip xmlns:asvg="http://schemas.microsoft.com/office/drawing/2016/SVG/main" r:embed="rId14"/>
               </a:ext>
             </a:extLst>
           </a:blip>
@@ -2073,7 +2308,7 @@
       <dgm:spPr/>
     </dgm:pt>
     <dgm:pt modelId="{2A73A896-553F-49A5-BBE9-7A749EE60386}" type="pres">
-      <dgm:prSet presAssocID="{FB1D8570-2404-42BE-A200-81676D717B68}" presName="parTx" presStyleLbl="revTx" presStyleIdx="3" presStyleCnt="5">
+      <dgm:prSet presAssocID="{FB1D8570-2404-42BE-A200-81676D717B68}" presName="parTx" presStyleLbl="revTx" presStyleIdx="6" presStyleCnt="8">
         <dgm:presLayoutVars>
           <dgm:chMax val="0"/>
           <dgm:chPref val="0"/>
@@ -2090,20 +2325,20 @@
       <dgm:spPr/>
     </dgm:pt>
     <dgm:pt modelId="{19DAE9B6-57C7-46B3-ACD7-0A78C2BDF822}" type="pres">
-      <dgm:prSet presAssocID="{8AD5D8D4-8EFC-4F48-8BCC-8990B924F619}" presName="bgRect" presStyleLbl="bgShp" presStyleIdx="4" presStyleCnt="5"/>
+      <dgm:prSet presAssocID="{8AD5D8D4-8EFC-4F48-8BCC-8990B924F619}" presName="bgRect" presStyleLbl="bgShp" presStyleIdx="7" presStyleCnt="8"/>
       <dgm:spPr/>
     </dgm:pt>
     <dgm:pt modelId="{F7489D18-C969-45F8-9822-4F3656B947CC}" type="pres">
-      <dgm:prSet presAssocID="{8AD5D8D4-8EFC-4F48-8BCC-8990B924F619}" presName="iconRect" presStyleLbl="node1" presStyleIdx="4" presStyleCnt="5"/>
+      <dgm:prSet presAssocID="{8AD5D8D4-8EFC-4F48-8BCC-8990B924F619}" presName="iconRect" presStyleLbl="node1" presStyleIdx="7" presStyleCnt="8"/>
       <dgm:spPr>
         <a:blipFill>
-          <a:blip xmlns:r="http://schemas.openxmlformats.org/officeDocument/2006/relationships" r:embed="rId9">
+          <a:blip xmlns:r="http://schemas.openxmlformats.org/officeDocument/2006/relationships" r:embed="rId15">
             <a:extLst>
               <a:ext uri="{28A0092B-C50C-407E-A947-70E740481C1C}">
                 <a14:useLocalDpi xmlns:a14="http://schemas.microsoft.com/office/drawing/2010/main" val="0"/>
               </a:ext>
               <a:ext uri="{96DAC541-7B7A-43D3-8B79-37D633B846F1}">
-                <asvg:svgBlip xmlns:asvg="http://schemas.microsoft.com/office/drawing/2016/SVG/main" r:embed="rId10"/>
+                <asvg:svgBlip xmlns:asvg="http://schemas.microsoft.com/office/drawing/2016/SVG/main" r:embed="rId16"/>
               </a:ext>
             </a:extLst>
           </a:blip>
@@ -2126,7 +2361,7 @@
       <dgm:spPr/>
     </dgm:pt>
     <dgm:pt modelId="{AA87A9E9-C332-462D-9F18-3262E88C9959}" type="pres">
-      <dgm:prSet presAssocID="{8AD5D8D4-8EFC-4F48-8BCC-8990B924F619}" presName="parTx" presStyleLbl="revTx" presStyleIdx="4" presStyleCnt="5">
+      <dgm:prSet presAssocID="{8AD5D8D4-8EFC-4F48-8BCC-8990B924F619}" presName="parTx" presStyleLbl="revTx" presStyleIdx="7" presStyleCnt="8">
         <dgm:presLayoutVars>
           <dgm:chMax val="0"/>
           <dgm:chPref val="0"/>
@@ -2137,41 +2372,65 @@
   </dgm:ptLst>
   <dgm:cxnLst>
     <dgm:cxn modelId="{8CC83F07-E796-42FD-AFDB-9E43CB598723}" type="presOf" srcId="{52E931CF-DAB1-48B5-8B2A-30629FC8640F}" destId="{1BDFD842-A21F-4CF5-9902-769BEE2D91A5}" srcOrd="0" destOrd="0" presId="urn:microsoft.com/office/officeart/2018/2/layout/IconVerticalSolidList"/>
-    <dgm:cxn modelId="{6198230F-75FC-4153-8629-BADA9851CC01}" srcId="{52E931CF-DAB1-48B5-8B2A-30629FC8640F}" destId="{8AD5D8D4-8EFC-4F48-8BCC-8990B924F619}" srcOrd="4" destOrd="0" parTransId="{3251D04D-0BED-4785-9FEE-365565D35819}" sibTransId="{CACCF56A-53EB-485F-B9C1-E2CD3E3C65E5}"/>
+    <dgm:cxn modelId="{6198230F-75FC-4153-8629-BADA9851CC01}" srcId="{52E931CF-DAB1-48B5-8B2A-30629FC8640F}" destId="{8AD5D8D4-8EFC-4F48-8BCC-8990B924F619}" srcOrd="7" destOrd="0" parTransId="{3251D04D-0BED-4785-9FEE-365565D35819}" sibTransId="{CACCF56A-53EB-485F-B9C1-E2CD3E3C65E5}"/>
+    <dgm:cxn modelId="{30E85146-F51B-490D-8E7E-17DF2DC93EE8}" srcId="{52E931CF-DAB1-48B5-8B2A-30629FC8640F}" destId="{C5453328-8FEB-4384-8F5A-68EBD366B90B}" srcOrd="2" destOrd="0" parTransId="{9BF15944-A35C-452C-AA33-AD0BA254978F}" sibTransId="{CED4A0A8-4E43-4E62-B695-42A4EF3D1994}"/>
     <dgm:cxn modelId="{570B7467-893D-49B7-82A4-CF1B6B6B37DF}" type="presOf" srcId="{63541E6E-BDC0-4BC6-BF75-FDEB5DB4E5A9}" destId="{66099222-96B9-4944-A5BA-201C8AC6E751}" srcOrd="0" destOrd="0" presId="urn:microsoft.com/office/officeart/2018/2/layout/IconVerticalSolidList"/>
-    <dgm:cxn modelId="{AF451373-EB67-4A8F-8780-294983B6CE66}" srcId="{52E931CF-DAB1-48B5-8B2A-30629FC8640F}" destId="{63541E6E-BDC0-4BC6-BF75-FDEB5DB4E5A9}" srcOrd="0" destOrd="0" parTransId="{71F6E41A-818A-4C38-9664-D49180B5AEEE}" sibTransId="{B7570295-5CE7-4A77-B5FD-DF33C0DE4912}"/>
+    <dgm:cxn modelId="{AF451373-EB67-4A8F-8780-294983B6CE66}" srcId="{52E931CF-DAB1-48B5-8B2A-30629FC8640F}" destId="{63541E6E-BDC0-4BC6-BF75-FDEB5DB4E5A9}" srcOrd="3" destOrd="0" parTransId="{71F6E41A-818A-4C38-9664-D49180B5AEEE}" sibTransId="{B7570295-5CE7-4A77-B5FD-DF33C0DE4912}"/>
+    <dgm:cxn modelId="{C722C953-80CE-4CFA-B1EA-6F2AB0F9ADC2}" srcId="{52E931CF-DAB1-48B5-8B2A-30629FC8640F}" destId="{8342C56F-4807-4608-95BA-3C7F10E1C09F}" srcOrd="0" destOrd="0" parTransId="{A14BE6DB-2F57-45B2-BFB7-B597AB8B8330}" sibTransId="{E1BF2396-3E3A-4321-8CF2-10B8067A4F9A}"/>
+    <dgm:cxn modelId="{EEF03555-68B4-49A0-BBBB-E85E32E42917}" type="presOf" srcId="{670C060F-34AF-4679-A740-34712F45841E}" destId="{98ABE6CB-A85A-4BDC-A51D-DE70B4AEFEC1}" srcOrd="0" destOrd="0" presId="urn:microsoft.com/office/officeart/2018/2/layout/IconVerticalSolidList"/>
     <dgm:cxn modelId="{5A2F5E83-617C-4067-9D5B-48E4E63A1D74}" type="presOf" srcId="{24EBBDB3-5868-4082-A937-A71D634B92AE}" destId="{85A7CA8F-1E79-40C8-BD8F-5E6EAB1F9922}" srcOrd="0" destOrd="0" presId="urn:microsoft.com/office/officeart/2018/2/layout/IconVerticalSolidList"/>
-    <dgm:cxn modelId="{2B4A8F99-4681-45D5-A5E3-8198B8CEEAE9}" srcId="{52E931CF-DAB1-48B5-8B2A-30629FC8640F}" destId="{24EBBDB3-5868-4082-A937-A71D634B92AE}" srcOrd="2" destOrd="0" parTransId="{23DF1C0B-EE05-4C95-BBF6-30F591028632}" sibTransId="{0F6D8F8C-37C4-491F-94DF-9972B59E3824}"/>
+    <dgm:cxn modelId="{2B4A8F99-4681-45D5-A5E3-8198B8CEEAE9}" srcId="{52E931CF-DAB1-48B5-8B2A-30629FC8640F}" destId="{24EBBDB3-5868-4082-A937-A71D634B92AE}" srcOrd="5" destOrd="0" parTransId="{23DF1C0B-EE05-4C95-BBF6-30F591028632}" sibTransId="{0F6D8F8C-37C4-491F-94DF-9972B59E3824}"/>
+    <dgm:cxn modelId="{9E6546A3-F7AB-4EB1-8C67-EDBBCD98F148}" type="presOf" srcId="{C5453328-8FEB-4384-8F5A-68EBD366B90B}" destId="{84979391-5166-4C44-B2C5-3C373023429F}" srcOrd="0" destOrd="0" presId="urn:microsoft.com/office/officeart/2018/2/layout/IconVerticalSolidList"/>
     <dgm:cxn modelId="{66304AAF-9297-48A7-AB62-E6E54507D0E4}" type="presOf" srcId="{FB1D8570-2404-42BE-A200-81676D717B68}" destId="{2A73A896-553F-49A5-BBE9-7A749EE60386}" srcOrd="0" destOrd="0" presId="urn:microsoft.com/office/officeart/2018/2/layout/IconVerticalSolidList"/>
-    <dgm:cxn modelId="{3FB203BD-5EDE-4370-A4F7-AB1FF1353614}" srcId="{52E931CF-DAB1-48B5-8B2A-30629FC8640F}" destId="{FB1D8570-2404-42BE-A200-81676D717B68}" srcOrd="3" destOrd="0" parTransId="{EC01EC5F-CF9B-448C-A1E7-EA16DD7FD559}" sibTransId="{C2024FD8-901F-409A-9CC1-644AEDBAECDC}"/>
+    <dgm:cxn modelId="{3FB203BD-5EDE-4370-A4F7-AB1FF1353614}" srcId="{52E931CF-DAB1-48B5-8B2A-30629FC8640F}" destId="{FB1D8570-2404-42BE-A200-81676D717B68}" srcOrd="6" destOrd="0" parTransId="{EC01EC5F-CF9B-448C-A1E7-EA16DD7FD559}" sibTransId="{C2024FD8-901F-409A-9CC1-644AEDBAECDC}"/>
     <dgm:cxn modelId="{707448CB-7183-4DD6-A5C7-978A7C968D84}" type="presOf" srcId="{8AD5D8D4-8EFC-4F48-8BCC-8990B924F619}" destId="{AA87A9E9-C332-462D-9F18-3262E88C9959}" srcOrd="0" destOrd="0" presId="urn:microsoft.com/office/officeart/2018/2/layout/IconVerticalSolidList"/>
+    <dgm:cxn modelId="{67F428D9-1455-41B8-BF83-5026D565E9AF}" type="presOf" srcId="{8342C56F-4807-4608-95BA-3C7F10E1C09F}" destId="{0C8BEB21-DF15-4E0B-A12E-697BC99F8FBF}" srcOrd="0" destOrd="0" presId="urn:microsoft.com/office/officeart/2018/2/layout/IconVerticalSolidList"/>
     <dgm:cxn modelId="{C396D5DF-229A-448D-B367-66FDD34B6521}" type="presOf" srcId="{F12432E0-0901-433C-B1E3-485D54A3DF42}" destId="{14B5B67E-0477-432C-B112-6FBCEAF01454}" srcOrd="0" destOrd="0" presId="urn:microsoft.com/office/officeart/2018/2/layout/IconVerticalSolidList"/>
-    <dgm:cxn modelId="{680717EA-2217-446D-B03A-8104561F06FF}" srcId="{52E931CF-DAB1-48B5-8B2A-30629FC8640F}" destId="{F12432E0-0901-433C-B1E3-485D54A3DF42}" srcOrd="1" destOrd="0" parTransId="{17DE5C6A-DDB2-469E-9274-F4EBEACC2013}" sibTransId="{947C832B-3946-4902-9495-19D24D0AFA17}"/>
-    <dgm:cxn modelId="{82A4C226-1A8E-48F1-975B-B87D6643EBFD}" type="presParOf" srcId="{1BDFD842-A21F-4CF5-9902-769BEE2D91A5}" destId="{71E92353-FCBC-4A6B-8817-598496521301}" srcOrd="0" destOrd="0" presId="urn:microsoft.com/office/officeart/2018/2/layout/IconVerticalSolidList"/>
+    <dgm:cxn modelId="{5FDCB6E3-3E4E-481A-936F-24C7667CFB10}" srcId="{52E931CF-DAB1-48B5-8B2A-30629FC8640F}" destId="{670C060F-34AF-4679-A740-34712F45841E}" srcOrd="1" destOrd="0" parTransId="{0C96A267-11E1-4795-8238-94DD7F01F0A3}" sibTransId="{49A1CE36-6888-49F2-8519-0066ED08C413}"/>
+    <dgm:cxn modelId="{680717EA-2217-446D-B03A-8104561F06FF}" srcId="{52E931CF-DAB1-48B5-8B2A-30629FC8640F}" destId="{F12432E0-0901-433C-B1E3-485D54A3DF42}" srcOrd="4" destOrd="0" parTransId="{17DE5C6A-DDB2-469E-9274-F4EBEACC2013}" sibTransId="{947C832B-3946-4902-9495-19D24D0AFA17}"/>
+    <dgm:cxn modelId="{52A687BE-27F6-4E5B-94A9-5C9FFAABB029}" type="presParOf" srcId="{1BDFD842-A21F-4CF5-9902-769BEE2D91A5}" destId="{46141B3D-F9C0-41C6-8FB1-C24ACB5DA6B0}" srcOrd="0" destOrd="0" presId="urn:microsoft.com/office/officeart/2018/2/layout/IconVerticalSolidList"/>
+    <dgm:cxn modelId="{15994572-EA78-40F3-8729-39CACD07F9E8}" type="presParOf" srcId="{46141B3D-F9C0-41C6-8FB1-C24ACB5DA6B0}" destId="{8220A6BF-2141-47A2-83AA-335213E1009E}" srcOrd="0" destOrd="0" presId="urn:microsoft.com/office/officeart/2018/2/layout/IconVerticalSolidList"/>
+    <dgm:cxn modelId="{7D85C9AD-0051-464A-9058-51519D133BC5}" type="presParOf" srcId="{46141B3D-F9C0-41C6-8FB1-C24ACB5DA6B0}" destId="{E581DCB8-227D-4319-A584-63D68E022838}" srcOrd="1" destOrd="0" presId="urn:microsoft.com/office/officeart/2018/2/layout/IconVerticalSolidList"/>
+    <dgm:cxn modelId="{35B621EA-8176-4A89-AA2D-D48ADF6F647F}" type="presParOf" srcId="{46141B3D-F9C0-41C6-8FB1-C24ACB5DA6B0}" destId="{886B85CA-6F14-4591-926A-C2A2D8E0DEE8}" srcOrd="2" destOrd="0" presId="urn:microsoft.com/office/officeart/2018/2/layout/IconVerticalSolidList"/>
+    <dgm:cxn modelId="{443AF8E9-381F-4E91-A895-927E6EE7210C}" type="presParOf" srcId="{46141B3D-F9C0-41C6-8FB1-C24ACB5DA6B0}" destId="{0C8BEB21-DF15-4E0B-A12E-697BC99F8FBF}" srcOrd="3" destOrd="0" presId="urn:microsoft.com/office/officeart/2018/2/layout/IconVerticalSolidList"/>
+    <dgm:cxn modelId="{6E0A0736-7529-4E42-A484-286A5671910D}" type="presParOf" srcId="{1BDFD842-A21F-4CF5-9902-769BEE2D91A5}" destId="{5AF0432B-092A-47A8-818A-F6A315F60F61}" srcOrd="1" destOrd="0" presId="urn:microsoft.com/office/officeart/2018/2/layout/IconVerticalSolidList"/>
+    <dgm:cxn modelId="{FDF6277F-0030-42BB-8E7B-95B506F10D7D}" type="presParOf" srcId="{1BDFD842-A21F-4CF5-9902-769BEE2D91A5}" destId="{FE2A1DFD-434D-4C3E-B2FF-3069FD99ED4B}" srcOrd="2" destOrd="0" presId="urn:microsoft.com/office/officeart/2018/2/layout/IconVerticalSolidList"/>
+    <dgm:cxn modelId="{607B9EA5-3505-488F-8248-8F65CBC7CB21}" type="presParOf" srcId="{FE2A1DFD-434D-4C3E-B2FF-3069FD99ED4B}" destId="{B2EDB97B-39F6-41FF-BFC0-147F0DE8074F}" srcOrd="0" destOrd="0" presId="urn:microsoft.com/office/officeart/2018/2/layout/IconVerticalSolidList"/>
+    <dgm:cxn modelId="{9117CBB5-CEF3-4F11-88F9-C37814C876F7}" type="presParOf" srcId="{FE2A1DFD-434D-4C3E-B2FF-3069FD99ED4B}" destId="{F6AE346F-0FC9-4E79-91EB-66645076A4C1}" srcOrd="1" destOrd="0" presId="urn:microsoft.com/office/officeart/2018/2/layout/IconVerticalSolidList"/>
+    <dgm:cxn modelId="{38FFC2C2-14AA-4543-9F6B-49A198A1F513}" type="presParOf" srcId="{FE2A1DFD-434D-4C3E-B2FF-3069FD99ED4B}" destId="{8E579926-09FD-4E37-8815-238331C36301}" srcOrd="2" destOrd="0" presId="urn:microsoft.com/office/officeart/2018/2/layout/IconVerticalSolidList"/>
+    <dgm:cxn modelId="{BEDDC4E8-E3F6-4CF1-8E78-5E4B50404B8A}" type="presParOf" srcId="{FE2A1DFD-434D-4C3E-B2FF-3069FD99ED4B}" destId="{98ABE6CB-A85A-4BDC-A51D-DE70B4AEFEC1}" srcOrd="3" destOrd="0" presId="urn:microsoft.com/office/officeart/2018/2/layout/IconVerticalSolidList"/>
+    <dgm:cxn modelId="{C1DE7F01-0FB5-4D64-B8E7-CA8C8C9ED291}" type="presParOf" srcId="{1BDFD842-A21F-4CF5-9902-769BEE2D91A5}" destId="{E4E4B45A-EC64-4CB5-8342-2EAF370E6F0B}" srcOrd="3" destOrd="0" presId="urn:microsoft.com/office/officeart/2018/2/layout/IconVerticalSolidList"/>
+    <dgm:cxn modelId="{30B9301A-6E2B-46A5-8B2F-54B048C2E3D3}" type="presParOf" srcId="{1BDFD842-A21F-4CF5-9902-769BEE2D91A5}" destId="{0E2F5F01-5E11-49FA-BF96-9981F36B9336}" srcOrd="4" destOrd="0" presId="urn:microsoft.com/office/officeart/2018/2/layout/IconVerticalSolidList"/>
+    <dgm:cxn modelId="{03F247EA-42A1-418F-8609-68D73892722F}" type="presParOf" srcId="{0E2F5F01-5E11-49FA-BF96-9981F36B9336}" destId="{60E2F038-488E-4CD7-B9DE-FEE5C0F08644}" srcOrd="0" destOrd="0" presId="urn:microsoft.com/office/officeart/2018/2/layout/IconVerticalSolidList"/>
+    <dgm:cxn modelId="{D5328DE8-964C-4985-9CB8-0FC52696DE16}" type="presParOf" srcId="{0E2F5F01-5E11-49FA-BF96-9981F36B9336}" destId="{5FF6E9BB-0F68-46A0-9A4F-6DD0BD2E7DC0}" srcOrd="1" destOrd="0" presId="urn:microsoft.com/office/officeart/2018/2/layout/IconVerticalSolidList"/>
+    <dgm:cxn modelId="{EDB9B82E-480A-4E78-BA40-69C71CB35799}" type="presParOf" srcId="{0E2F5F01-5E11-49FA-BF96-9981F36B9336}" destId="{94913409-62AD-493A-B980-28FA4D15C806}" srcOrd="2" destOrd="0" presId="urn:microsoft.com/office/officeart/2018/2/layout/IconVerticalSolidList"/>
+    <dgm:cxn modelId="{F888D6E8-B938-4F37-BBBB-0D35B5F39551}" type="presParOf" srcId="{0E2F5F01-5E11-49FA-BF96-9981F36B9336}" destId="{84979391-5166-4C44-B2C5-3C373023429F}" srcOrd="3" destOrd="0" presId="urn:microsoft.com/office/officeart/2018/2/layout/IconVerticalSolidList"/>
+    <dgm:cxn modelId="{883B2410-5863-49D9-90E5-2990085C0B82}" type="presParOf" srcId="{1BDFD842-A21F-4CF5-9902-769BEE2D91A5}" destId="{77B9E960-BCCC-4D5E-9739-4D11B54B49EB}" srcOrd="5" destOrd="0" presId="urn:microsoft.com/office/officeart/2018/2/layout/IconVerticalSolidList"/>
+    <dgm:cxn modelId="{82A4C226-1A8E-48F1-975B-B87D6643EBFD}" type="presParOf" srcId="{1BDFD842-A21F-4CF5-9902-769BEE2D91A5}" destId="{71E92353-FCBC-4A6B-8817-598496521301}" srcOrd="6" destOrd="0" presId="urn:microsoft.com/office/officeart/2018/2/layout/IconVerticalSolidList"/>
     <dgm:cxn modelId="{ADB1B8F9-6F8C-4428-9B5E-9029BFBA9B92}" type="presParOf" srcId="{71E92353-FCBC-4A6B-8817-598496521301}" destId="{E4C243F8-7D3E-462C-8114-560BFCAD5BBB}" srcOrd="0" destOrd="0" presId="urn:microsoft.com/office/officeart/2018/2/layout/IconVerticalSolidList"/>
     <dgm:cxn modelId="{EFAFADE2-8A72-4B36-88C9-BA035DD16ABA}" type="presParOf" srcId="{71E92353-FCBC-4A6B-8817-598496521301}" destId="{0BF62C12-017F-49CA-AAF4-F1C47CFCD132}" srcOrd="1" destOrd="0" presId="urn:microsoft.com/office/officeart/2018/2/layout/IconVerticalSolidList"/>
     <dgm:cxn modelId="{0FF9D2B4-2F14-4D80-978E-E572E4F40374}" type="presParOf" srcId="{71E92353-FCBC-4A6B-8817-598496521301}" destId="{26B6314D-0FF1-424C-8939-FF66FAF821C0}" srcOrd="2" destOrd="0" presId="urn:microsoft.com/office/officeart/2018/2/layout/IconVerticalSolidList"/>
     <dgm:cxn modelId="{EF68FF29-BA52-49CD-9398-59E07934000B}" type="presParOf" srcId="{71E92353-FCBC-4A6B-8817-598496521301}" destId="{66099222-96B9-4944-A5BA-201C8AC6E751}" srcOrd="3" destOrd="0" presId="urn:microsoft.com/office/officeart/2018/2/layout/IconVerticalSolidList"/>
-    <dgm:cxn modelId="{9601A1B3-D8F9-4713-81C9-5FA667417506}" type="presParOf" srcId="{1BDFD842-A21F-4CF5-9902-769BEE2D91A5}" destId="{1ADC94B3-CBBA-4D58-B466-CEB32C1DAFF7}" srcOrd="1" destOrd="0" presId="urn:microsoft.com/office/officeart/2018/2/layout/IconVerticalSolidList"/>
-    <dgm:cxn modelId="{0ABEB896-8667-4BC3-BA0A-8B48C09043E0}" type="presParOf" srcId="{1BDFD842-A21F-4CF5-9902-769BEE2D91A5}" destId="{62AE9909-E8F5-4CF4-A183-FB216B90009A}" srcOrd="2" destOrd="0" presId="urn:microsoft.com/office/officeart/2018/2/layout/IconVerticalSolidList"/>
+    <dgm:cxn modelId="{9601A1B3-D8F9-4713-81C9-5FA667417506}" type="presParOf" srcId="{1BDFD842-A21F-4CF5-9902-769BEE2D91A5}" destId="{1ADC94B3-CBBA-4D58-B466-CEB32C1DAFF7}" srcOrd="7" destOrd="0" presId="urn:microsoft.com/office/officeart/2018/2/layout/IconVerticalSolidList"/>
+    <dgm:cxn modelId="{0ABEB896-8667-4BC3-BA0A-8B48C09043E0}" type="presParOf" srcId="{1BDFD842-A21F-4CF5-9902-769BEE2D91A5}" destId="{62AE9909-E8F5-4CF4-A183-FB216B90009A}" srcOrd="8" destOrd="0" presId="urn:microsoft.com/office/officeart/2018/2/layout/IconVerticalSolidList"/>
     <dgm:cxn modelId="{95AE9F55-4F67-4815-872E-4787C68AE5D7}" type="presParOf" srcId="{62AE9909-E8F5-4CF4-A183-FB216B90009A}" destId="{3A4C22EB-1265-4A66-9146-6CB8207A1842}" srcOrd="0" destOrd="0" presId="urn:microsoft.com/office/officeart/2018/2/layout/IconVerticalSolidList"/>
     <dgm:cxn modelId="{3A88CA7A-69CA-4475-819F-6B99A07025BB}" type="presParOf" srcId="{62AE9909-E8F5-4CF4-A183-FB216B90009A}" destId="{0E8A30A5-3B27-42C3-8A13-34BF6BF67A33}" srcOrd="1" destOrd="0" presId="urn:microsoft.com/office/officeart/2018/2/layout/IconVerticalSolidList"/>
     <dgm:cxn modelId="{C740575E-D7ED-4833-AD4C-2989C643CD74}" type="presParOf" srcId="{62AE9909-E8F5-4CF4-A183-FB216B90009A}" destId="{2E0AAD61-848E-4507-A836-3063EE0DB6E4}" srcOrd="2" destOrd="0" presId="urn:microsoft.com/office/officeart/2018/2/layout/IconVerticalSolidList"/>
     <dgm:cxn modelId="{C43E9796-2DA6-456A-9CB8-4FA50F322557}" type="presParOf" srcId="{62AE9909-E8F5-4CF4-A183-FB216B90009A}" destId="{14B5B67E-0477-432C-B112-6FBCEAF01454}" srcOrd="3" destOrd="0" presId="urn:microsoft.com/office/officeart/2018/2/layout/IconVerticalSolidList"/>
-    <dgm:cxn modelId="{4832940C-5372-40FF-9402-ECD0520E91A8}" type="presParOf" srcId="{1BDFD842-A21F-4CF5-9902-769BEE2D91A5}" destId="{FF120AE4-1C71-40C1-8089-85D8F9B5557F}" srcOrd="3" destOrd="0" presId="urn:microsoft.com/office/officeart/2018/2/layout/IconVerticalSolidList"/>
-    <dgm:cxn modelId="{8E100B7A-A673-40D0-8E85-0C150011EA9A}" type="presParOf" srcId="{1BDFD842-A21F-4CF5-9902-769BEE2D91A5}" destId="{0E74C758-034A-4E83-85F7-DCA4B6A18B4F}" srcOrd="4" destOrd="0" presId="urn:microsoft.com/office/officeart/2018/2/layout/IconVerticalSolidList"/>
+    <dgm:cxn modelId="{4832940C-5372-40FF-9402-ECD0520E91A8}" type="presParOf" srcId="{1BDFD842-A21F-4CF5-9902-769BEE2D91A5}" destId="{FF120AE4-1C71-40C1-8089-85D8F9B5557F}" srcOrd="9" destOrd="0" presId="urn:microsoft.com/office/officeart/2018/2/layout/IconVerticalSolidList"/>
+    <dgm:cxn modelId="{8E100B7A-A673-40D0-8E85-0C150011EA9A}" type="presParOf" srcId="{1BDFD842-A21F-4CF5-9902-769BEE2D91A5}" destId="{0E74C758-034A-4E83-85F7-DCA4B6A18B4F}" srcOrd="10" destOrd="0" presId="urn:microsoft.com/office/officeart/2018/2/layout/IconVerticalSolidList"/>
     <dgm:cxn modelId="{C7505173-60E0-493A-ADB0-BA3D56045B06}" type="presParOf" srcId="{0E74C758-034A-4E83-85F7-DCA4B6A18B4F}" destId="{B068C79A-3DD3-4756-96B1-5A8F99FBAD1B}" srcOrd="0" destOrd="0" presId="urn:microsoft.com/office/officeart/2018/2/layout/IconVerticalSolidList"/>
     <dgm:cxn modelId="{0367959B-5258-49B0-AD4C-421AD98C8DC6}" type="presParOf" srcId="{0E74C758-034A-4E83-85F7-DCA4B6A18B4F}" destId="{6E6BE928-3739-4FB6-BEFE-E573DB676FF6}" srcOrd="1" destOrd="0" presId="urn:microsoft.com/office/officeart/2018/2/layout/IconVerticalSolidList"/>
     <dgm:cxn modelId="{B7C15812-AA43-4BCE-B3CD-B3670F1D7BAE}" type="presParOf" srcId="{0E74C758-034A-4E83-85F7-DCA4B6A18B4F}" destId="{877378D7-72E5-46A7-808F-D72859D94918}" srcOrd="2" destOrd="0" presId="urn:microsoft.com/office/officeart/2018/2/layout/IconVerticalSolidList"/>
     <dgm:cxn modelId="{8637727B-3718-4552-8764-CA31BC20DD40}" type="presParOf" srcId="{0E74C758-034A-4E83-85F7-DCA4B6A18B4F}" destId="{85A7CA8F-1E79-40C8-BD8F-5E6EAB1F9922}" srcOrd="3" destOrd="0" presId="urn:microsoft.com/office/officeart/2018/2/layout/IconVerticalSolidList"/>
-    <dgm:cxn modelId="{C4AC5085-B9B7-487B-AE6E-C70805F79E54}" type="presParOf" srcId="{1BDFD842-A21F-4CF5-9902-769BEE2D91A5}" destId="{25D4F687-58F4-428D-998C-5CE8E7B0B532}" srcOrd="5" destOrd="0" presId="urn:microsoft.com/office/officeart/2018/2/layout/IconVerticalSolidList"/>
-    <dgm:cxn modelId="{7DBE3984-67E3-4487-B258-E16755F7576A}" type="presParOf" srcId="{1BDFD842-A21F-4CF5-9902-769BEE2D91A5}" destId="{3A48F643-3FE7-4C6B-8EBC-982120C8B718}" srcOrd="6" destOrd="0" presId="urn:microsoft.com/office/officeart/2018/2/layout/IconVerticalSolidList"/>
+    <dgm:cxn modelId="{C4AC5085-B9B7-487B-AE6E-C70805F79E54}" type="presParOf" srcId="{1BDFD842-A21F-4CF5-9902-769BEE2D91A5}" destId="{25D4F687-58F4-428D-998C-5CE8E7B0B532}" srcOrd="11" destOrd="0" presId="urn:microsoft.com/office/officeart/2018/2/layout/IconVerticalSolidList"/>
+    <dgm:cxn modelId="{7DBE3984-67E3-4487-B258-E16755F7576A}" type="presParOf" srcId="{1BDFD842-A21F-4CF5-9902-769BEE2D91A5}" destId="{3A48F643-3FE7-4C6B-8EBC-982120C8B718}" srcOrd="12" destOrd="0" presId="urn:microsoft.com/office/officeart/2018/2/layout/IconVerticalSolidList"/>
     <dgm:cxn modelId="{E047A3F8-2DBA-442E-8751-12722E3596E2}" type="presParOf" srcId="{3A48F643-3FE7-4C6B-8EBC-982120C8B718}" destId="{71B14F88-0F6A-41E3-BD16-D3660069736D}" srcOrd="0" destOrd="0" presId="urn:microsoft.com/office/officeart/2018/2/layout/IconVerticalSolidList"/>
     <dgm:cxn modelId="{8BF70721-D65F-4DFC-93D2-341B2B946D75}" type="presParOf" srcId="{3A48F643-3FE7-4C6B-8EBC-982120C8B718}" destId="{059B7361-D86A-4432-9F08-2E7E1BC91BFC}" srcOrd="1" destOrd="0" presId="urn:microsoft.com/office/officeart/2018/2/layout/IconVerticalSolidList"/>
     <dgm:cxn modelId="{5BE2EFBF-3260-40DD-A275-59068913B273}" type="presParOf" srcId="{3A48F643-3FE7-4C6B-8EBC-982120C8B718}" destId="{A300F7B0-067C-40C8-9597-5C513BDB002D}" srcOrd="2" destOrd="0" presId="urn:microsoft.com/office/officeart/2018/2/layout/IconVerticalSolidList"/>
     <dgm:cxn modelId="{BB8195F3-321F-4E9A-A8F1-98A91F39B5D7}" type="presParOf" srcId="{3A48F643-3FE7-4C6B-8EBC-982120C8B718}" destId="{2A73A896-553F-49A5-BBE9-7A749EE60386}" srcOrd="3" destOrd="0" presId="urn:microsoft.com/office/officeart/2018/2/layout/IconVerticalSolidList"/>
-    <dgm:cxn modelId="{1700B312-B1C1-455B-A1F8-27790E8D8927}" type="presParOf" srcId="{1BDFD842-A21F-4CF5-9902-769BEE2D91A5}" destId="{DC29DFE3-5A2C-4578-99AE-82107ABC8FC0}" srcOrd="7" destOrd="0" presId="urn:microsoft.com/office/officeart/2018/2/layout/IconVerticalSolidList"/>
-    <dgm:cxn modelId="{BE8DA0DD-2C51-4916-9900-866377564F6A}" type="presParOf" srcId="{1BDFD842-A21F-4CF5-9902-769BEE2D91A5}" destId="{18F31DC8-228C-484A-A608-1CD5B1177701}" srcOrd="8" destOrd="0" presId="urn:microsoft.com/office/officeart/2018/2/layout/IconVerticalSolidList"/>
+    <dgm:cxn modelId="{1700B312-B1C1-455B-A1F8-27790E8D8927}" type="presParOf" srcId="{1BDFD842-A21F-4CF5-9902-769BEE2D91A5}" destId="{DC29DFE3-5A2C-4578-99AE-82107ABC8FC0}" srcOrd="13" destOrd="0" presId="urn:microsoft.com/office/officeart/2018/2/layout/IconVerticalSolidList"/>
+    <dgm:cxn modelId="{BE8DA0DD-2C51-4916-9900-866377564F6A}" type="presParOf" srcId="{1BDFD842-A21F-4CF5-9902-769BEE2D91A5}" destId="{18F31DC8-228C-484A-A608-1CD5B1177701}" srcOrd="14" destOrd="0" presId="urn:microsoft.com/office/officeart/2018/2/layout/IconVerticalSolidList"/>
     <dgm:cxn modelId="{E4A158D3-681B-44B0-BE46-E27681814E26}" type="presParOf" srcId="{18F31DC8-228C-484A-A608-1CD5B1177701}" destId="{19DAE9B6-57C7-46B3-ACD7-0A78C2BDF822}" srcOrd="0" destOrd="0" presId="urn:microsoft.com/office/officeart/2018/2/layout/IconVerticalSolidList"/>
     <dgm:cxn modelId="{46D335A7-9ADD-4543-B5F9-F289E5AD5B1B}" type="presParOf" srcId="{18F31DC8-228C-484A-A608-1CD5B1177701}" destId="{F7489D18-C969-45F8-9822-4F3656B947CC}" srcOrd="1" destOrd="0" presId="urn:microsoft.com/office/officeart/2018/2/layout/IconVerticalSolidList"/>
     <dgm:cxn modelId="{F60EC9CB-9CC6-434D-AB2D-1A0F0AB657DE}" type="presParOf" srcId="{18F31DC8-228C-484A-A608-1CD5B1177701}" destId="{D8981FC6-3889-4D94-AEDF-CB3B1B538F4E}" srcOrd="2" destOrd="0" presId="urn:microsoft.com/office/officeart/2018/2/layout/IconVerticalSolidList"/>
@@ -2209,10 +2468,10 @@
         <a:lstStyle/>
         <a:p>
           <a:r>
-            <a:rPr lang="es-ES"/>
+            <a:rPr lang="es-ES" dirty="0"/>
             <a:t>La cancelación de reservas es un problema común en la industria hotelera y puede afectar significativamente la rentabilidad del hotel. Estas cancelaciones pueden generar costos adicionales para el hotel, como la pérdida de ingresos por habitaciones no vendidas, gastos de cancelación y posibles daños a la reputación del hotel si el cliente queda insatisfecho.</a:t>
           </a:r>
-          <a:endParaRPr lang="en-US"/>
+          <a:endParaRPr lang="en-US" dirty="0"/>
         </a:p>
       </dgm:t>
     </dgm:pt>
@@ -2246,10 +2505,10 @@
         <a:lstStyle/>
         <a:p>
           <a:r>
-            <a:rPr lang="es-ES"/>
+            <a:rPr lang="es-ES" dirty="0"/>
             <a:t>Por lo tanto, es crucial para los hoteles gestionar eficazmente las cancelaciones de reservas para minimizar su impacto en la rentabilidad y la satisfacción del cliente.</a:t>
           </a:r>
-          <a:endParaRPr lang="en-US"/>
+          <a:endParaRPr lang="en-US" dirty="0"/>
         </a:p>
       </dgm:t>
     </dgm:pt>
@@ -2517,6 +2776,456 @@
       <dsp:cNvGrpSpPr/>
     </dsp:nvGrpSpPr>
     <dsp:grpSpPr/>
+    <dsp:sp modelId="{8220A6BF-2141-47A2-83AA-335213E1009E}">
+      <dsp:nvSpPr>
+        <dsp:cNvPr id="0" name=""/>
+        <dsp:cNvSpPr/>
+      </dsp:nvSpPr>
+      <dsp:spPr>
+        <a:xfrm>
+          <a:off x="0" y="661"/>
+          <a:ext cx="11520488" cy="555733"/>
+        </a:xfrm>
+        <a:prstGeom prst="roundRect">
+          <a:avLst>
+            <a:gd name="adj" fmla="val 10000"/>
+          </a:avLst>
+        </a:prstGeom>
+        <a:solidFill>
+          <a:schemeClr val="accent3">
+            <a:tint val="40000"/>
+            <a:hueOff val="0"/>
+            <a:satOff val="0"/>
+            <a:lumOff val="0"/>
+            <a:alphaOff val="0"/>
+          </a:schemeClr>
+        </a:solidFill>
+        <a:ln>
+          <a:noFill/>
+        </a:ln>
+        <a:effectLst/>
+      </dsp:spPr>
+      <dsp:style>
+        <a:lnRef idx="0">
+          <a:scrgbClr r="0" g="0" b="0"/>
+        </a:lnRef>
+        <a:fillRef idx="1">
+          <a:scrgbClr r="0" g="0" b="0"/>
+        </a:fillRef>
+        <a:effectRef idx="0">
+          <a:scrgbClr r="0" g="0" b="0"/>
+        </a:effectRef>
+        <a:fontRef idx="minor"/>
+      </dsp:style>
+    </dsp:sp>
+    <dsp:sp modelId="{E581DCB8-227D-4319-A584-63D68E022838}">
+      <dsp:nvSpPr>
+        <dsp:cNvPr id="0" name=""/>
+        <dsp:cNvSpPr/>
+      </dsp:nvSpPr>
+      <dsp:spPr>
+        <a:xfrm>
+          <a:off x="168109" y="125701"/>
+          <a:ext cx="305653" cy="305653"/>
+        </a:xfrm>
+        <a:prstGeom prst="rect">
+          <a:avLst/>
+        </a:prstGeom>
+        <a:blipFill>
+          <a:blip xmlns:r="http://schemas.openxmlformats.org/officeDocument/2006/relationships" r:embed="rId1">
+            <a:extLst>
+              <a:ext uri="{96DAC541-7B7A-43D3-8B79-37D633B846F1}">
+                <asvg:svgBlip xmlns:asvg="http://schemas.microsoft.com/office/drawing/2016/SVG/main" r:embed="rId2"/>
+              </a:ext>
+            </a:extLst>
+          </a:blip>
+          <a:srcRect/>
+          <a:stretch>
+            <a:fillRect/>
+          </a:stretch>
+        </a:blipFill>
+        <a:ln w="12700" cap="flat" cmpd="sng" algn="ctr">
+          <a:noFill/>
+          <a:prstDash val="solid"/>
+          <a:miter lim="800000"/>
+        </a:ln>
+        <a:effectLst/>
+      </dsp:spPr>
+      <dsp:style>
+        <a:lnRef idx="2">
+          <a:scrgbClr r="0" g="0" b="0"/>
+        </a:lnRef>
+        <a:fillRef idx="1">
+          <a:scrgbClr r="0" g="0" b="0"/>
+        </a:fillRef>
+        <a:effectRef idx="0">
+          <a:scrgbClr r="0" g="0" b="0"/>
+        </a:effectRef>
+        <a:fontRef idx="minor">
+          <a:schemeClr val="lt1"/>
+        </a:fontRef>
+      </dsp:style>
+    </dsp:sp>
+    <dsp:sp modelId="{0C8BEB21-DF15-4E0B-A12E-697BC99F8FBF}">
+      <dsp:nvSpPr>
+        <dsp:cNvPr id="0" name=""/>
+        <dsp:cNvSpPr/>
+      </dsp:nvSpPr>
+      <dsp:spPr>
+        <a:xfrm>
+          <a:off x="641872" y="661"/>
+          <a:ext cx="10878615" cy="555733"/>
+        </a:xfrm>
+        <a:prstGeom prst="rect">
+          <a:avLst/>
+        </a:prstGeom>
+        <a:noFill/>
+        <a:ln>
+          <a:noFill/>
+        </a:ln>
+        <a:effectLst/>
+      </dsp:spPr>
+      <dsp:style>
+        <a:lnRef idx="0">
+          <a:scrgbClr r="0" g="0" b="0"/>
+        </a:lnRef>
+        <a:fillRef idx="0">
+          <a:scrgbClr r="0" g="0" b="0"/>
+        </a:fillRef>
+        <a:effectRef idx="0">
+          <a:scrgbClr r="0" g="0" b="0"/>
+        </a:effectRef>
+        <a:fontRef idx="minor"/>
+      </dsp:style>
+      <dsp:txBody>
+        <a:bodyPr spcFirstLastPara="0" vert="horz" wrap="square" lIns="58815" tIns="58815" rIns="58815" bIns="58815" numCol="1" spcCol="1270" anchor="ctr" anchorCtr="0">
+          <a:noAutofit/>
+        </a:bodyPr>
+        <a:lstStyle/>
+        <a:p>
+          <a:pPr marL="0" lvl="0" indent="0" algn="l" defTabSz="711200">
+            <a:lnSpc>
+              <a:spcPct val="90000"/>
+            </a:lnSpc>
+            <a:spcBef>
+              <a:spcPct val="0"/>
+            </a:spcBef>
+            <a:spcAft>
+              <a:spcPct val="35000"/>
+            </a:spcAft>
+            <a:buNone/>
+          </a:pPr>
+          <a:r>
+            <a:rPr lang="en-US" sz="1600" kern="1200"/>
+            <a:t>Abstract</a:t>
+          </a:r>
+        </a:p>
+      </dsp:txBody>
+      <dsp:txXfrm>
+        <a:off x="641872" y="661"/>
+        <a:ext cx="10878615" cy="555733"/>
+      </dsp:txXfrm>
+    </dsp:sp>
+    <dsp:sp modelId="{B2EDB97B-39F6-41FF-BFC0-147F0DE8074F}">
+      <dsp:nvSpPr>
+        <dsp:cNvPr id="0" name=""/>
+        <dsp:cNvSpPr/>
+      </dsp:nvSpPr>
+      <dsp:spPr>
+        <a:xfrm>
+          <a:off x="0" y="695328"/>
+          <a:ext cx="11520488" cy="555733"/>
+        </a:xfrm>
+        <a:prstGeom prst="roundRect">
+          <a:avLst>
+            <a:gd name="adj" fmla="val 10000"/>
+          </a:avLst>
+        </a:prstGeom>
+        <a:solidFill>
+          <a:schemeClr val="accent3">
+            <a:tint val="40000"/>
+            <a:hueOff val="0"/>
+            <a:satOff val="0"/>
+            <a:lumOff val="0"/>
+            <a:alphaOff val="0"/>
+          </a:schemeClr>
+        </a:solidFill>
+        <a:ln>
+          <a:noFill/>
+        </a:ln>
+        <a:effectLst/>
+      </dsp:spPr>
+      <dsp:style>
+        <a:lnRef idx="0">
+          <a:scrgbClr r="0" g="0" b="0"/>
+        </a:lnRef>
+        <a:fillRef idx="1">
+          <a:scrgbClr r="0" g="0" b="0"/>
+        </a:fillRef>
+        <a:effectRef idx="0">
+          <a:scrgbClr r="0" g="0" b="0"/>
+        </a:effectRef>
+        <a:fontRef idx="minor"/>
+      </dsp:style>
+    </dsp:sp>
+    <dsp:sp modelId="{F6AE346F-0FC9-4E79-91EB-66645076A4C1}">
+      <dsp:nvSpPr>
+        <dsp:cNvPr id="0" name=""/>
+        <dsp:cNvSpPr/>
+      </dsp:nvSpPr>
+      <dsp:spPr>
+        <a:xfrm>
+          <a:off x="168109" y="820368"/>
+          <a:ext cx="305653" cy="305653"/>
+        </a:xfrm>
+        <a:prstGeom prst="rect">
+          <a:avLst/>
+        </a:prstGeom>
+        <a:blipFill>
+          <a:blip xmlns:r="http://schemas.openxmlformats.org/officeDocument/2006/relationships" r:embed="rId3">
+            <a:extLst>
+              <a:ext uri="{96DAC541-7B7A-43D3-8B79-37D633B846F1}">
+                <asvg:svgBlip xmlns:asvg="http://schemas.microsoft.com/office/drawing/2016/SVG/main" r:embed="rId4"/>
+              </a:ext>
+            </a:extLst>
+          </a:blip>
+          <a:srcRect/>
+          <a:stretch>
+            <a:fillRect/>
+          </a:stretch>
+        </a:blipFill>
+        <a:ln w="12700" cap="flat" cmpd="sng" algn="ctr">
+          <a:noFill/>
+          <a:prstDash val="solid"/>
+          <a:miter lim="800000"/>
+        </a:ln>
+        <a:effectLst/>
+      </dsp:spPr>
+      <dsp:style>
+        <a:lnRef idx="2">
+          <a:scrgbClr r="0" g="0" b="0"/>
+        </a:lnRef>
+        <a:fillRef idx="1">
+          <a:scrgbClr r="0" g="0" b="0"/>
+        </a:fillRef>
+        <a:effectRef idx="0">
+          <a:scrgbClr r="0" g="0" b="0"/>
+        </a:effectRef>
+        <a:fontRef idx="minor">
+          <a:schemeClr val="lt1"/>
+        </a:fontRef>
+      </dsp:style>
+    </dsp:sp>
+    <dsp:sp modelId="{98ABE6CB-A85A-4BDC-A51D-DE70B4AEFEC1}">
+      <dsp:nvSpPr>
+        <dsp:cNvPr id="0" name=""/>
+        <dsp:cNvSpPr/>
+      </dsp:nvSpPr>
+      <dsp:spPr>
+        <a:xfrm>
+          <a:off x="641872" y="695328"/>
+          <a:ext cx="10878615" cy="555733"/>
+        </a:xfrm>
+        <a:prstGeom prst="rect">
+          <a:avLst/>
+        </a:prstGeom>
+        <a:noFill/>
+        <a:ln>
+          <a:noFill/>
+        </a:ln>
+        <a:effectLst/>
+      </dsp:spPr>
+      <dsp:style>
+        <a:lnRef idx="0">
+          <a:scrgbClr r="0" g="0" b="0"/>
+        </a:lnRef>
+        <a:fillRef idx="0">
+          <a:scrgbClr r="0" g="0" b="0"/>
+        </a:fillRef>
+        <a:effectRef idx="0">
+          <a:scrgbClr r="0" g="0" b="0"/>
+        </a:effectRef>
+        <a:fontRef idx="minor"/>
+      </dsp:style>
+      <dsp:txBody>
+        <a:bodyPr spcFirstLastPara="0" vert="horz" wrap="square" lIns="58815" tIns="58815" rIns="58815" bIns="58815" numCol="1" spcCol="1270" anchor="ctr" anchorCtr="0">
+          <a:noAutofit/>
+        </a:bodyPr>
+        <a:lstStyle/>
+        <a:p>
+          <a:pPr marL="0" lvl="0" indent="0" algn="l" defTabSz="711200">
+            <a:lnSpc>
+              <a:spcPct val="90000"/>
+            </a:lnSpc>
+            <a:spcBef>
+              <a:spcPct val="0"/>
+            </a:spcBef>
+            <a:spcAft>
+              <a:spcPct val="35000"/>
+            </a:spcAft>
+            <a:buNone/>
+          </a:pPr>
+          <a:r>
+            <a:rPr lang="en-US" sz="1600" kern="1200"/>
+            <a:t>Dataset</a:t>
+          </a:r>
+        </a:p>
+      </dsp:txBody>
+      <dsp:txXfrm>
+        <a:off x="641872" y="695328"/>
+        <a:ext cx="10878615" cy="555733"/>
+      </dsp:txXfrm>
+    </dsp:sp>
+    <dsp:sp modelId="{60E2F038-488E-4CD7-B9DE-FEE5C0F08644}">
+      <dsp:nvSpPr>
+        <dsp:cNvPr id="0" name=""/>
+        <dsp:cNvSpPr/>
+      </dsp:nvSpPr>
+      <dsp:spPr>
+        <a:xfrm>
+          <a:off x="0" y="1389995"/>
+          <a:ext cx="11520488" cy="555733"/>
+        </a:xfrm>
+        <a:prstGeom prst="roundRect">
+          <a:avLst>
+            <a:gd name="adj" fmla="val 10000"/>
+          </a:avLst>
+        </a:prstGeom>
+        <a:solidFill>
+          <a:schemeClr val="accent3">
+            <a:tint val="40000"/>
+            <a:hueOff val="0"/>
+            <a:satOff val="0"/>
+            <a:lumOff val="0"/>
+            <a:alphaOff val="0"/>
+          </a:schemeClr>
+        </a:solidFill>
+        <a:ln>
+          <a:noFill/>
+        </a:ln>
+        <a:effectLst/>
+      </dsp:spPr>
+      <dsp:style>
+        <a:lnRef idx="0">
+          <a:scrgbClr r="0" g="0" b="0"/>
+        </a:lnRef>
+        <a:fillRef idx="1">
+          <a:scrgbClr r="0" g="0" b="0"/>
+        </a:fillRef>
+        <a:effectRef idx="0">
+          <a:scrgbClr r="0" g="0" b="0"/>
+        </a:effectRef>
+        <a:fontRef idx="minor"/>
+      </dsp:style>
+    </dsp:sp>
+    <dsp:sp modelId="{5FF6E9BB-0F68-46A0-9A4F-6DD0BD2E7DC0}">
+      <dsp:nvSpPr>
+        <dsp:cNvPr id="0" name=""/>
+        <dsp:cNvSpPr/>
+      </dsp:nvSpPr>
+      <dsp:spPr>
+        <a:xfrm>
+          <a:off x="168109" y="1515035"/>
+          <a:ext cx="305653" cy="305653"/>
+        </a:xfrm>
+        <a:prstGeom prst="rect">
+          <a:avLst/>
+        </a:prstGeom>
+        <a:blipFill>
+          <a:blip xmlns:r="http://schemas.openxmlformats.org/officeDocument/2006/relationships" r:embed="rId5">
+            <a:extLst>
+              <a:ext uri="{96DAC541-7B7A-43D3-8B79-37D633B846F1}">
+                <asvg:svgBlip xmlns:asvg="http://schemas.microsoft.com/office/drawing/2016/SVG/main" r:embed="rId6"/>
+              </a:ext>
+            </a:extLst>
+          </a:blip>
+          <a:srcRect/>
+          <a:stretch>
+            <a:fillRect/>
+          </a:stretch>
+        </a:blipFill>
+        <a:ln w="12700" cap="flat" cmpd="sng" algn="ctr">
+          <a:noFill/>
+          <a:prstDash val="solid"/>
+          <a:miter lim="800000"/>
+        </a:ln>
+        <a:effectLst/>
+      </dsp:spPr>
+      <dsp:style>
+        <a:lnRef idx="2">
+          <a:scrgbClr r="0" g="0" b="0"/>
+        </a:lnRef>
+        <a:fillRef idx="1">
+          <a:scrgbClr r="0" g="0" b="0"/>
+        </a:fillRef>
+        <a:effectRef idx="0">
+          <a:scrgbClr r="0" g="0" b="0"/>
+        </a:effectRef>
+        <a:fontRef idx="minor">
+          <a:schemeClr val="lt1"/>
+        </a:fontRef>
+      </dsp:style>
+    </dsp:sp>
+    <dsp:sp modelId="{84979391-5166-4C44-B2C5-3C373023429F}">
+      <dsp:nvSpPr>
+        <dsp:cNvPr id="0" name=""/>
+        <dsp:cNvSpPr/>
+      </dsp:nvSpPr>
+      <dsp:spPr>
+        <a:xfrm>
+          <a:off x="641872" y="1389995"/>
+          <a:ext cx="10878615" cy="555733"/>
+        </a:xfrm>
+        <a:prstGeom prst="rect">
+          <a:avLst/>
+        </a:prstGeom>
+        <a:noFill/>
+        <a:ln>
+          <a:noFill/>
+        </a:ln>
+        <a:effectLst/>
+      </dsp:spPr>
+      <dsp:style>
+        <a:lnRef idx="0">
+          <a:scrgbClr r="0" g="0" b="0"/>
+        </a:lnRef>
+        <a:fillRef idx="0">
+          <a:scrgbClr r="0" g="0" b="0"/>
+        </a:fillRef>
+        <a:effectRef idx="0">
+          <a:scrgbClr r="0" g="0" b="0"/>
+        </a:effectRef>
+        <a:fontRef idx="minor"/>
+      </dsp:style>
+      <dsp:txBody>
+        <a:bodyPr spcFirstLastPara="0" vert="horz" wrap="square" lIns="58815" tIns="58815" rIns="58815" bIns="58815" numCol="1" spcCol="1270" anchor="ctr" anchorCtr="0">
+          <a:noAutofit/>
+        </a:bodyPr>
+        <a:lstStyle/>
+        <a:p>
+          <a:pPr marL="0" lvl="0" indent="0" algn="l" defTabSz="711200">
+            <a:lnSpc>
+              <a:spcPct val="90000"/>
+            </a:lnSpc>
+            <a:spcBef>
+              <a:spcPct val="0"/>
+            </a:spcBef>
+            <a:spcAft>
+              <a:spcPct val="35000"/>
+            </a:spcAft>
+            <a:buNone/>
+          </a:pPr>
+          <a:r>
+            <a:rPr lang="en-US" sz="1600" kern="1200"/>
+            <a:t>Diccionario</a:t>
+          </a:r>
+        </a:p>
+      </dsp:txBody>
+      <dsp:txXfrm>
+        <a:off x="641872" y="1389995"/>
+        <a:ext cx="10878615" cy="555733"/>
+      </dsp:txXfrm>
+    </dsp:sp>
     <dsp:sp modelId="{E4C243F8-7D3E-462C-8114-560BFCAD5BBB}">
       <dsp:nvSpPr>
         <dsp:cNvPr id="0" name=""/>
@@ -2524,8 +3233,8 @@
       </dsp:nvSpPr>
       <dsp:spPr>
         <a:xfrm>
-          <a:off x="0" y="3880"/>
-          <a:ext cx="11520488" cy="826587"/>
+          <a:off x="0" y="2084661"/>
+          <a:ext cx="11520488" cy="555733"/>
         </a:xfrm>
         <a:prstGeom prst="roundRect">
           <a:avLst>
@@ -2533,7 +3242,7 @@
           </a:avLst>
         </a:prstGeom>
         <a:solidFill>
-          <a:schemeClr val="accent1">
+          <a:schemeClr val="accent3">
             <a:tint val="40000"/>
             <a:hueOff val="0"/>
             <a:satOff val="0"/>
@@ -2566,20 +3275,20 @@
       </dsp:nvSpPr>
       <dsp:spPr>
         <a:xfrm>
-          <a:off x="250042" y="189862"/>
-          <a:ext cx="454623" cy="454623"/>
+          <a:off x="168109" y="2209701"/>
+          <a:ext cx="305653" cy="305653"/>
         </a:xfrm>
         <a:prstGeom prst="rect">
           <a:avLst/>
         </a:prstGeom>
         <a:blipFill>
-          <a:blip xmlns:r="http://schemas.openxmlformats.org/officeDocument/2006/relationships" r:embed="rId1">
+          <a:blip xmlns:r="http://schemas.openxmlformats.org/officeDocument/2006/relationships" r:embed="rId7">
             <a:extLst>
               <a:ext uri="{28A0092B-C50C-407E-A947-70E740481C1C}">
                 <a14:useLocalDpi xmlns:a14="http://schemas.microsoft.com/office/drawing/2010/main" val="0"/>
               </a:ext>
               <a:ext uri="{96DAC541-7B7A-43D3-8B79-37D633B846F1}">
-                <asvg:svgBlip xmlns:asvg="http://schemas.microsoft.com/office/drawing/2016/SVG/main" r:embed="rId2"/>
+                <asvg:svgBlip xmlns:asvg="http://schemas.microsoft.com/office/drawing/2016/SVG/main" r:embed="rId8"/>
               </a:ext>
             </a:extLst>
           </a:blip>
@@ -2616,8 +3325,8 @@
       </dsp:nvSpPr>
       <dsp:spPr>
         <a:xfrm>
-          <a:off x="954708" y="3880"/>
-          <a:ext cx="10565779" cy="826587"/>
+          <a:off x="641872" y="2084661"/>
+          <a:ext cx="10878615" cy="555733"/>
         </a:xfrm>
         <a:prstGeom prst="rect">
           <a:avLst/>
@@ -2641,14 +3350,14 @@
         <a:fontRef idx="minor"/>
       </dsp:style>
       <dsp:txBody>
-        <a:bodyPr spcFirstLastPara="0" vert="horz" wrap="square" lIns="87481" tIns="87481" rIns="87481" bIns="87481" numCol="1" spcCol="1270" anchor="ctr" anchorCtr="0">
+        <a:bodyPr spcFirstLastPara="0" vert="horz" wrap="square" lIns="58815" tIns="58815" rIns="58815" bIns="58815" numCol="1" spcCol="1270" anchor="ctr" anchorCtr="0">
           <a:noAutofit/>
         </a:bodyPr>
         <a:lstStyle/>
         <a:p>
-          <a:pPr marL="0" lvl="0" indent="0" algn="l" defTabSz="844550">
+          <a:pPr marL="0" lvl="0" indent="0" algn="l" defTabSz="711200">
             <a:lnSpc>
-              <a:spcPct val="100000"/>
+              <a:spcPct val="90000"/>
             </a:lnSpc>
             <a:spcBef>
               <a:spcPct val="0"/>
@@ -2659,15 +3368,15 @@
             <a:buNone/>
           </a:pPr>
           <a:r>
-            <a:rPr lang="es-ES" sz="1900" kern="1200"/>
+            <a:rPr lang="es-ES" sz="1600" kern="1200"/>
             <a:t>Contexto Comercial y Analítico</a:t>
           </a:r>
-          <a:endParaRPr lang="en-US" sz="1900" kern="1200"/>
+          <a:endParaRPr lang="en-US" sz="1600" kern="1200"/>
         </a:p>
       </dsp:txBody>
       <dsp:txXfrm>
-        <a:off x="954708" y="3880"/>
-        <a:ext cx="10565779" cy="826587"/>
+        <a:off x="641872" y="2084661"/>
+        <a:ext cx="10878615" cy="555733"/>
       </dsp:txXfrm>
     </dsp:sp>
     <dsp:sp modelId="{3A4C22EB-1265-4A66-9146-6CB8207A1842}">
@@ -2677,8 +3386,8 @@
       </dsp:nvSpPr>
       <dsp:spPr>
         <a:xfrm>
-          <a:off x="0" y="1037115"/>
-          <a:ext cx="11520488" cy="826587"/>
+          <a:off x="0" y="2779328"/>
+          <a:ext cx="11520488" cy="555733"/>
         </a:xfrm>
         <a:prstGeom prst="roundRect">
           <a:avLst>
@@ -2686,7 +3395,7 @@
           </a:avLst>
         </a:prstGeom>
         <a:solidFill>
-          <a:schemeClr val="accent1">
+          <a:schemeClr val="accent3">
             <a:tint val="40000"/>
             <a:hueOff val="0"/>
             <a:satOff val="0"/>
@@ -2719,20 +3428,20 @@
       </dsp:nvSpPr>
       <dsp:spPr>
         <a:xfrm>
-          <a:off x="250042" y="1223097"/>
-          <a:ext cx="454623" cy="454623"/>
+          <a:off x="168109" y="2904368"/>
+          <a:ext cx="305653" cy="305653"/>
         </a:xfrm>
         <a:prstGeom prst="rect">
           <a:avLst/>
         </a:prstGeom>
         <a:blipFill>
-          <a:blip xmlns:r="http://schemas.openxmlformats.org/officeDocument/2006/relationships" r:embed="rId3">
+          <a:blip xmlns:r="http://schemas.openxmlformats.org/officeDocument/2006/relationships" r:embed="rId9">
             <a:extLst>
               <a:ext uri="{28A0092B-C50C-407E-A947-70E740481C1C}">
                 <a14:useLocalDpi xmlns:a14="http://schemas.microsoft.com/office/drawing/2010/main" val="0"/>
               </a:ext>
               <a:ext uri="{96DAC541-7B7A-43D3-8B79-37D633B846F1}">
-                <asvg:svgBlip xmlns:asvg="http://schemas.microsoft.com/office/drawing/2016/SVG/main" r:embed="rId4"/>
+                <asvg:svgBlip xmlns:asvg="http://schemas.microsoft.com/office/drawing/2016/SVG/main" r:embed="rId10"/>
               </a:ext>
             </a:extLst>
           </a:blip>
@@ -2769,8 +3478,8 @@
       </dsp:nvSpPr>
       <dsp:spPr>
         <a:xfrm>
-          <a:off x="954708" y="1037115"/>
-          <a:ext cx="10565779" cy="826587"/>
+          <a:off x="641872" y="2779328"/>
+          <a:ext cx="10878615" cy="555733"/>
         </a:xfrm>
         <a:prstGeom prst="rect">
           <a:avLst/>
@@ -2794,14 +3503,14 @@
         <a:fontRef idx="minor"/>
       </dsp:style>
       <dsp:txBody>
-        <a:bodyPr spcFirstLastPara="0" vert="horz" wrap="square" lIns="87481" tIns="87481" rIns="87481" bIns="87481" numCol="1" spcCol="1270" anchor="ctr" anchorCtr="0">
+        <a:bodyPr spcFirstLastPara="0" vert="horz" wrap="square" lIns="58815" tIns="58815" rIns="58815" bIns="58815" numCol="1" spcCol="1270" anchor="ctr" anchorCtr="0">
           <a:noAutofit/>
         </a:bodyPr>
         <a:lstStyle/>
         <a:p>
-          <a:pPr marL="0" lvl="0" indent="0" algn="l" defTabSz="844550">
+          <a:pPr marL="0" lvl="0" indent="0" algn="l" defTabSz="711200">
             <a:lnSpc>
-              <a:spcPct val="100000"/>
+              <a:spcPct val="90000"/>
             </a:lnSpc>
             <a:spcBef>
               <a:spcPct val="0"/>
@@ -2812,15 +3521,15 @@
             <a:buNone/>
           </a:pPr>
           <a:r>
-            <a:rPr lang="es-ES" sz="1900" kern="1200"/>
+            <a:rPr lang="es-ES" sz="1600" kern="1200"/>
             <a:t>Problemática</a:t>
           </a:r>
-          <a:endParaRPr lang="en-US" sz="1900" kern="1200"/>
+          <a:endParaRPr lang="en-US" sz="1600" kern="1200"/>
         </a:p>
       </dsp:txBody>
       <dsp:txXfrm>
-        <a:off x="954708" y="1037115"/>
-        <a:ext cx="10565779" cy="826587"/>
+        <a:off x="641872" y="2779328"/>
+        <a:ext cx="10878615" cy="555733"/>
       </dsp:txXfrm>
     </dsp:sp>
     <dsp:sp modelId="{B068C79A-3DD3-4756-96B1-5A8F99FBAD1B}">
@@ -2830,8 +3539,8 @@
       </dsp:nvSpPr>
       <dsp:spPr>
         <a:xfrm>
-          <a:off x="0" y="2070349"/>
-          <a:ext cx="11520488" cy="826587"/>
+          <a:off x="0" y="3473995"/>
+          <a:ext cx="11520488" cy="555733"/>
         </a:xfrm>
         <a:prstGeom prst="roundRect">
           <a:avLst>
@@ -2839,7 +3548,7 @@
           </a:avLst>
         </a:prstGeom>
         <a:solidFill>
-          <a:schemeClr val="accent1">
+          <a:schemeClr val="accent3">
             <a:tint val="40000"/>
             <a:hueOff val="0"/>
             <a:satOff val="0"/>
@@ -2872,20 +3581,20 @@
       </dsp:nvSpPr>
       <dsp:spPr>
         <a:xfrm>
-          <a:off x="250042" y="2256331"/>
-          <a:ext cx="454623" cy="454623"/>
+          <a:off x="168109" y="3599035"/>
+          <a:ext cx="305653" cy="305653"/>
         </a:xfrm>
         <a:prstGeom prst="rect">
           <a:avLst/>
         </a:prstGeom>
         <a:blipFill>
-          <a:blip xmlns:r="http://schemas.openxmlformats.org/officeDocument/2006/relationships" r:embed="rId5">
+          <a:blip xmlns:r="http://schemas.openxmlformats.org/officeDocument/2006/relationships" r:embed="rId11">
             <a:extLst>
               <a:ext uri="{28A0092B-C50C-407E-A947-70E740481C1C}">
                 <a14:useLocalDpi xmlns:a14="http://schemas.microsoft.com/office/drawing/2010/main" val="0"/>
               </a:ext>
               <a:ext uri="{96DAC541-7B7A-43D3-8B79-37D633B846F1}">
-                <asvg:svgBlip xmlns:asvg="http://schemas.microsoft.com/office/drawing/2016/SVG/main" r:embed="rId6"/>
+                <asvg:svgBlip xmlns:asvg="http://schemas.microsoft.com/office/drawing/2016/SVG/main" r:embed="rId12"/>
               </a:ext>
             </a:extLst>
           </a:blip>
@@ -2922,8 +3631,8 @@
       </dsp:nvSpPr>
       <dsp:spPr>
         <a:xfrm>
-          <a:off x="954708" y="2070349"/>
-          <a:ext cx="10565779" cy="826587"/>
+          <a:off x="641872" y="3473995"/>
+          <a:ext cx="10878615" cy="555733"/>
         </a:xfrm>
         <a:prstGeom prst="rect">
           <a:avLst/>
@@ -2947,14 +3656,14 @@
         <a:fontRef idx="minor"/>
       </dsp:style>
       <dsp:txBody>
-        <a:bodyPr spcFirstLastPara="0" vert="horz" wrap="square" lIns="87481" tIns="87481" rIns="87481" bIns="87481" numCol="1" spcCol="1270" anchor="ctr" anchorCtr="0">
+        <a:bodyPr spcFirstLastPara="0" vert="horz" wrap="square" lIns="58815" tIns="58815" rIns="58815" bIns="58815" numCol="1" spcCol="1270" anchor="ctr" anchorCtr="0">
           <a:noAutofit/>
         </a:bodyPr>
         <a:lstStyle/>
         <a:p>
-          <a:pPr marL="0" lvl="0" indent="0" algn="l" defTabSz="844550">
+          <a:pPr marL="0" lvl="0" indent="0" algn="l" defTabSz="711200">
             <a:lnSpc>
-              <a:spcPct val="100000"/>
+              <a:spcPct val="90000"/>
             </a:lnSpc>
             <a:spcBef>
               <a:spcPct val="0"/>
@@ -2965,15 +3674,15 @@
             <a:buNone/>
           </a:pPr>
           <a:r>
-            <a:rPr lang="es-ES" sz="1900" kern="1200"/>
+            <a:rPr lang="es-ES" sz="1600" kern="1200"/>
             <a:t>Descripción del dataset y Preguntas de interés.</a:t>
           </a:r>
-          <a:endParaRPr lang="en-US" sz="1900" kern="1200"/>
+          <a:endParaRPr lang="en-US" sz="1600" kern="1200"/>
         </a:p>
       </dsp:txBody>
       <dsp:txXfrm>
-        <a:off x="954708" y="2070349"/>
-        <a:ext cx="10565779" cy="826587"/>
+        <a:off x="641872" y="3473995"/>
+        <a:ext cx="10878615" cy="555733"/>
       </dsp:txXfrm>
     </dsp:sp>
     <dsp:sp modelId="{71B14F88-0F6A-41E3-BD16-D3660069736D}">
@@ -2983,8 +3692,8 @@
       </dsp:nvSpPr>
       <dsp:spPr>
         <a:xfrm>
-          <a:off x="0" y="3103584"/>
-          <a:ext cx="11520488" cy="826587"/>
+          <a:off x="0" y="4168662"/>
+          <a:ext cx="11520488" cy="555733"/>
         </a:xfrm>
         <a:prstGeom prst="roundRect">
           <a:avLst>
@@ -2992,7 +3701,7 @@
           </a:avLst>
         </a:prstGeom>
         <a:solidFill>
-          <a:schemeClr val="accent1">
+          <a:schemeClr val="accent3">
             <a:tint val="40000"/>
             <a:hueOff val="0"/>
             <a:satOff val="0"/>
@@ -3025,20 +3734,20 @@
       </dsp:nvSpPr>
       <dsp:spPr>
         <a:xfrm>
-          <a:off x="250042" y="3289566"/>
-          <a:ext cx="454623" cy="454623"/>
+          <a:off x="168109" y="4293702"/>
+          <a:ext cx="305653" cy="305653"/>
         </a:xfrm>
         <a:prstGeom prst="rect">
           <a:avLst/>
         </a:prstGeom>
         <a:blipFill>
-          <a:blip xmlns:r="http://schemas.openxmlformats.org/officeDocument/2006/relationships" r:embed="rId7">
+          <a:blip xmlns:r="http://schemas.openxmlformats.org/officeDocument/2006/relationships" r:embed="rId13">
             <a:extLst>
               <a:ext uri="{28A0092B-C50C-407E-A947-70E740481C1C}">
                 <a14:useLocalDpi xmlns:a14="http://schemas.microsoft.com/office/drawing/2010/main" val="0"/>
               </a:ext>
               <a:ext uri="{96DAC541-7B7A-43D3-8B79-37D633B846F1}">
-                <asvg:svgBlip xmlns:asvg="http://schemas.microsoft.com/office/drawing/2016/SVG/main" r:embed="rId8"/>
+                <asvg:svgBlip xmlns:asvg="http://schemas.microsoft.com/office/drawing/2016/SVG/main" r:embed="rId14"/>
               </a:ext>
             </a:extLst>
           </a:blip>
@@ -3075,8 +3784,8 @@
       </dsp:nvSpPr>
       <dsp:spPr>
         <a:xfrm>
-          <a:off x="954708" y="3103584"/>
-          <a:ext cx="10565779" cy="826587"/>
+          <a:off x="641872" y="4168662"/>
+          <a:ext cx="10878615" cy="555733"/>
         </a:xfrm>
         <a:prstGeom prst="rect">
           <a:avLst/>
@@ -3100,14 +3809,14 @@
         <a:fontRef idx="minor"/>
       </dsp:style>
       <dsp:txBody>
-        <a:bodyPr spcFirstLastPara="0" vert="horz" wrap="square" lIns="87481" tIns="87481" rIns="87481" bIns="87481" numCol="1" spcCol="1270" anchor="ctr" anchorCtr="0">
+        <a:bodyPr spcFirstLastPara="0" vert="horz" wrap="square" lIns="58815" tIns="58815" rIns="58815" bIns="58815" numCol="1" spcCol="1270" anchor="ctr" anchorCtr="0">
           <a:noAutofit/>
         </a:bodyPr>
         <a:lstStyle/>
         <a:p>
-          <a:pPr marL="0" lvl="0" indent="0" algn="l" defTabSz="844550">
+          <a:pPr marL="0" lvl="0" indent="0" algn="l" defTabSz="711200">
             <a:lnSpc>
-              <a:spcPct val="100000"/>
+              <a:spcPct val="90000"/>
             </a:lnSpc>
             <a:spcBef>
               <a:spcPct val="0"/>
@@ -3118,15 +3827,15 @@
             <a:buNone/>
           </a:pPr>
           <a:r>
-            <a:rPr lang="es-ES" sz="1900" kern="1200" dirty="0"/>
+            <a:rPr lang="es-ES" sz="1600" kern="1200"/>
             <a:t>Variable target</a:t>
           </a:r>
-          <a:endParaRPr lang="en-US" sz="1900" kern="1200" dirty="0"/>
+          <a:endParaRPr lang="en-US" sz="1600" kern="1200"/>
         </a:p>
       </dsp:txBody>
       <dsp:txXfrm>
-        <a:off x="954708" y="3103584"/>
-        <a:ext cx="10565779" cy="826587"/>
+        <a:off x="641872" y="4168662"/>
+        <a:ext cx="10878615" cy="555733"/>
       </dsp:txXfrm>
     </dsp:sp>
     <dsp:sp modelId="{19DAE9B6-57C7-46B3-ACD7-0A78C2BDF822}">
@@ -3136,8 +3845,8 @@
       </dsp:nvSpPr>
       <dsp:spPr>
         <a:xfrm>
-          <a:off x="0" y="4136818"/>
-          <a:ext cx="11520488" cy="826587"/>
+          <a:off x="0" y="4863328"/>
+          <a:ext cx="11520488" cy="555733"/>
         </a:xfrm>
         <a:prstGeom prst="roundRect">
           <a:avLst>
@@ -3145,7 +3854,7 @@
           </a:avLst>
         </a:prstGeom>
         <a:solidFill>
-          <a:schemeClr val="accent1">
+          <a:schemeClr val="accent3">
             <a:tint val="40000"/>
             <a:hueOff val="0"/>
             <a:satOff val="0"/>
@@ -3178,20 +3887,20 @@
       </dsp:nvSpPr>
       <dsp:spPr>
         <a:xfrm>
-          <a:off x="250042" y="4322800"/>
-          <a:ext cx="454623" cy="454623"/>
+          <a:off x="168109" y="4988369"/>
+          <a:ext cx="305653" cy="305653"/>
         </a:xfrm>
         <a:prstGeom prst="rect">
           <a:avLst/>
         </a:prstGeom>
         <a:blipFill>
-          <a:blip xmlns:r="http://schemas.openxmlformats.org/officeDocument/2006/relationships" r:embed="rId9">
+          <a:blip xmlns:r="http://schemas.openxmlformats.org/officeDocument/2006/relationships" r:embed="rId15">
             <a:extLst>
               <a:ext uri="{28A0092B-C50C-407E-A947-70E740481C1C}">
                 <a14:useLocalDpi xmlns:a14="http://schemas.microsoft.com/office/drawing/2010/main" val="0"/>
               </a:ext>
               <a:ext uri="{96DAC541-7B7A-43D3-8B79-37D633B846F1}">
-                <asvg:svgBlip xmlns:asvg="http://schemas.microsoft.com/office/drawing/2016/SVG/main" r:embed="rId10"/>
+                <asvg:svgBlip xmlns:asvg="http://schemas.microsoft.com/office/drawing/2016/SVG/main" r:embed="rId16"/>
               </a:ext>
             </a:extLst>
           </a:blip>
@@ -3228,8 +3937,8 @@
       </dsp:nvSpPr>
       <dsp:spPr>
         <a:xfrm>
-          <a:off x="954708" y="4136818"/>
-          <a:ext cx="10565779" cy="826587"/>
+          <a:off x="641872" y="4863328"/>
+          <a:ext cx="10878615" cy="555733"/>
         </a:xfrm>
         <a:prstGeom prst="rect">
           <a:avLst/>
@@ -3253,14 +3962,14 @@
         <a:fontRef idx="minor"/>
       </dsp:style>
       <dsp:txBody>
-        <a:bodyPr spcFirstLastPara="0" vert="horz" wrap="square" lIns="87481" tIns="87481" rIns="87481" bIns="87481" numCol="1" spcCol="1270" anchor="ctr" anchorCtr="0">
+        <a:bodyPr spcFirstLastPara="0" vert="horz" wrap="square" lIns="58815" tIns="58815" rIns="58815" bIns="58815" numCol="1" spcCol="1270" anchor="ctr" anchorCtr="0">
           <a:noAutofit/>
         </a:bodyPr>
         <a:lstStyle/>
         <a:p>
-          <a:pPr marL="0" lvl="0" indent="0" algn="l" defTabSz="844550">
+          <a:pPr marL="0" lvl="0" indent="0" algn="l" defTabSz="711200">
             <a:lnSpc>
-              <a:spcPct val="100000"/>
+              <a:spcPct val="90000"/>
             </a:lnSpc>
             <a:spcBef>
               <a:spcPct val="0"/>
@@ -3271,19 +3980,15 @@
             <a:buNone/>
           </a:pPr>
           <a:r>
-            <a:rPr lang="es-ES" sz="1900" kern="1200" dirty="0"/>
-            <a:t>Análisis Exploratorio de Datos e </a:t>
+            <a:rPr lang="es-ES" sz="1600" kern="1200"/>
+            <a:t>Análisis Exploratorio de Datos e Insights</a:t>
           </a:r>
-          <a:r>
-            <a:rPr lang="es-ES" sz="1900" kern="1200" dirty="0" err="1"/>
-            <a:t>Insights</a:t>
-          </a:r>
-          <a:endParaRPr lang="en-US" sz="1900" kern="1200" dirty="0"/>
+          <a:endParaRPr lang="en-US" sz="1600" kern="1200"/>
         </a:p>
       </dsp:txBody>
       <dsp:txXfrm>
-        <a:off x="954708" y="4136818"/>
-        <a:ext cx="10565779" cy="826587"/>
+        <a:off x="641872" y="4863328"/>
+        <a:ext cx="10878615" cy="555733"/>
       </dsp:txXfrm>
     </dsp:sp>
   </dsp:spTree>
@@ -3438,10 +4143,10 @@
             <a:buNone/>
           </a:pPr>
           <a:r>
-            <a:rPr lang="es-ES" sz="1900" kern="1200"/>
+            <a:rPr lang="es-ES" sz="1900" kern="1200" dirty="0"/>
             <a:t>La cancelación de reservas es un problema común en la industria hotelera y puede afectar significativamente la rentabilidad del hotel. Estas cancelaciones pueden generar costos adicionales para el hotel, como la pérdida de ingresos por habitaciones no vendidas, gastos de cancelación y posibles daños a la reputación del hotel si el cliente queda insatisfecho.</a:t>
           </a:r>
-          <a:endParaRPr lang="en-US" sz="1900" kern="1200"/>
+          <a:endParaRPr lang="en-US" sz="1900" kern="1200" dirty="0"/>
         </a:p>
       </dsp:txBody>
       <dsp:txXfrm>
@@ -3589,10 +4294,10 @@
             <a:buNone/>
           </a:pPr>
           <a:r>
-            <a:rPr lang="es-ES" sz="1900" kern="1200"/>
+            <a:rPr lang="es-ES" sz="1900" kern="1200" dirty="0"/>
             <a:t>Por lo tanto, es crucial para los hoteles gestionar eficazmente las cancelaciones de reservas para minimizar su impacto en la rentabilidad y la satisfacción del cliente.</a:t>
           </a:r>
-          <a:endParaRPr lang="en-US" sz="1900" kern="1200"/>
+          <a:endParaRPr lang="en-US" sz="1900" kern="1200" dirty="0"/>
         </a:p>
       </dsp:txBody>
       <dsp:txXfrm>
@@ -6509,7 +7214,7 @@
             <a:pPr rtl="0"/>
             <a:fld id="{FDD18964-3BB4-4D47-8767-CE438F1B9D44}" type="datetime1">
               <a:rPr lang="es-ES" smtClean="0"/>
-              <a:t>08/06/2023</a:t>
+              <a:t>13/06/2023</a:t>
             </a:fld>
             <a:endParaRPr lang="es-ES"/>
           </a:p>
@@ -6691,7 +7396,7 @@
             <a:pPr rtl="0"/>
             <a:fld id="{D66C0203-D64A-4516-A5D4-F81B23892FEC}" type="datetime1">
               <a:rPr lang="es-ES" noProof="0" smtClean="0"/>
-              <a:t>08/06/2023</a:t>
+              <a:t>13/06/2023</a:t>
             </a:fld>
             <a:endParaRPr lang="es-ES" noProof="0"/>
           </a:p>
@@ -7006,7 +7711,7 @@
           <a:bodyPr/>
           <a:lstStyle/>
           <a:p>
-            <a:endParaRPr lang="es-ES"/>
+            <a:endParaRPr lang="es-ES" dirty="0"/>
           </a:p>
         </p:txBody>
       </p:sp>
@@ -7030,7 +7735,7 @@
               <a:rPr lang="es-ES" smtClean="0"/>
               <a:t>1</a:t>
             </a:fld>
-            <a:endParaRPr lang="es-ES"/>
+            <a:endParaRPr lang="es-ES" dirty="0"/>
           </a:p>
         </p:txBody>
       </p:sp>
@@ -7038,6 +7743,261 @@
     <p:extLst>
       <p:ext uri="{BB962C8B-B14F-4D97-AF65-F5344CB8AC3E}">
         <p14:creationId xmlns:p14="http://schemas.microsoft.com/office/powerpoint/2010/main" val="666824552"/>
+      </p:ext>
+    </p:extLst>
+  </p:cSld>
+  <p:clrMapOvr>
+    <a:masterClrMapping/>
+  </p:clrMapOvr>
+</p:notes>
+</file>
+
+<file path=ppt/notesSlides/notesSlide10.xml><?xml version="1.0" encoding="utf-8"?>
+<p:notes xmlns:a="http://schemas.openxmlformats.org/drawingml/2006/main" xmlns:r="http://schemas.openxmlformats.org/officeDocument/2006/relationships" xmlns:p="http://schemas.openxmlformats.org/presentationml/2006/main">
+  <p:cSld>
+    <p:spTree>
+      <p:nvGrpSpPr>
+        <p:cNvPr id="1" name=""/>
+        <p:cNvGrpSpPr/>
+        <p:nvPr/>
+      </p:nvGrpSpPr>
+      <p:grpSpPr>
+        <a:xfrm>
+          <a:off x="0" y="0"/>
+          <a:ext cx="0" cy="0"/>
+          <a:chOff x="0" y="0"/>
+          <a:chExt cx="0" cy="0"/>
+        </a:xfrm>
+      </p:grpSpPr>
+      <p:sp>
+        <p:nvSpPr>
+          <p:cNvPr id="2" name="Marcador de imagen de diapositiva 1"/>
+          <p:cNvSpPr>
+            <a:spLocks noGrp="1" noRot="1" noChangeAspect="1"/>
+          </p:cNvSpPr>
+          <p:nvPr>
+            <p:ph type="sldImg"/>
+          </p:nvPr>
+        </p:nvSpPr>
+        <p:spPr/>
+      </p:sp>
+      <p:sp>
+        <p:nvSpPr>
+          <p:cNvPr id="3" name="Marcador de notas 2"/>
+          <p:cNvSpPr>
+            <a:spLocks noGrp="1"/>
+          </p:cNvSpPr>
+          <p:nvPr>
+            <p:ph type="body" idx="1"/>
+          </p:nvPr>
+        </p:nvSpPr>
+        <p:spPr/>
+        <p:txBody>
+          <a:bodyPr/>
+          <a:lstStyle/>
+          <a:p>
+            <a:endParaRPr lang="es-ES" dirty="0"/>
+          </a:p>
+        </p:txBody>
+      </p:sp>
+      <p:sp>
+        <p:nvSpPr>
+          <p:cNvPr id="4" name="Marcador de número de diapositiva 3"/>
+          <p:cNvSpPr>
+            <a:spLocks noGrp="1"/>
+          </p:cNvSpPr>
+          <p:nvPr>
+            <p:ph type="sldNum" sz="quarter" idx="5"/>
+          </p:nvPr>
+        </p:nvSpPr>
+        <p:spPr/>
+        <p:txBody>
+          <a:bodyPr/>
+          <a:lstStyle/>
+          <a:p>
+            <a:pPr rtl="0"/>
+            <a:fld id="{6DC51814-3B91-4036-94D2-3977634EE214}" type="slidenum">
+              <a:rPr lang="es-ES" smtClean="0"/>
+              <a:t>11</a:t>
+            </a:fld>
+            <a:endParaRPr lang="es-ES" dirty="0"/>
+          </a:p>
+        </p:txBody>
+      </p:sp>
+    </p:spTree>
+    <p:extLst>
+      <p:ext uri="{BB962C8B-B14F-4D97-AF65-F5344CB8AC3E}">
+        <p14:creationId xmlns:p14="http://schemas.microsoft.com/office/powerpoint/2010/main" val="1989851406"/>
+      </p:ext>
+    </p:extLst>
+  </p:cSld>
+  <p:clrMapOvr>
+    <a:masterClrMapping/>
+  </p:clrMapOvr>
+</p:notes>
+</file>
+
+<file path=ppt/notesSlides/notesSlide11.xml><?xml version="1.0" encoding="utf-8"?>
+<p:notes xmlns:a="http://schemas.openxmlformats.org/drawingml/2006/main" xmlns:r="http://schemas.openxmlformats.org/officeDocument/2006/relationships" xmlns:p="http://schemas.openxmlformats.org/presentationml/2006/main">
+  <p:cSld>
+    <p:spTree>
+      <p:nvGrpSpPr>
+        <p:cNvPr id="1" name=""/>
+        <p:cNvGrpSpPr/>
+        <p:nvPr/>
+      </p:nvGrpSpPr>
+      <p:grpSpPr>
+        <a:xfrm>
+          <a:off x="0" y="0"/>
+          <a:ext cx="0" cy="0"/>
+          <a:chOff x="0" y="0"/>
+          <a:chExt cx="0" cy="0"/>
+        </a:xfrm>
+      </p:grpSpPr>
+      <p:sp>
+        <p:nvSpPr>
+          <p:cNvPr id="2" name="Marcador de imagen de diapositiva 1"/>
+          <p:cNvSpPr>
+            <a:spLocks noGrp="1" noRot="1" noChangeAspect="1"/>
+          </p:cNvSpPr>
+          <p:nvPr>
+            <p:ph type="sldImg"/>
+          </p:nvPr>
+        </p:nvSpPr>
+        <p:spPr/>
+      </p:sp>
+      <p:sp>
+        <p:nvSpPr>
+          <p:cNvPr id="3" name="Marcador de notas 2"/>
+          <p:cNvSpPr>
+            <a:spLocks noGrp="1"/>
+          </p:cNvSpPr>
+          <p:nvPr>
+            <p:ph type="body" idx="1"/>
+          </p:nvPr>
+        </p:nvSpPr>
+        <p:spPr/>
+        <p:txBody>
+          <a:bodyPr/>
+          <a:lstStyle/>
+          <a:p>
+            <a:endParaRPr lang="es-ES" dirty="0"/>
+          </a:p>
+        </p:txBody>
+      </p:sp>
+      <p:sp>
+        <p:nvSpPr>
+          <p:cNvPr id="4" name="Marcador de número de diapositiva 3"/>
+          <p:cNvSpPr>
+            <a:spLocks noGrp="1"/>
+          </p:cNvSpPr>
+          <p:nvPr>
+            <p:ph type="sldNum" sz="quarter" idx="5"/>
+          </p:nvPr>
+        </p:nvSpPr>
+        <p:spPr/>
+        <p:txBody>
+          <a:bodyPr/>
+          <a:lstStyle/>
+          <a:p>
+            <a:pPr rtl="0"/>
+            <a:fld id="{6DC51814-3B91-4036-94D2-3977634EE214}" type="slidenum">
+              <a:rPr lang="es-ES" smtClean="0"/>
+              <a:t>12</a:t>
+            </a:fld>
+            <a:endParaRPr lang="es-ES" dirty="0"/>
+          </a:p>
+        </p:txBody>
+      </p:sp>
+    </p:spTree>
+    <p:extLst>
+      <p:ext uri="{BB962C8B-B14F-4D97-AF65-F5344CB8AC3E}">
+        <p14:creationId xmlns:p14="http://schemas.microsoft.com/office/powerpoint/2010/main" val="1566021846"/>
+      </p:ext>
+    </p:extLst>
+  </p:cSld>
+  <p:clrMapOvr>
+    <a:masterClrMapping/>
+  </p:clrMapOvr>
+</p:notes>
+</file>
+
+<file path=ppt/notesSlides/notesSlide12.xml><?xml version="1.0" encoding="utf-8"?>
+<p:notes xmlns:a="http://schemas.openxmlformats.org/drawingml/2006/main" xmlns:r="http://schemas.openxmlformats.org/officeDocument/2006/relationships" xmlns:p="http://schemas.openxmlformats.org/presentationml/2006/main">
+  <p:cSld>
+    <p:spTree>
+      <p:nvGrpSpPr>
+        <p:cNvPr id="1" name=""/>
+        <p:cNvGrpSpPr/>
+        <p:nvPr/>
+      </p:nvGrpSpPr>
+      <p:grpSpPr>
+        <a:xfrm>
+          <a:off x="0" y="0"/>
+          <a:ext cx="0" cy="0"/>
+          <a:chOff x="0" y="0"/>
+          <a:chExt cx="0" cy="0"/>
+        </a:xfrm>
+      </p:grpSpPr>
+      <p:sp>
+        <p:nvSpPr>
+          <p:cNvPr id="2" name="Marcador de imagen de diapositiva 1"/>
+          <p:cNvSpPr>
+            <a:spLocks noGrp="1" noRot="1" noChangeAspect="1"/>
+          </p:cNvSpPr>
+          <p:nvPr>
+            <p:ph type="sldImg"/>
+          </p:nvPr>
+        </p:nvSpPr>
+        <p:spPr/>
+      </p:sp>
+      <p:sp>
+        <p:nvSpPr>
+          <p:cNvPr id="3" name="Marcador de notas 2"/>
+          <p:cNvSpPr>
+            <a:spLocks noGrp="1"/>
+          </p:cNvSpPr>
+          <p:nvPr>
+            <p:ph type="body" idx="1"/>
+          </p:nvPr>
+        </p:nvSpPr>
+        <p:spPr/>
+        <p:txBody>
+          <a:bodyPr/>
+          <a:lstStyle/>
+          <a:p>
+            <a:endParaRPr lang="es-ES"/>
+          </a:p>
+        </p:txBody>
+      </p:sp>
+      <p:sp>
+        <p:nvSpPr>
+          <p:cNvPr id="4" name="Marcador de número de diapositiva 3"/>
+          <p:cNvSpPr>
+            <a:spLocks noGrp="1"/>
+          </p:cNvSpPr>
+          <p:nvPr>
+            <p:ph type="sldNum" sz="quarter" idx="5"/>
+          </p:nvPr>
+        </p:nvSpPr>
+        <p:spPr/>
+        <p:txBody>
+          <a:bodyPr/>
+          <a:lstStyle/>
+          <a:p>
+            <a:pPr rtl="0"/>
+            <a:fld id="{6DC51814-3B91-4036-94D2-3977634EE214}" type="slidenum">
+              <a:rPr lang="es-ES" smtClean="0"/>
+              <a:t>14</a:t>
+            </a:fld>
+            <a:endParaRPr lang="es-ES"/>
+          </a:p>
+        </p:txBody>
+      </p:sp>
+    </p:spTree>
+    <p:extLst>
+      <p:ext uri="{BB962C8B-B14F-4D97-AF65-F5344CB8AC3E}">
+        <p14:creationId xmlns:p14="http://schemas.microsoft.com/office/powerpoint/2010/main" val="303264961"/>
       </p:ext>
     </p:extLst>
   </p:cSld>
@@ -7091,7 +8051,7 @@
           <a:bodyPr/>
           <a:lstStyle/>
           <a:p>
-            <a:endParaRPr lang="es-ES"/>
+            <a:endParaRPr lang="es-ES" dirty="0"/>
           </a:p>
         </p:txBody>
       </p:sp>
@@ -7115,7 +8075,7 @@
               <a:rPr lang="es-ES" smtClean="0"/>
               <a:t>2</a:t>
             </a:fld>
-            <a:endParaRPr lang="es-ES"/>
+            <a:endParaRPr lang="es-ES" dirty="0"/>
           </a:p>
         </p:txBody>
       </p:sp>
@@ -7176,7 +8136,7 @@
           <a:bodyPr/>
           <a:lstStyle/>
           <a:p>
-            <a:endParaRPr lang="es-ES"/>
+            <a:endParaRPr lang="es-ES" dirty="0"/>
           </a:p>
         </p:txBody>
       </p:sp>
@@ -7200,14 +8160,14 @@
               <a:rPr lang="es-ES" smtClean="0"/>
               <a:t>3</a:t>
             </a:fld>
-            <a:endParaRPr lang="es-ES"/>
+            <a:endParaRPr lang="es-ES" dirty="0"/>
           </a:p>
         </p:txBody>
       </p:sp>
     </p:spTree>
     <p:extLst>
       <p:ext uri="{BB962C8B-B14F-4D97-AF65-F5344CB8AC3E}">
-        <p14:creationId xmlns:p14="http://schemas.microsoft.com/office/powerpoint/2010/main" val="3180251950"/>
+        <p14:creationId xmlns:p14="http://schemas.microsoft.com/office/powerpoint/2010/main" val="325424784"/>
       </p:ext>
     </p:extLst>
   </p:cSld>
@@ -7261,7 +8221,7 @@
           <a:bodyPr/>
           <a:lstStyle/>
           <a:p>
-            <a:endParaRPr lang="es-ES"/>
+            <a:endParaRPr lang="es-ES" dirty="0"/>
           </a:p>
         </p:txBody>
       </p:sp>
@@ -7285,14 +8245,14 @@
               <a:rPr lang="es-ES" smtClean="0"/>
               <a:t>4</a:t>
             </a:fld>
-            <a:endParaRPr lang="es-ES"/>
+            <a:endParaRPr lang="es-ES" dirty="0"/>
           </a:p>
         </p:txBody>
       </p:sp>
     </p:spTree>
     <p:extLst>
       <p:ext uri="{BB962C8B-B14F-4D97-AF65-F5344CB8AC3E}">
-        <p14:creationId xmlns:p14="http://schemas.microsoft.com/office/powerpoint/2010/main" val="2608244154"/>
+        <p14:creationId xmlns:p14="http://schemas.microsoft.com/office/powerpoint/2010/main" val="2217575399"/>
       </p:ext>
     </p:extLst>
   </p:cSld>
@@ -7346,7 +8306,7 @@
           <a:bodyPr/>
           <a:lstStyle/>
           <a:p>
-            <a:endParaRPr lang="es-ES"/>
+            <a:endParaRPr lang="es-ES" dirty="0"/>
           </a:p>
         </p:txBody>
       </p:sp>
@@ -7370,14 +8330,14 @@
               <a:rPr lang="es-ES" smtClean="0"/>
               <a:t>5</a:t>
             </a:fld>
-            <a:endParaRPr lang="es-ES"/>
+            <a:endParaRPr lang="es-ES" dirty="0"/>
           </a:p>
         </p:txBody>
       </p:sp>
     </p:spTree>
     <p:extLst>
       <p:ext uri="{BB962C8B-B14F-4D97-AF65-F5344CB8AC3E}">
-        <p14:creationId xmlns:p14="http://schemas.microsoft.com/office/powerpoint/2010/main" val="1944105051"/>
+        <p14:creationId xmlns:p14="http://schemas.microsoft.com/office/powerpoint/2010/main" val="2178821806"/>
       </p:ext>
     </p:extLst>
   </p:cSld>
@@ -7431,7 +8391,7 @@
           <a:bodyPr/>
           <a:lstStyle/>
           <a:p>
-            <a:endParaRPr lang="es-ES"/>
+            <a:endParaRPr lang="es-ES" dirty="0"/>
           </a:p>
         </p:txBody>
       </p:sp>
@@ -7455,14 +8415,14 @@
               <a:rPr lang="es-ES" smtClean="0"/>
               <a:t>6</a:t>
             </a:fld>
-            <a:endParaRPr lang="es-ES"/>
+            <a:endParaRPr lang="es-ES" dirty="0"/>
           </a:p>
         </p:txBody>
       </p:sp>
     </p:spTree>
     <p:extLst>
       <p:ext uri="{BB962C8B-B14F-4D97-AF65-F5344CB8AC3E}">
-        <p14:creationId xmlns:p14="http://schemas.microsoft.com/office/powerpoint/2010/main" val="1947872372"/>
+        <p14:creationId xmlns:p14="http://schemas.microsoft.com/office/powerpoint/2010/main" val="3180251950"/>
       </p:ext>
     </p:extLst>
   </p:cSld>
@@ -7516,7 +8476,7 @@
           <a:bodyPr/>
           <a:lstStyle/>
           <a:p>
-            <a:endParaRPr lang="es-ES"/>
+            <a:endParaRPr lang="es-ES" dirty="0"/>
           </a:p>
         </p:txBody>
       </p:sp>
@@ -7538,16 +8498,16 @@
             <a:pPr rtl="0"/>
             <a:fld id="{6DC51814-3B91-4036-94D2-3977634EE214}" type="slidenum">
               <a:rPr lang="es-ES" smtClean="0"/>
-              <a:t>8</a:t>
+              <a:t>7</a:t>
             </a:fld>
-            <a:endParaRPr lang="es-ES"/>
+            <a:endParaRPr lang="es-ES" dirty="0"/>
           </a:p>
         </p:txBody>
       </p:sp>
     </p:spTree>
     <p:extLst>
       <p:ext uri="{BB962C8B-B14F-4D97-AF65-F5344CB8AC3E}">
-        <p14:creationId xmlns:p14="http://schemas.microsoft.com/office/powerpoint/2010/main" val="1989851406"/>
+        <p14:creationId xmlns:p14="http://schemas.microsoft.com/office/powerpoint/2010/main" val="2608244154"/>
       </p:ext>
     </p:extLst>
   </p:cSld>
@@ -7601,7 +8561,7 @@
           <a:bodyPr/>
           <a:lstStyle/>
           <a:p>
-            <a:endParaRPr lang="es-ES"/>
+            <a:endParaRPr lang="es-ES" dirty="0"/>
           </a:p>
         </p:txBody>
       </p:sp>
@@ -7623,16 +8583,16 @@
             <a:pPr rtl="0"/>
             <a:fld id="{6DC51814-3B91-4036-94D2-3977634EE214}" type="slidenum">
               <a:rPr lang="es-ES" smtClean="0"/>
-              <a:t>9</a:t>
+              <a:t>8</a:t>
             </a:fld>
-            <a:endParaRPr lang="es-ES"/>
+            <a:endParaRPr lang="es-ES" dirty="0"/>
           </a:p>
         </p:txBody>
       </p:sp>
     </p:spTree>
     <p:extLst>
       <p:ext uri="{BB962C8B-B14F-4D97-AF65-F5344CB8AC3E}">
-        <p14:creationId xmlns:p14="http://schemas.microsoft.com/office/powerpoint/2010/main" val="1566021846"/>
+        <p14:creationId xmlns:p14="http://schemas.microsoft.com/office/powerpoint/2010/main" val="1944105051"/>
       </p:ext>
     </p:extLst>
   </p:cSld>
@@ -7686,7 +8646,7 @@
           <a:bodyPr/>
           <a:lstStyle/>
           <a:p>
-            <a:endParaRPr lang="es-ES"/>
+            <a:endParaRPr lang="es-ES" dirty="0"/>
           </a:p>
         </p:txBody>
       </p:sp>
@@ -7708,16 +8668,16 @@
             <a:pPr rtl="0"/>
             <a:fld id="{6DC51814-3B91-4036-94D2-3977634EE214}" type="slidenum">
               <a:rPr lang="es-ES" smtClean="0"/>
-              <a:t>11</a:t>
+              <a:t>9</a:t>
             </a:fld>
-            <a:endParaRPr lang="es-ES"/>
+            <a:endParaRPr lang="es-ES" dirty="0"/>
           </a:p>
         </p:txBody>
       </p:sp>
     </p:spTree>
     <p:extLst>
       <p:ext uri="{BB962C8B-B14F-4D97-AF65-F5344CB8AC3E}">
-        <p14:creationId xmlns:p14="http://schemas.microsoft.com/office/powerpoint/2010/main" val="303264961"/>
+        <p14:creationId xmlns:p14="http://schemas.microsoft.com/office/powerpoint/2010/main" val="1947872372"/>
       </p:ext>
     </p:extLst>
   </p:cSld>
@@ -34446,10 +35406,10 @@
       </p:grpSpPr>
       <p:sp>
         <p:nvSpPr>
-          <p:cNvPr id="18" name="Title 1">
-            <a:extLst>
-              <a:ext uri="{FF2B5EF4-FFF2-40B4-BE49-F238E27FC236}">
-                <a16:creationId xmlns:a16="http://schemas.microsoft.com/office/drawing/2014/main" id="{C25D1B61-5281-6537-18CF-B5658281BA37}"/>
+          <p:cNvPr id="6" name="Título 5">
+            <a:extLst>
+              <a:ext uri="{FF2B5EF4-FFF2-40B4-BE49-F238E27FC236}">
+                <a16:creationId xmlns:a16="http://schemas.microsoft.com/office/drawing/2014/main" id="{F2BC7CEB-5DE3-D245-9B58-4890C05407FB}"/>
               </a:ext>
             </a:extLst>
           </p:cNvPr>
@@ -34457,157 +35417,105 @@
             <a:spLocks noGrp="1"/>
           </p:cNvSpPr>
           <p:nvPr>
-            <p:ph type="title"/>
+            <p:ph type="ctrTitle"/>
           </p:nvPr>
         </p:nvSpPr>
-        <p:spPr>
-          <a:xfrm>
-            <a:off x="371475" y="260351"/>
-            <a:ext cx="11520487" cy="758824"/>
-          </a:xfrm>
-        </p:spPr>
+        <p:spPr/>
         <p:txBody>
           <a:bodyPr/>
           <a:lstStyle/>
           <a:p>
             <a:r>
-              <a:rPr lang="en-US"/>
-              <a:t>Reservas y Cancelaciones </a:t>
-            </a:r>
-            <a:r>
-              <a:rPr lang="es-AR"/>
-              <a:t>segun</a:t>
-            </a:r>
-            <a:r>
-              <a:rPr lang="en-US"/>
-              <a:t> el día de llegada</a:t>
-            </a:r>
-            <a:endParaRPr lang="en-US" dirty="0"/>
+              <a:rPr lang="es-AR" dirty="0"/>
+              <a:t>Análisis Exploratorio de datos</a:t>
+            </a:r>
+          </a:p>
+        </p:txBody>
+      </p:sp>
+      <p:sp>
+        <p:nvSpPr>
+          <p:cNvPr id="4" name="Marcador de número de diapositiva 3">
+            <a:extLst>
+              <a:ext uri="{FF2B5EF4-FFF2-40B4-BE49-F238E27FC236}">
+                <a16:creationId xmlns:a16="http://schemas.microsoft.com/office/drawing/2014/main" id="{5F9924DB-D81D-A95C-7F54-13FDBFB50597}"/>
+              </a:ext>
+            </a:extLst>
+          </p:cNvPr>
+          <p:cNvSpPr>
+            <a:spLocks noGrp="1"/>
+          </p:cNvSpPr>
+          <p:nvPr>
+            <p:ph type="sldNum" sz="quarter" idx="4294967295"/>
+          </p:nvPr>
+        </p:nvSpPr>
+        <p:spPr>
+          <a:xfrm>
+            <a:off x="11818938" y="6581775"/>
+            <a:ext cx="373062" cy="206375"/>
+          </a:xfrm>
+        </p:spPr>
+        <p:txBody>
+          <a:bodyPr/>
+          <a:lstStyle/>
+          <a:p>
+            <a:pPr rtl="0"/>
+            <a:fld id="{03DC2DEF-D2FE-4B45-ABA4-9F153FD1C98A}" type="slidenum">
+              <a:rPr lang="es-ES" noProof="0" smtClean="0"/>
+              <a:t>10</a:t>
+            </a:fld>
+            <a:endParaRPr lang="es-ES" noProof="0" dirty="0"/>
           </a:p>
         </p:txBody>
       </p:sp>
       <p:pic>
         <p:nvPicPr>
-          <p:cNvPr id="13" name="Imagen 12">
-            <a:extLst>
-              <a:ext uri="{FF2B5EF4-FFF2-40B4-BE49-F238E27FC236}">
-                <a16:creationId xmlns:a16="http://schemas.microsoft.com/office/drawing/2014/main" id="{08C8BE0F-9E3E-B6AC-A783-2C28C1204461}"/>
+          <p:cNvPr id="3078" name="Picture 6">
+            <a:extLst>
+              <a:ext uri="{FF2B5EF4-FFF2-40B4-BE49-F238E27FC236}">
+                <a16:creationId xmlns:a16="http://schemas.microsoft.com/office/drawing/2014/main" id="{EAA18E0E-0F4D-D147-2C16-745EBE2AFEA3}"/>
               </a:ext>
             </a:extLst>
           </p:cNvPr>
           <p:cNvPicPr>
-            <a:picLocks noChangeAspect="1"/>
+            <a:picLocks noGrp="1" noChangeAspect="1" noChangeArrowheads="1"/>
           </p:cNvPicPr>
-          <p:nvPr/>
+          <p:nvPr>
+            <p:ph type="pic" sz="quarter" idx="10"/>
+          </p:nvPr>
         </p:nvPicPr>
         <p:blipFill>
-          <a:blip r:embed="rId2"/>
+          <a:blip r:embed="rId2">
+            <a:extLst>
+              <a:ext uri="{28A0092B-C50C-407E-A947-70E740481C1C}">
+                <a14:useLocalDpi xmlns:a14="http://schemas.microsoft.com/office/drawing/2010/main" val="0"/>
+              </a:ext>
+            </a:extLst>
+          </a:blip>
+          <a:srcRect t="22610" b="22610"/>
           <a:stretch>
             <a:fillRect/>
           </a:stretch>
         </p:blipFill>
-        <p:spPr>
-          <a:xfrm>
-            <a:off x="371475" y="1150639"/>
-            <a:ext cx="11520487" cy="4118573"/>
-          </a:xfrm>
+        <p:spPr bwMode="auto">
           <a:prstGeom prst="rect">
             <a:avLst/>
           </a:prstGeom>
           <a:noFill/>
+          <a:extLst>
+            <a:ext uri="{909E8E84-426E-40DD-AFC4-6F175D3DCCD1}">
+              <a14:hiddenFill xmlns:a14="http://schemas.microsoft.com/office/drawing/2010/main">
+                <a:solidFill>
+                  <a:srgbClr val="FFFFFF"/>
+                </a:solidFill>
+              </a14:hiddenFill>
+            </a:ext>
+          </a:extLst>
         </p:spPr>
       </p:pic>
-      <p:sp>
-        <p:nvSpPr>
-          <p:cNvPr id="3" name="Marcador de número de diapositiva 2">
-            <a:extLst>
-              <a:ext uri="{FF2B5EF4-FFF2-40B4-BE49-F238E27FC236}">
-                <a16:creationId xmlns:a16="http://schemas.microsoft.com/office/drawing/2014/main" id="{AC0F9449-E71E-7844-E380-C8113566C154}"/>
-              </a:ext>
-            </a:extLst>
-          </p:cNvPr>
-          <p:cNvSpPr>
-            <a:spLocks noGrp="1"/>
-          </p:cNvSpPr>
-          <p:nvPr>
-            <p:ph type="sldNum" sz="quarter" idx="12"/>
-          </p:nvPr>
-        </p:nvSpPr>
-        <p:spPr>
-          <a:xfrm>
-            <a:off x="11518900" y="6581978"/>
-            <a:ext cx="373062" cy="206104"/>
-          </a:xfrm>
-        </p:spPr>
-        <p:txBody>
-          <a:bodyPr anchor="ctr">
-            <a:normAutofit/>
-          </a:bodyPr>
-          <a:lstStyle/>
-          <a:p>
-            <a:pPr rtl="0">
-              <a:lnSpc>
-                <a:spcPct val="90000"/>
-              </a:lnSpc>
-              <a:spcAft>
-                <a:spcPts val="600"/>
-              </a:spcAft>
-            </a:pPr>
-            <a:fld id="{03DC2DEF-D2FE-4B45-ABA4-9F153FD1C98A}" type="slidenum">
-              <a:rPr lang="es-ES" sz="800" noProof="0" smtClean="0"/>
-              <a:pPr rtl="0">
-                <a:lnSpc>
-                  <a:spcPct val="90000"/>
-                </a:lnSpc>
-                <a:spcAft>
-                  <a:spcPts val="600"/>
-                </a:spcAft>
-              </a:pPr>
-              <a:t>10</a:t>
-            </a:fld>
-            <a:endParaRPr lang="es-ES" sz="800" noProof="0"/>
-          </a:p>
-        </p:txBody>
-      </p:sp>
-      <p:sp>
-        <p:nvSpPr>
-          <p:cNvPr id="14" name="CuadroTexto 13">
-            <a:extLst>
-              <a:ext uri="{FF2B5EF4-FFF2-40B4-BE49-F238E27FC236}">
-                <a16:creationId xmlns:a16="http://schemas.microsoft.com/office/drawing/2014/main" id="{7576B188-DCDA-F811-F879-A410FE6E9E01}"/>
-              </a:ext>
-            </a:extLst>
-          </p:cNvPr>
-          <p:cNvSpPr txBox="1"/>
-          <p:nvPr/>
-        </p:nvSpPr>
-        <p:spPr>
-          <a:xfrm>
-            <a:off x="1219200" y="5269212"/>
-            <a:ext cx="10147300" cy="646331"/>
-          </a:xfrm>
-          <a:prstGeom prst="rect">
-            <a:avLst/>
-          </a:prstGeom>
-          <a:noFill/>
-        </p:spPr>
-        <p:txBody>
-          <a:bodyPr wrap="square" rtlCol="0">
-            <a:spAutoFit/>
-          </a:bodyPr>
-          <a:lstStyle/>
-          <a:p>
-            <a:r>
-              <a:rPr lang="es-AR" dirty="0"/>
-              <a:t>Se observa que la mayor relación entre las reservas realizadas y la cancelación de las mismas se produce a mitad de mes.</a:t>
-            </a:r>
-          </a:p>
-        </p:txBody>
-      </p:sp>
     </p:spTree>
     <p:extLst>
       <p:ext uri="{BB962C8B-B14F-4D97-AF65-F5344CB8AC3E}">
-        <p14:creationId xmlns:p14="http://schemas.microsoft.com/office/powerpoint/2010/main" val="1296092853"/>
+        <p14:creationId xmlns:p14="http://schemas.microsoft.com/office/powerpoint/2010/main" val="3955767059"/>
       </p:ext>
     </p:extLst>
   </p:cSld>
@@ -34636,6 +35544,201 @@
       </p:grpSpPr>
       <p:sp>
         <p:nvSpPr>
+          <p:cNvPr id="16" name="Título 15">
+            <a:extLst>
+              <a:ext uri="{FF2B5EF4-FFF2-40B4-BE49-F238E27FC236}">
+                <a16:creationId xmlns:a16="http://schemas.microsoft.com/office/drawing/2014/main" id="{2C00B059-8249-401E-BECD-DC838B36F9FB}"/>
+              </a:ext>
+            </a:extLst>
+          </p:cNvPr>
+          <p:cNvSpPr>
+            <a:spLocks noGrp="1"/>
+          </p:cNvSpPr>
+          <p:nvPr>
+            <p:ph type="title"/>
+          </p:nvPr>
+        </p:nvSpPr>
+        <p:spPr>
+          <a:xfrm>
+            <a:off x="403689" y="421201"/>
+            <a:ext cx="5110846" cy="566224"/>
+          </a:xfrm>
+        </p:spPr>
+        <p:txBody>
+          <a:bodyPr rtlCol="0" anchor="b">
+            <a:normAutofit/>
+          </a:bodyPr>
+          <a:lstStyle/>
+          <a:p>
+            <a:pPr rtl="0"/>
+            <a:r>
+              <a:rPr lang="es-ES" dirty="0"/>
+              <a:t>Tiempo de espera de arribo</a:t>
+            </a:r>
+          </a:p>
+        </p:txBody>
+      </p:sp>
+      <p:sp>
+        <p:nvSpPr>
+          <p:cNvPr id="18" name="Marcador de texto 17">
+            <a:extLst>
+              <a:ext uri="{FF2B5EF4-FFF2-40B4-BE49-F238E27FC236}">
+                <a16:creationId xmlns:a16="http://schemas.microsoft.com/office/drawing/2014/main" id="{ED42596E-DB09-43F7-A053-18CEB2DDE639}"/>
+              </a:ext>
+            </a:extLst>
+          </p:cNvPr>
+          <p:cNvSpPr>
+            <a:spLocks noGrp="1"/>
+          </p:cNvSpPr>
+          <p:nvPr>
+            <p:ph type="body" sz="half" idx="2"/>
+          </p:nvPr>
+        </p:nvSpPr>
+        <p:spPr>
+          <a:xfrm>
+            <a:off x="667556" y="1694258"/>
+            <a:ext cx="4583112" cy="3055542"/>
+          </a:xfrm>
+        </p:spPr>
+        <p:txBody>
+          <a:bodyPr rtlCol="0">
+            <a:normAutofit/>
+          </a:bodyPr>
+          <a:lstStyle/>
+          <a:p>
+            <a:pPr rtl="0"/>
+            <a:r>
+              <a:rPr lang="es-ES" sz="1800" dirty="0"/>
+              <a:t>Visualizando el grafico a nuestra derecha, podemos determinar que, a mayor cantidad de días de espera para el arribo al hotel, mayor es la tasa de cancelaciones, llegando incluso a visualizar "outliers" con valores mayores a 400 días.</a:t>
+            </a:r>
+          </a:p>
+          <a:p>
+            <a:pPr rtl="0"/>
+            <a:endParaRPr lang="es-ES" sz="1800" dirty="0"/>
+          </a:p>
+          <a:p>
+            <a:pPr rtl="0"/>
+            <a:r>
+              <a:rPr lang="es-ES" sz="1800" dirty="0"/>
+              <a:t>Sin embargo, hay reservas con tiempos de espera menores a esa cantidad que no fueron canceladas.</a:t>
+            </a:r>
+          </a:p>
+        </p:txBody>
+      </p:sp>
+      <p:sp>
+        <p:nvSpPr>
+          <p:cNvPr id="3" name="Marcador de número de diapositiva 2">
+            <a:extLst>
+              <a:ext uri="{FF2B5EF4-FFF2-40B4-BE49-F238E27FC236}">
+                <a16:creationId xmlns:a16="http://schemas.microsoft.com/office/drawing/2014/main" id="{581E71C2-3FC1-41C1-8255-33A1AC802247}"/>
+              </a:ext>
+            </a:extLst>
+          </p:cNvPr>
+          <p:cNvSpPr>
+            <a:spLocks noGrp="1"/>
+          </p:cNvSpPr>
+          <p:nvPr>
+            <p:ph type="sldNum" sz="quarter" idx="12"/>
+          </p:nvPr>
+        </p:nvSpPr>
+        <p:spPr>
+          <a:xfrm>
+            <a:off x="11518900" y="6581978"/>
+            <a:ext cx="373062" cy="206104"/>
+          </a:xfrm>
+        </p:spPr>
+        <p:txBody>
+          <a:bodyPr rtlCol="0" anchor="ctr">
+            <a:normAutofit/>
+          </a:bodyPr>
+          <a:lstStyle/>
+          <a:p>
+            <a:pPr rtl="0">
+              <a:lnSpc>
+                <a:spcPct val="90000"/>
+              </a:lnSpc>
+              <a:spcAft>
+                <a:spcPts val="600"/>
+              </a:spcAft>
+            </a:pPr>
+            <a:fld id="{03DC2DEF-D2FE-4B45-ABA4-9F153FD1C98A}" type="slidenum">
+              <a:rPr lang="es-ES" sz="800" smtClean="0"/>
+              <a:pPr rtl="0">
+                <a:lnSpc>
+                  <a:spcPct val="90000"/>
+                </a:lnSpc>
+                <a:spcAft>
+                  <a:spcPts val="600"/>
+                </a:spcAft>
+              </a:pPr>
+              <a:t>11</a:t>
+            </a:fld>
+            <a:endParaRPr lang="es-ES" sz="800" dirty="0"/>
+          </a:p>
+        </p:txBody>
+      </p:sp>
+      <p:pic>
+        <p:nvPicPr>
+          <p:cNvPr id="10" name="Imagen 9">
+            <a:extLst>
+              <a:ext uri="{FF2B5EF4-FFF2-40B4-BE49-F238E27FC236}">
+                <a16:creationId xmlns:a16="http://schemas.microsoft.com/office/drawing/2014/main" id="{5E05276A-5B97-2EF2-68BF-194D323C9CA4}"/>
+              </a:ext>
+            </a:extLst>
+          </p:cNvPr>
+          <p:cNvPicPr>
+            <a:picLocks noChangeAspect="1"/>
+          </p:cNvPicPr>
+          <p:nvPr/>
+        </p:nvPicPr>
+        <p:blipFill>
+          <a:blip r:embed="rId3"/>
+          <a:stretch>
+            <a:fillRect/>
+          </a:stretch>
+        </p:blipFill>
+        <p:spPr>
+          <a:xfrm>
+            <a:off x="6096000" y="1262459"/>
+            <a:ext cx="5795962" cy="4606530"/>
+          </a:xfrm>
+          <a:prstGeom prst="rect">
+            <a:avLst/>
+          </a:prstGeom>
+        </p:spPr>
+      </p:pic>
+    </p:spTree>
+    <p:extLst>
+      <p:ext uri="{BB962C8B-B14F-4D97-AF65-F5344CB8AC3E}">
+        <p14:creationId xmlns:p14="http://schemas.microsoft.com/office/powerpoint/2010/main" val="2900026269"/>
+      </p:ext>
+    </p:extLst>
+  </p:cSld>
+  <p:clrMapOvr>
+    <a:masterClrMapping/>
+  </p:clrMapOvr>
+</p:sld>
+</file>
+
+<file path=ppt/slides/slide12.xml><?xml version="1.0" encoding="utf-8"?>
+<p:sld xmlns:a="http://schemas.openxmlformats.org/drawingml/2006/main" xmlns:r="http://schemas.openxmlformats.org/officeDocument/2006/relationships" xmlns:p="http://schemas.openxmlformats.org/presentationml/2006/main">
+  <p:cSld>
+    <p:spTree>
+      <p:nvGrpSpPr>
+        <p:cNvPr id="1" name=""/>
+        <p:cNvGrpSpPr/>
+        <p:nvPr/>
+      </p:nvGrpSpPr>
+      <p:grpSpPr>
+        <a:xfrm>
+          <a:off x="0" y="0"/>
+          <a:ext cx="0" cy="0"/>
+          <a:chOff x="0" y="0"/>
+          <a:chExt cx="0" cy="0"/>
+        </a:xfrm>
+      </p:grpSpPr>
+      <p:sp>
+        <p:nvSpPr>
           <p:cNvPr id="3" name="Marcador de número de diapositiva 2">
             <a:extLst>
               <a:ext uri="{FF2B5EF4-FFF2-40B4-BE49-F238E27FC236}">
@@ -34680,7 +35783,549 @@
                   <a:spcPts val="600"/>
                 </a:spcAft>
               </a:pPr>
-              <a:t>11</a:t>
+              <a:t>12</a:t>
+            </a:fld>
+            <a:endParaRPr lang="es-ES" sz="800" dirty="0"/>
+          </a:p>
+        </p:txBody>
+      </p:sp>
+      <p:sp>
+        <p:nvSpPr>
+          <p:cNvPr id="21" name="Text Placeholder 5">
+            <a:extLst>
+              <a:ext uri="{FF2B5EF4-FFF2-40B4-BE49-F238E27FC236}">
+                <a16:creationId xmlns:a16="http://schemas.microsoft.com/office/drawing/2014/main" id="{BB646BEC-4542-8383-9C2B-35A242FF734F}"/>
+              </a:ext>
+            </a:extLst>
+          </p:cNvPr>
+          <p:cNvSpPr>
+            <a:spLocks noGrp="1"/>
+          </p:cNvSpPr>
+          <p:nvPr>
+            <p:ph type="body" sz="quarter" idx="3"/>
+          </p:nvPr>
+        </p:nvSpPr>
+        <p:spPr>
+          <a:xfrm>
+            <a:off x="6610169" y="3956706"/>
+            <a:ext cx="5109021" cy="518457"/>
+          </a:xfrm>
+        </p:spPr>
+        <p:txBody>
+          <a:bodyPr vert="horz" lIns="91440" tIns="45720" rIns="91440" bIns="45720" rtlCol="0" anchor="ctr">
+            <a:normAutofit/>
+          </a:bodyPr>
+          <a:lstStyle/>
+          <a:p>
+            <a:r>
+              <a:rPr lang="es-ES" sz="2800" b="1" kern="1200" dirty="0">
+                <a:latin typeface="+mj-lt"/>
+                <a:ea typeface="+mn-ea"/>
+                <a:cs typeface="+mn-cs"/>
+              </a:rPr>
+              <a:t>Cancelaciones por mes</a:t>
+            </a:r>
+          </a:p>
+        </p:txBody>
+      </p:sp>
+      <p:sp>
+        <p:nvSpPr>
+          <p:cNvPr id="15" name="CuadroTexto 14">
+            <a:extLst>
+              <a:ext uri="{FF2B5EF4-FFF2-40B4-BE49-F238E27FC236}">
+                <a16:creationId xmlns:a16="http://schemas.microsoft.com/office/drawing/2014/main" id="{66E1D7D6-9A65-E197-23BF-1A8B4FF71038}"/>
+              </a:ext>
+            </a:extLst>
+          </p:cNvPr>
+          <p:cNvSpPr txBox="1"/>
+          <p:nvPr/>
+        </p:nvSpPr>
+        <p:spPr>
+          <a:xfrm>
+            <a:off x="6610169" y="4569583"/>
+            <a:ext cx="5109021" cy="1412117"/>
+          </a:xfrm>
+          <a:prstGeom prst="rect">
+            <a:avLst/>
+          </a:prstGeom>
+        </p:spPr>
+        <p:txBody>
+          <a:bodyPr vert="horz" lIns="91440" tIns="45720" rIns="91440" bIns="45720" rtlCol="0" anchor="ctr">
+            <a:normAutofit/>
+          </a:bodyPr>
+          <a:lstStyle/>
+          <a:p>
+            <a:pPr>
+              <a:lnSpc>
+                <a:spcPct val="90000"/>
+              </a:lnSpc>
+              <a:spcAft>
+                <a:spcPts val="600"/>
+              </a:spcAft>
+            </a:pPr>
+            <a:r>
+              <a:rPr lang="es-ES" dirty="0">
+                <a:solidFill>
+                  <a:schemeClr val="bg1"/>
+                </a:solidFill>
+              </a:rPr>
+              <a:t>Vemos una gran diferencia entre las distintas reservas realizadas de acuerdo al plan de comidas.</a:t>
+            </a:r>
+          </a:p>
+          <a:p>
+            <a:pPr>
+              <a:lnSpc>
+                <a:spcPct val="90000"/>
+              </a:lnSpc>
+              <a:spcAft>
+                <a:spcPts val="600"/>
+              </a:spcAft>
+            </a:pPr>
+            <a:r>
+              <a:rPr lang="es-ES" dirty="0">
+                <a:solidFill>
+                  <a:schemeClr val="bg1"/>
+                </a:solidFill>
+              </a:rPr>
+              <a:t>El plan 3 casi no registra reservas, mientras que las mayores cancelaciones con relación a las reservas corresponden al plan 2.</a:t>
+            </a:r>
+          </a:p>
+        </p:txBody>
+      </p:sp>
+      <p:sp>
+        <p:nvSpPr>
+          <p:cNvPr id="23" name="Text Placeholder 6">
+            <a:extLst>
+              <a:ext uri="{FF2B5EF4-FFF2-40B4-BE49-F238E27FC236}">
+                <a16:creationId xmlns:a16="http://schemas.microsoft.com/office/drawing/2014/main" id="{BE3DB34D-85D6-29A5-667C-3F1D4055FB22}"/>
+              </a:ext>
+            </a:extLst>
+          </p:cNvPr>
+          <p:cNvSpPr>
+            <a:spLocks noGrp="1"/>
+          </p:cNvSpPr>
+          <p:nvPr>
+            <p:ph type="body" idx="1"/>
+          </p:nvPr>
+        </p:nvSpPr>
+        <p:spPr>
+          <a:xfrm>
+            <a:off x="539836" y="1462743"/>
+            <a:ext cx="5227918" cy="518457"/>
+          </a:xfrm>
+        </p:spPr>
+        <p:txBody>
+          <a:bodyPr vert="horz" lIns="91440" tIns="45720" rIns="91440" bIns="45720" rtlCol="0" anchor="ctr">
+            <a:noAutofit/>
+          </a:bodyPr>
+          <a:lstStyle/>
+          <a:p>
+            <a:r>
+              <a:rPr lang="es-ES" sz="2400" b="1" kern="1200" dirty="0">
+                <a:latin typeface="+mj-lt"/>
+                <a:ea typeface="+mn-ea"/>
+                <a:cs typeface="+mn-cs"/>
+              </a:rPr>
+              <a:t>Cancelaciones según el plan de comidas</a:t>
+            </a:r>
+          </a:p>
+        </p:txBody>
+      </p:sp>
+      <p:sp>
+        <p:nvSpPr>
+          <p:cNvPr id="14" name="CuadroTexto 13">
+            <a:extLst>
+              <a:ext uri="{FF2B5EF4-FFF2-40B4-BE49-F238E27FC236}">
+                <a16:creationId xmlns:a16="http://schemas.microsoft.com/office/drawing/2014/main" id="{50B3BB27-4218-2C1E-CABA-AD86B317D24C}"/>
+              </a:ext>
+            </a:extLst>
+          </p:cNvPr>
+          <p:cNvSpPr txBox="1"/>
+          <p:nvPr/>
+        </p:nvSpPr>
+        <p:spPr>
+          <a:xfrm>
+            <a:off x="539836" y="2075621"/>
+            <a:ext cx="5108400" cy="1391480"/>
+          </a:xfrm>
+          <a:prstGeom prst="rect">
+            <a:avLst/>
+          </a:prstGeom>
+        </p:spPr>
+        <p:txBody>
+          <a:bodyPr vert="horz" lIns="91440" tIns="45720" rIns="91440" bIns="45720" rtlCol="0" anchor="ctr">
+            <a:normAutofit/>
+          </a:bodyPr>
+          <a:lstStyle/>
+          <a:p>
+            <a:pPr>
+              <a:lnSpc>
+                <a:spcPct val="90000"/>
+              </a:lnSpc>
+              <a:spcAft>
+                <a:spcPts val="600"/>
+              </a:spcAft>
+            </a:pPr>
+            <a:r>
+              <a:rPr lang="es-ES" sz="2000" dirty="0">
+                <a:solidFill>
+                  <a:schemeClr val="bg1"/>
+                </a:solidFill>
+              </a:rPr>
+              <a:t>Se visualizan mayores cancelaciones durante los meses de Agosto, Septiembre y Octubre, por lo que esto puede relacionarse con las probabilidades de cancelar.</a:t>
+            </a:r>
+          </a:p>
+        </p:txBody>
+      </p:sp>
+      <p:pic>
+        <p:nvPicPr>
+          <p:cNvPr id="8" name="Imagen 7" descr="Gráfico, Gráfico de barras&#10;&#10;Descripción generada automáticamente">
+            <a:extLst>
+              <a:ext uri="{FF2B5EF4-FFF2-40B4-BE49-F238E27FC236}">
+                <a16:creationId xmlns:a16="http://schemas.microsoft.com/office/drawing/2014/main" id="{D7777875-6391-5313-1995-D108F7E77F8B}"/>
+              </a:ext>
+            </a:extLst>
+          </p:cNvPr>
+          <p:cNvPicPr>
+            <a:picLocks noChangeAspect="1"/>
+          </p:cNvPicPr>
+          <p:nvPr/>
+        </p:nvPicPr>
+        <p:blipFill>
+          <a:blip r:embed="rId3"/>
+          <a:stretch>
+            <a:fillRect/>
+          </a:stretch>
+        </p:blipFill>
+        <p:spPr>
+          <a:xfrm>
+            <a:off x="5880101" y="1209822"/>
+            <a:ext cx="6012000" cy="2351918"/>
+          </a:xfrm>
+          <a:prstGeom prst="rect">
+            <a:avLst/>
+          </a:prstGeom>
+          <a:noFill/>
+        </p:spPr>
+      </p:pic>
+      <p:pic>
+        <p:nvPicPr>
+          <p:cNvPr id="4" name="Imagen 3" descr="Gráfico, Gráfico de barras&#10;&#10;Descripción generada automáticamente">
+            <a:extLst>
+              <a:ext uri="{FF2B5EF4-FFF2-40B4-BE49-F238E27FC236}">
+                <a16:creationId xmlns:a16="http://schemas.microsoft.com/office/drawing/2014/main" id="{5E5E26DF-F859-9909-6673-505FD0F0FDFA}"/>
+              </a:ext>
+            </a:extLst>
+          </p:cNvPr>
+          <p:cNvPicPr>
+            <a:picLocks noChangeAspect="1"/>
+          </p:cNvPicPr>
+          <p:nvPr/>
+        </p:nvPicPr>
+        <p:blipFill>
+          <a:blip r:embed="rId4"/>
+          <a:stretch>
+            <a:fillRect/>
+          </a:stretch>
+        </p:blipFill>
+        <p:spPr>
+          <a:xfrm>
+            <a:off x="539836" y="3758268"/>
+            <a:ext cx="5020225" cy="2761124"/>
+          </a:xfrm>
+          <a:prstGeom prst="rect">
+            <a:avLst/>
+          </a:prstGeom>
+          <a:noFill/>
+        </p:spPr>
+      </p:pic>
+    </p:spTree>
+    <p:extLst>
+      <p:ext uri="{BB962C8B-B14F-4D97-AF65-F5344CB8AC3E}">
+        <p14:creationId xmlns:p14="http://schemas.microsoft.com/office/powerpoint/2010/main" val="2113628185"/>
+      </p:ext>
+    </p:extLst>
+  </p:cSld>
+  <p:clrMapOvr>
+    <a:masterClrMapping/>
+  </p:clrMapOvr>
+</p:sld>
+</file>
+
+<file path=ppt/slides/slide13.xml><?xml version="1.0" encoding="utf-8"?>
+<p:sld xmlns:a="http://schemas.openxmlformats.org/drawingml/2006/main" xmlns:r="http://schemas.openxmlformats.org/officeDocument/2006/relationships" xmlns:p="http://schemas.openxmlformats.org/presentationml/2006/main">
+  <p:cSld>
+    <p:spTree>
+      <p:nvGrpSpPr>
+        <p:cNvPr id="1" name=""/>
+        <p:cNvGrpSpPr/>
+        <p:nvPr/>
+      </p:nvGrpSpPr>
+      <p:grpSpPr>
+        <a:xfrm>
+          <a:off x="0" y="0"/>
+          <a:ext cx="0" cy="0"/>
+          <a:chOff x="0" y="0"/>
+          <a:chExt cx="0" cy="0"/>
+        </a:xfrm>
+      </p:grpSpPr>
+      <p:sp>
+        <p:nvSpPr>
+          <p:cNvPr id="18" name="Title 1">
+            <a:extLst>
+              <a:ext uri="{FF2B5EF4-FFF2-40B4-BE49-F238E27FC236}">
+                <a16:creationId xmlns:a16="http://schemas.microsoft.com/office/drawing/2014/main" id="{C25D1B61-5281-6537-18CF-B5658281BA37}"/>
+              </a:ext>
+            </a:extLst>
+          </p:cNvPr>
+          <p:cNvSpPr>
+            <a:spLocks noGrp="1"/>
+          </p:cNvSpPr>
+          <p:nvPr>
+            <p:ph type="title"/>
+          </p:nvPr>
+        </p:nvSpPr>
+        <p:spPr>
+          <a:xfrm>
+            <a:off x="371475" y="260351"/>
+            <a:ext cx="11520487" cy="758824"/>
+          </a:xfrm>
+        </p:spPr>
+        <p:txBody>
+          <a:bodyPr/>
+          <a:lstStyle/>
+          <a:p>
+            <a:r>
+              <a:rPr lang="en-US" dirty="0"/>
+              <a:t>Reservas y </a:t>
+            </a:r>
+            <a:r>
+              <a:rPr lang="en-US" dirty="0" err="1"/>
+              <a:t>Cancelaciones</a:t>
+            </a:r>
+            <a:r>
+              <a:rPr lang="en-US" dirty="0"/>
+              <a:t> </a:t>
+            </a:r>
+            <a:r>
+              <a:rPr lang="es-AR" dirty="0"/>
+              <a:t>segun</a:t>
+            </a:r>
+            <a:r>
+              <a:rPr lang="en-US" dirty="0"/>
+              <a:t> </a:t>
+            </a:r>
+            <a:r>
+              <a:rPr lang="en-US" dirty="0" err="1"/>
+              <a:t>el</a:t>
+            </a:r>
+            <a:r>
+              <a:rPr lang="en-US" dirty="0"/>
+              <a:t> día de </a:t>
+            </a:r>
+            <a:r>
+              <a:rPr lang="en-US" dirty="0" err="1"/>
+              <a:t>llegada</a:t>
+            </a:r>
+            <a:endParaRPr lang="en-US" dirty="0"/>
+          </a:p>
+        </p:txBody>
+      </p:sp>
+      <p:pic>
+        <p:nvPicPr>
+          <p:cNvPr id="13" name="Imagen 12">
+            <a:extLst>
+              <a:ext uri="{FF2B5EF4-FFF2-40B4-BE49-F238E27FC236}">
+                <a16:creationId xmlns:a16="http://schemas.microsoft.com/office/drawing/2014/main" id="{08C8BE0F-9E3E-B6AC-A783-2C28C1204461}"/>
+              </a:ext>
+            </a:extLst>
+          </p:cNvPr>
+          <p:cNvPicPr>
+            <a:picLocks noChangeAspect="1"/>
+          </p:cNvPicPr>
+          <p:nvPr/>
+        </p:nvPicPr>
+        <p:blipFill>
+          <a:blip r:embed="rId2"/>
+          <a:stretch>
+            <a:fillRect/>
+          </a:stretch>
+        </p:blipFill>
+        <p:spPr>
+          <a:xfrm>
+            <a:off x="371475" y="1150639"/>
+            <a:ext cx="11520487" cy="4118573"/>
+          </a:xfrm>
+          <a:prstGeom prst="rect">
+            <a:avLst/>
+          </a:prstGeom>
+          <a:noFill/>
+        </p:spPr>
+      </p:pic>
+      <p:sp>
+        <p:nvSpPr>
+          <p:cNvPr id="3" name="Marcador de número de diapositiva 2">
+            <a:extLst>
+              <a:ext uri="{FF2B5EF4-FFF2-40B4-BE49-F238E27FC236}">
+                <a16:creationId xmlns:a16="http://schemas.microsoft.com/office/drawing/2014/main" id="{AC0F9449-E71E-7844-E380-C8113566C154}"/>
+              </a:ext>
+            </a:extLst>
+          </p:cNvPr>
+          <p:cNvSpPr>
+            <a:spLocks noGrp="1"/>
+          </p:cNvSpPr>
+          <p:nvPr>
+            <p:ph type="sldNum" sz="quarter" idx="12"/>
+          </p:nvPr>
+        </p:nvSpPr>
+        <p:spPr>
+          <a:xfrm>
+            <a:off x="11518900" y="6581978"/>
+            <a:ext cx="373062" cy="206104"/>
+          </a:xfrm>
+        </p:spPr>
+        <p:txBody>
+          <a:bodyPr anchor="ctr">
+            <a:normAutofit/>
+          </a:bodyPr>
+          <a:lstStyle/>
+          <a:p>
+            <a:pPr rtl="0">
+              <a:lnSpc>
+                <a:spcPct val="90000"/>
+              </a:lnSpc>
+              <a:spcAft>
+                <a:spcPts val="600"/>
+              </a:spcAft>
+            </a:pPr>
+            <a:fld id="{03DC2DEF-D2FE-4B45-ABA4-9F153FD1C98A}" type="slidenum">
+              <a:rPr lang="es-ES" sz="800" noProof="0" smtClean="0"/>
+              <a:pPr rtl="0">
+                <a:lnSpc>
+                  <a:spcPct val="90000"/>
+                </a:lnSpc>
+                <a:spcAft>
+                  <a:spcPts val="600"/>
+                </a:spcAft>
+              </a:pPr>
+              <a:t>13</a:t>
+            </a:fld>
+            <a:endParaRPr lang="es-ES" sz="800" noProof="0"/>
+          </a:p>
+        </p:txBody>
+      </p:sp>
+      <p:sp>
+        <p:nvSpPr>
+          <p:cNvPr id="14" name="CuadroTexto 13">
+            <a:extLst>
+              <a:ext uri="{FF2B5EF4-FFF2-40B4-BE49-F238E27FC236}">
+                <a16:creationId xmlns:a16="http://schemas.microsoft.com/office/drawing/2014/main" id="{7576B188-DCDA-F811-F879-A410FE6E9E01}"/>
+              </a:ext>
+            </a:extLst>
+          </p:cNvPr>
+          <p:cNvSpPr txBox="1"/>
+          <p:nvPr/>
+        </p:nvSpPr>
+        <p:spPr>
+          <a:xfrm>
+            <a:off x="1219200" y="5269212"/>
+            <a:ext cx="10147300" cy="646331"/>
+          </a:xfrm>
+          <a:prstGeom prst="rect">
+            <a:avLst/>
+          </a:prstGeom>
+          <a:noFill/>
+        </p:spPr>
+        <p:txBody>
+          <a:bodyPr wrap="square" rtlCol="0">
+            <a:spAutoFit/>
+          </a:bodyPr>
+          <a:lstStyle/>
+          <a:p>
+            <a:r>
+              <a:rPr lang="es-AR" dirty="0"/>
+              <a:t>Se observa que la mayor relación entre las reservas realizadas y la cancelación de las mismas se produce a mitad de mes.</a:t>
+            </a:r>
+          </a:p>
+        </p:txBody>
+      </p:sp>
+    </p:spTree>
+    <p:extLst>
+      <p:ext uri="{BB962C8B-B14F-4D97-AF65-F5344CB8AC3E}">
+        <p14:creationId xmlns:p14="http://schemas.microsoft.com/office/powerpoint/2010/main" val="1296092853"/>
+      </p:ext>
+    </p:extLst>
+  </p:cSld>
+  <p:clrMapOvr>
+    <a:masterClrMapping/>
+  </p:clrMapOvr>
+</p:sld>
+</file>
+
+<file path=ppt/slides/slide14.xml><?xml version="1.0" encoding="utf-8"?>
+<p:sld xmlns:a="http://schemas.openxmlformats.org/drawingml/2006/main" xmlns:r="http://schemas.openxmlformats.org/officeDocument/2006/relationships" xmlns:p="http://schemas.openxmlformats.org/presentationml/2006/main">
+  <p:cSld>
+    <p:spTree>
+      <p:nvGrpSpPr>
+        <p:cNvPr id="1" name=""/>
+        <p:cNvGrpSpPr/>
+        <p:nvPr/>
+      </p:nvGrpSpPr>
+      <p:grpSpPr>
+        <a:xfrm>
+          <a:off x="0" y="0"/>
+          <a:ext cx="0" cy="0"/>
+          <a:chOff x="0" y="0"/>
+          <a:chExt cx="0" cy="0"/>
+        </a:xfrm>
+      </p:grpSpPr>
+      <p:sp>
+        <p:nvSpPr>
+          <p:cNvPr id="3" name="Marcador de número de diapositiva 2">
+            <a:extLst>
+              <a:ext uri="{FF2B5EF4-FFF2-40B4-BE49-F238E27FC236}">
+                <a16:creationId xmlns:a16="http://schemas.microsoft.com/office/drawing/2014/main" id="{581E71C2-3FC1-41C1-8255-33A1AC802247}"/>
+              </a:ext>
+            </a:extLst>
+          </p:cNvPr>
+          <p:cNvSpPr>
+            <a:spLocks noGrp="1"/>
+          </p:cNvSpPr>
+          <p:nvPr>
+            <p:ph type="sldNum" sz="quarter" idx="12"/>
+          </p:nvPr>
+        </p:nvSpPr>
+        <p:spPr>
+          <a:xfrm>
+            <a:off x="11518900" y="6581978"/>
+            <a:ext cx="373062" cy="206104"/>
+          </a:xfrm>
+        </p:spPr>
+        <p:txBody>
+          <a:bodyPr vert="horz" lIns="91440" tIns="45720" rIns="91440" bIns="45720" rtlCol="0" anchor="ctr">
+            <a:normAutofit/>
+          </a:bodyPr>
+          <a:lstStyle/>
+          <a:p>
+            <a:pPr>
+              <a:lnSpc>
+                <a:spcPct val="90000"/>
+              </a:lnSpc>
+              <a:spcAft>
+                <a:spcPts val="600"/>
+              </a:spcAft>
+            </a:pPr>
+            <a:fld id="{03DC2DEF-D2FE-4B45-ABA4-9F153FD1C98A}" type="slidenum">
+              <a:rPr lang="es-ES" sz="800" smtClean="0"/>
+              <a:pPr>
+                <a:lnSpc>
+                  <a:spcPct val="90000"/>
+                </a:lnSpc>
+                <a:spcAft>
+                  <a:spcPts val="600"/>
+                </a:spcAft>
+              </a:pPr>
+              <a:t>14</a:t>
             </a:fld>
             <a:endParaRPr lang="es-ES" sz="800"/>
           </a:p>
@@ -34957,7 +36602,7 @@
               </a:pPr>
               <a:t>2</a:t>
             </a:fld>
-            <a:endParaRPr lang="es-ES" sz="800"/>
+            <a:endParaRPr lang="es-ES" sz="800" dirty="0"/>
           </a:p>
         </p:txBody>
       </p:sp>
@@ -34977,14 +36622,14 @@
             <p:ph type="chart" sz="quarter" idx="13"/>
             <p:extLst>
               <p:ext uri="{D42A27DB-BD31-4B8C-83A1-F6EECF244321}">
-                <p14:modId xmlns:p14="http://schemas.microsoft.com/office/powerpoint/2010/main" val="2246017496"/>
+                <p14:modId xmlns:p14="http://schemas.microsoft.com/office/powerpoint/2010/main" val="382861261"/>
               </p:ext>
             </p:extLst>
           </p:nvPr>
         </p:nvGraphicFramePr>
         <p:xfrm>
-          <a:off x="371475" y="1233488"/>
-          <a:ext cx="11520488" cy="4967287"/>
+          <a:off x="371475" y="1019176"/>
+          <a:ext cx="11520488" cy="5419724"/>
         </p:xfrm>
         <a:graphic>
           <a:graphicData uri="http://schemas.openxmlformats.org/drawingml/2006/diagram">
@@ -35040,8 +36685,8 @@
         </p:nvSpPr>
         <p:spPr>
           <a:xfrm>
-            <a:off x="1244600" y="260351"/>
-            <a:ext cx="9702800" cy="973137"/>
+            <a:off x="371475" y="260351"/>
+            <a:ext cx="11520487" cy="758824"/>
           </a:xfrm>
         </p:spPr>
         <p:txBody>
@@ -35052,67 +36697,8 @@
           <a:p>
             <a:pPr rtl="0"/>
             <a:r>
-              <a:rPr lang="es-ES" dirty="0"/>
-              <a:t>Contexto Comercial y Analítico</a:t>
-            </a:r>
-          </a:p>
-        </p:txBody>
-      </p:sp>
-      <p:sp>
-        <p:nvSpPr>
-          <p:cNvPr id="7" name="Marcador de contenido 6">
-            <a:extLst>
-              <a:ext uri="{FF2B5EF4-FFF2-40B4-BE49-F238E27FC236}">
-                <a16:creationId xmlns:a16="http://schemas.microsoft.com/office/drawing/2014/main" id="{A7F42263-DE86-44BB-AC19-CD7982D365B2}"/>
-              </a:ext>
-            </a:extLst>
-          </p:cNvPr>
-          <p:cNvSpPr>
-            <a:spLocks noGrp="1"/>
-          </p:cNvSpPr>
-          <p:nvPr>
-            <p:ph idx="1"/>
-          </p:nvPr>
-        </p:nvSpPr>
-        <p:spPr>
-          <a:xfrm>
-            <a:off x="546100" y="1638299"/>
-            <a:ext cx="5346700" cy="4381501"/>
-          </a:xfrm>
-        </p:spPr>
-        <p:txBody>
-          <a:bodyPr rtlCol="0">
-            <a:normAutofit/>
-          </a:bodyPr>
-          <a:lstStyle/>
-          <a:p>
-            <a:pPr marL="0" indent="0" rtl="0">
-              <a:buNone/>
-            </a:pPr>
-            <a:r>
-              <a:rPr lang="es-ES" sz="2000" dirty="0">
-                <a:latin typeface="+mj-lt"/>
-              </a:rPr>
-              <a:t>El sector turístico es uno de los más importantes y dinámicos de la economía global, y los hoteles son una parte fundamental de esta industria. Los hoteles compiten en un mercado altamente competitivo, por lo que lograr realizar predicciones sobre la cancelación de las reservas realizadas pueden ayudarlos a mantenerse competitivos.</a:t>
-            </a:r>
-          </a:p>
-          <a:p>
-            <a:pPr marL="0" indent="0" rtl="0">
-              <a:buNone/>
-            </a:pPr>
-            <a:endParaRPr lang="es-ES" sz="2000" dirty="0">
-              <a:latin typeface="+mj-lt"/>
-            </a:endParaRPr>
-          </a:p>
-          <a:p>
-            <a:pPr marL="0" indent="0" rtl="0">
-              <a:buNone/>
-            </a:pPr>
-            <a:r>
-              <a:rPr lang="es-ES" sz="2000" dirty="0">
-                <a:latin typeface="+mj-lt"/>
-              </a:rPr>
-              <a:t>Los diferentes métodos de reserva que existen (y principalmente la reserva online) afectaron fuertemente el comportamiento de los clientes y sus posibilidades de reservas, muchas de las cuales luego son canceladas o no asistidas. </a:t>
+              <a:rPr lang="es-ES" sz="4000" dirty="0"/>
+              <a:t>Abstract</a:t>
             </a:r>
           </a:p>
         </p:txBody>
@@ -35165,129 +36751,87 @@
               </a:pPr>
               <a:t>3</a:t>
             </a:fld>
-            <a:endParaRPr lang="es-ES" sz="800"/>
-          </a:p>
-        </p:txBody>
-      </p:sp>
-      <p:pic>
-        <p:nvPicPr>
-          <p:cNvPr id="14" name="Imagen 13">
-            <a:extLst>
-              <a:ext uri="{FF2B5EF4-FFF2-40B4-BE49-F238E27FC236}">
-                <a16:creationId xmlns:a16="http://schemas.microsoft.com/office/drawing/2014/main" id="{C61F8187-0A71-55EA-B295-0A0CFE55A7CF}"/>
-              </a:ext>
-            </a:extLst>
-          </p:cNvPr>
-          <p:cNvPicPr>
-            <a:picLocks noChangeAspect="1"/>
-          </p:cNvPicPr>
-          <p:nvPr/>
-        </p:nvPicPr>
-        <p:blipFill rotWithShape="1">
-          <a:blip r:embed="rId3"/>
-          <a:srcRect l="3380"/>
-          <a:stretch/>
-        </p:blipFill>
-        <p:spPr>
-          <a:xfrm>
-            <a:off x="6096000" y="2061167"/>
-            <a:ext cx="6012857" cy="3967268"/>
-          </a:xfrm>
-          <a:prstGeom prst="rect">
-            <a:avLst/>
-          </a:prstGeom>
-          <a:noFill/>
-        </p:spPr>
-      </p:pic>
-      <p:sp>
-        <p:nvSpPr>
-          <p:cNvPr id="15" name="CuadroTexto 14">
-            <a:extLst>
-              <a:ext uri="{FF2B5EF4-FFF2-40B4-BE49-F238E27FC236}">
-                <a16:creationId xmlns:a16="http://schemas.microsoft.com/office/drawing/2014/main" id="{3A0EB2CE-679C-E200-081C-E6383D74B0A1}"/>
-              </a:ext>
-            </a:extLst>
-          </p:cNvPr>
-          <p:cNvSpPr txBox="1"/>
-          <p:nvPr/>
-        </p:nvSpPr>
-        <p:spPr>
-          <a:xfrm>
-            <a:off x="6096000" y="1413042"/>
-            <a:ext cx="5664591" cy="646331"/>
-          </a:xfrm>
-          <a:prstGeom prst="rect">
-            <a:avLst/>
-          </a:prstGeom>
-          <a:noFill/>
-        </p:spPr>
-        <p:txBody>
-          <a:bodyPr wrap="square" rtlCol="0">
-            <a:spAutoFit/>
-          </a:bodyPr>
+            <a:endParaRPr lang="es-ES" sz="800" dirty="0"/>
+          </a:p>
+        </p:txBody>
+      </p:sp>
+      <p:sp>
+        <p:nvSpPr>
+          <p:cNvPr id="4" name="Marcador de contenido 3">
+            <a:extLst>
+              <a:ext uri="{FF2B5EF4-FFF2-40B4-BE49-F238E27FC236}">
+                <a16:creationId xmlns:a16="http://schemas.microsoft.com/office/drawing/2014/main" id="{D1F27D2C-57F4-4D8F-2D6F-73B155EAB9DF}"/>
+              </a:ext>
+            </a:extLst>
+          </p:cNvPr>
+          <p:cNvSpPr>
+            <a:spLocks noGrp="1"/>
+          </p:cNvSpPr>
+          <p:nvPr>
+            <p:ph idx="1"/>
+          </p:nvPr>
+        </p:nvSpPr>
+        <p:spPr/>
+        <p:txBody>
+          <a:bodyPr/>
           <a:lstStyle/>
           <a:p>
-            <a:pPr algn="ctr"/>
-            <a:r>
-              <a:rPr lang="es-AR" b="1" dirty="0">
-                <a:latin typeface="+mj-lt"/>
-                <a:ea typeface="+mj-ea"/>
-                <a:cs typeface="+mj-cs"/>
-              </a:rPr>
-              <a:t>Industria hotelera a nivel mundial – 2013 a 2022 – Previsiones para 2023 (en trillones de dólares)</a:t>
-            </a:r>
-          </a:p>
-        </p:txBody>
-      </p:sp>
-      <p:pic>
-        <p:nvPicPr>
-          <p:cNvPr id="1026" name="Picture 2">
-            <a:extLst>
-              <a:ext uri="{FF2B5EF4-FFF2-40B4-BE49-F238E27FC236}">
-                <a16:creationId xmlns:a16="http://schemas.microsoft.com/office/drawing/2014/main" id="{D8A899BD-43F2-F65E-85DA-65A63611C739}"/>
-              </a:ext>
-            </a:extLst>
-          </p:cNvPr>
-          <p:cNvPicPr>
-            <a:picLocks noChangeAspect="1" noChangeArrowheads="1"/>
-          </p:cNvPicPr>
-          <p:nvPr/>
-        </p:nvPicPr>
-        <p:blipFill rotWithShape="1">
-          <a:blip r:embed="rId4">
-            <a:extLst>
-              <a:ext uri="{28A0092B-C50C-407E-A947-70E740481C1C}">
-                <a14:useLocalDpi xmlns:a14="http://schemas.microsoft.com/office/drawing/2010/main" val="0"/>
-              </a:ext>
-            </a:extLst>
-          </a:blip>
-          <a:srcRect t="34786" b="28445"/>
-          <a:stretch/>
-        </p:blipFill>
-        <p:spPr bwMode="auto">
-          <a:xfrm>
-            <a:off x="10571224" y="6028435"/>
-            <a:ext cx="1309406" cy="290737"/>
-          </a:xfrm>
-          <a:prstGeom prst="rect">
-            <a:avLst/>
-          </a:prstGeom>
-          <a:noFill/>
-          <a:extLst>
-            <a:ext uri="{909E8E84-426E-40DD-AFC4-6F175D3DCCD1}">
-              <a14:hiddenFill xmlns:a14="http://schemas.microsoft.com/office/drawing/2010/main">
-                <a:solidFill>
-                  <a:srgbClr val="FFFFFF"/>
-                </a:solidFill>
-              </a14:hiddenFill>
-            </a:ext>
-          </a:extLst>
-        </p:spPr>
-      </p:pic>
+            <a:pPr marL="0" indent="0">
+              <a:buNone/>
+            </a:pPr>
+            <a:r>
+              <a:rPr lang="es-ES" dirty="0"/>
+              <a:t>El conjunto de datos que se analiza en este estudio se centra en la reserva de hoteles y la probabilidad de que estas reservas sean canceladas. </a:t>
+            </a:r>
+          </a:p>
+          <a:p>
+            <a:pPr marL="0" indent="0">
+              <a:buNone/>
+            </a:pPr>
+            <a:endParaRPr lang="es-ES" dirty="0"/>
+          </a:p>
+          <a:p>
+            <a:pPr marL="0" indent="0">
+              <a:buNone/>
+            </a:pPr>
+            <a:r>
+              <a:rPr lang="es-ES" dirty="0"/>
+              <a:t>El dataset contiene información detallada sobre las reservas realizadas en distintos hoteles, incluyendo información sobre el tipo de habitación reservada, la duración de la estancia, la anticipación de la reserva, la fecha de llegada, la cantidad de personas y días que reservan, entre otros datos.</a:t>
+            </a:r>
+          </a:p>
+          <a:p>
+            <a:pPr marL="0" indent="0">
+              <a:buNone/>
+            </a:pPr>
+            <a:endParaRPr lang="es-ES" dirty="0"/>
+          </a:p>
+          <a:p>
+            <a:pPr marL="0" indent="0">
+              <a:buNone/>
+            </a:pPr>
+            <a:r>
+              <a:rPr lang="es-ES" dirty="0"/>
+              <a:t>El análisis de este dataset le permitirá a la industria hotelera comprender los factores de las cancelaciones, y así ayudarla a tomar decisiones estratégicas que mejoren la eficiencia y maximicen sus ingresos.</a:t>
+            </a:r>
+          </a:p>
+          <a:p>
+            <a:pPr marL="0" indent="0">
+              <a:buNone/>
+            </a:pPr>
+            <a:endParaRPr lang="es-ES" dirty="0"/>
+          </a:p>
+          <a:p>
+            <a:pPr marL="0" indent="0">
+              <a:buNone/>
+            </a:pPr>
+            <a:endParaRPr lang="es-AR" dirty="0"/>
+          </a:p>
+        </p:txBody>
+      </p:sp>
     </p:spTree>
     <p:extLst>
       <p:ext uri="{BB962C8B-B14F-4D97-AF65-F5344CB8AC3E}">
-        <p14:creationId xmlns:p14="http://schemas.microsoft.com/office/powerpoint/2010/main" val="3242389936"/>
+        <p14:creationId xmlns:p14="http://schemas.microsoft.com/office/powerpoint/2010/main" val="430558336"/>
       </p:ext>
     </p:extLst>
   </p:cSld>
@@ -35344,8 +36888,8 @@
           <a:p>
             <a:pPr rtl="0"/>
             <a:r>
-              <a:rPr lang="es-ES" dirty="0"/>
-              <a:t>Problemática</a:t>
+              <a:rPr lang="es-ES" sz="4000" dirty="0"/>
+              <a:t>Dataset</a:t>
             </a:r>
           </a:p>
         </p:txBody>
@@ -35398,7 +36942,909 @@
               </a:pPr>
               <a:t>4</a:t>
             </a:fld>
-            <a:endParaRPr lang="es-ES" sz="800"/>
+            <a:endParaRPr lang="es-ES" sz="800" dirty="0"/>
+          </a:p>
+        </p:txBody>
+      </p:sp>
+      <p:sp>
+        <p:nvSpPr>
+          <p:cNvPr id="4" name="Marcador de contenido 3">
+            <a:extLst>
+              <a:ext uri="{FF2B5EF4-FFF2-40B4-BE49-F238E27FC236}">
+                <a16:creationId xmlns:a16="http://schemas.microsoft.com/office/drawing/2014/main" id="{D1F27D2C-57F4-4D8F-2D6F-73B155EAB9DF}"/>
+              </a:ext>
+            </a:extLst>
+          </p:cNvPr>
+          <p:cNvSpPr>
+            <a:spLocks noGrp="1"/>
+          </p:cNvSpPr>
+          <p:nvPr>
+            <p:ph idx="1"/>
+          </p:nvPr>
+        </p:nvSpPr>
+        <p:spPr/>
+        <p:txBody>
+          <a:bodyPr/>
+          <a:lstStyle/>
+          <a:p>
+            <a:pPr>
+              <a:buFont typeface="Wingdings" panose="05000000000000000000" pitchFamily="2" charset="2"/>
+              <a:buChar char="Ø"/>
+            </a:pPr>
+            <a:r>
+              <a:rPr lang="es-ES" dirty="0"/>
+              <a:t>El set de datos contiene información sobre las reservas hoteleras junto con detalles de los clientes que las realizan.</a:t>
+            </a:r>
+          </a:p>
+          <a:p>
+            <a:pPr>
+              <a:buFont typeface="Wingdings" panose="05000000000000000000" pitchFamily="2" charset="2"/>
+              <a:buChar char="Ø"/>
+            </a:pPr>
+            <a:endParaRPr lang="es-ES" dirty="0"/>
+          </a:p>
+          <a:p>
+            <a:pPr>
+              <a:buFont typeface="Wingdings" panose="05000000000000000000" pitchFamily="2" charset="2"/>
+              <a:buChar char="Ø"/>
+            </a:pPr>
+            <a:r>
+              <a:rPr lang="es-ES" dirty="0"/>
+              <a:t>Este dataset contiene información de 36275 reservas, realizadas entre el 01/07/2017 y el 31/12/2018</a:t>
+            </a:r>
+          </a:p>
+          <a:p>
+            <a:pPr>
+              <a:buFont typeface="Wingdings" panose="05000000000000000000" pitchFamily="2" charset="2"/>
+              <a:buChar char="Ø"/>
+            </a:pPr>
+            <a:endParaRPr lang="es-ES" dirty="0"/>
+          </a:p>
+          <a:p>
+            <a:pPr>
+              <a:buFont typeface="Wingdings" panose="05000000000000000000" pitchFamily="2" charset="2"/>
+              <a:buChar char="Ø"/>
+            </a:pPr>
+            <a:r>
+              <a:rPr lang="es-ES" dirty="0"/>
+              <a:t>Las 19 variables (que luego serán más mediante el data wrangling) contienen información sobre las características de las reservas hoteleras, información de los clientes que las realizan, y de la estadía.</a:t>
+            </a:r>
+          </a:p>
+          <a:p>
+            <a:pPr marL="0" indent="0">
+              <a:buNone/>
+            </a:pPr>
+            <a:endParaRPr lang="es-ES" dirty="0"/>
+          </a:p>
+          <a:p>
+            <a:pPr marL="0" indent="0">
+              <a:buNone/>
+            </a:pPr>
+            <a:endParaRPr lang="es-AR" dirty="0"/>
+          </a:p>
+        </p:txBody>
+      </p:sp>
+    </p:spTree>
+    <p:extLst>
+      <p:ext uri="{BB962C8B-B14F-4D97-AF65-F5344CB8AC3E}">
+        <p14:creationId xmlns:p14="http://schemas.microsoft.com/office/powerpoint/2010/main" val="3239064124"/>
+      </p:ext>
+    </p:extLst>
+  </p:cSld>
+  <p:clrMapOvr>
+    <a:masterClrMapping/>
+  </p:clrMapOvr>
+</p:sld>
+</file>
+
+<file path=ppt/slides/slide5.xml><?xml version="1.0" encoding="utf-8"?>
+<p:sld xmlns:a="http://schemas.openxmlformats.org/drawingml/2006/main" xmlns:r="http://schemas.openxmlformats.org/officeDocument/2006/relationships" xmlns:p="http://schemas.openxmlformats.org/presentationml/2006/main">
+  <p:cSld>
+    <p:spTree>
+      <p:nvGrpSpPr>
+        <p:cNvPr id="1" name=""/>
+        <p:cNvGrpSpPr/>
+        <p:nvPr/>
+      </p:nvGrpSpPr>
+      <p:grpSpPr>
+        <a:xfrm>
+          <a:off x="0" y="0"/>
+          <a:ext cx="0" cy="0"/>
+          <a:chOff x="0" y="0"/>
+          <a:chExt cx="0" cy="0"/>
+        </a:xfrm>
+      </p:grpSpPr>
+      <p:sp>
+        <p:nvSpPr>
+          <p:cNvPr id="5" name="Título 4">
+            <a:extLst>
+              <a:ext uri="{FF2B5EF4-FFF2-40B4-BE49-F238E27FC236}">
+                <a16:creationId xmlns:a16="http://schemas.microsoft.com/office/drawing/2014/main" id="{9151932C-7145-4FBD-B81D-9ADC42401B87}"/>
+              </a:ext>
+            </a:extLst>
+          </p:cNvPr>
+          <p:cNvSpPr>
+            <a:spLocks noGrp="1"/>
+          </p:cNvSpPr>
+          <p:nvPr>
+            <p:ph type="title"/>
+          </p:nvPr>
+        </p:nvSpPr>
+        <p:spPr>
+          <a:xfrm>
+            <a:off x="371475" y="260351"/>
+            <a:ext cx="11520487" cy="758824"/>
+          </a:xfrm>
+        </p:spPr>
+        <p:txBody>
+          <a:bodyPr rtlCol="0" anchor="ctr">
+            <a:normAutofit/>
+          </a:bodyPr>
+          <a:lstStyle/>
+          <a:p>
+            <a:pPr rtl="0"/>
+            <a:r>
+              <a:rPr lang="es-ES" sz="4000" dirty="0"/>
+              <a:t>Diccionario</a:t>
+            </a:r>
+          </a:p>
+        </p:txBody>
+      </p:sp>
+      <p:sp>
+        <p:nvSpPr>
+          <p:cNvPr id="3" name="Marcador de número de diapositiva 2">
+            <a:extLst>
+              <a:ext uri="{FF2B5EF4-FFF2-40B4-BE49-F238E27FC236}">
+                <a16:creationId xmlns:a16="http://schemas.microsoft.com/office/drawing/2014/main" id="{774AF259-0EA0-486A-A345-68549DF558C8}"/>
+              </a:ext>
+            </a:extLst>
+          </p:cNvPr>
+          <p:cNvSpPr>
+            <a:spLocks noGrp="1"/>
+          </p:cNvSpPr>
+          <p:nvPr>
+            <p:ph type="sldNum" sz="quarter" idx="12"/>
+          </p:nvPr>
+        </p:nvSpPr>
+        <p:spPr>
+          <a:xfrm>
+            <a:off x="11518900" y="6581978"/>
+            <a:ext cx="373062" cy="206104"/>
+          </a:xfrm>
+        </p:spPr>
+        <p:txBody>
+          <a:bodyPr rtlCol="0" anchor="ctr">
+            <a:normAutofit/>
+          </a:bodyPr>
+          <a:lstStyle/>
+          <a:p>
+            <a:pPr rtl="0">
+              <a:lnSpc>
+                <a:spcPct val="90000"/>
+              </a:lnSpc>
+              <a:spcAft>
+                <a:spcPts val="600"/>
+              </a:spcAft>
+            </a:pPr>
+            <a:fld id="{03DC2DEF-D2FE-4B45-ABA4-9F153FD1C98A}" type="slidenum">
+              <a:rPr lang="es-ES" sz="800" smtClean="0"/>
+              <a:pPr rtl="0">
+                <a:lnSpc>
+                  <a:spcPct val="90000"/>
+                </a:lnSpc>
+                <a:spcAft>
+                  <a:spcPts val="600"/>
+                </a:spcAft>
+              </a:pPr>
+              <a:t>5</a:t>
+            </a:fld>
+            <a:endParaRPr lang="es-ES" sz="800" dirty="0"/>
+          </a:p>
+        </p:txBody>
+      </p:sp>
+      <p:sp>
+        <p:nvSpPr>
+          <p:cNvPr id="4" name="Marcador de contenido 3">
+            <a:extLst>
+              <a:ext uri="{FF2B5EF4-FFF2-40B4-BE49-F238E27FC236}">
+                <a16:creationId xmlns:a16="http://schemas.microsoft.com/office/drawing/2014/main" id="{D1F27D2C-57F4-4D8F-2D6F-73B155EAB9DF}"/>
+              </a:ext>
+            </a:extLst>
+          </p:cNvPr>
+          <p:cNvSpPr>
+            <a:spLocks noGrp="1"/>
+          </p:cNvSpPr>
+          <p:nvPr>
+            <p:ph idx="1"/>
+          </p:nvPr>
+        </p:nvSpPr>
+        <p:spPr>
+          <a:xfrm>
+            <a:off x="335756" y="1175645"/>
+            <a:ext cx="11520487" cy="5249863"/>
+          </a:xfrm>
+        </p:spPr>
+        <p:txBody>
+          <a:bodyPr numCol="2">
+            <a:normAutofit fontScale="77500" lnSpcReduction="20000"/>
+          </a:bodyPr>
+          <a:lstStyle/>
+          <a:p>
+            <a:pPr>
+              <a:buFont typeface="Wingdings" panose="05000000000000000000" pitchFamily="2" charset="2"/>
+              <a:buChar char="Ø"/>
+            </a:pPr>
+            <a:r>
+              <a:rPr lang="es-ES" b="1" dirty="0"/>
+              <a:t>Booking_ID: </a:t>
+            </a:r>
+            <a:r>
+              <a:rPr lang="es-ES" dirty="0"/>
+              <a:t>ID de reserva.</a:t>
+            </a:r>
+          </a:p>
+          <a:p>
+            <a:pPr>
+              <a:buFont typeface="Wingdings" panose="05000000000000000000" pitchFamily="2" charset="2"/>
+              <a:buChar char="Ø"/>
+            </a:pPr>
+            <a:r>
+              <a:rPr lang="es-ES" b="1" dirty="0"/>
+              <a:t>no_of_adults: </a:t>
+            </a:r>
+            <a:r>
+              <a:rPr lang="es-ES" dirty="0"/>
+              <a:t>número de adultos.</a:t>
+            </a:r>
+          </a:p>
+          <a:p>
+            <a:pPr>
+              <a:buFont typeface="Wingdings" panose="05000000000000000000" pitchFamily="2" charset="2"/>
+              <a:buChar char="Ø"/>
+            </a:pPr>
+            <a:r>
+              <a:rPr lang="es-ES" b="1" dirty="0"/>
+              <a:t>no_of_children: </a:t>
+            </a:r>
+            <a:r>
+              <a:rPr lang="es-ES" dirty="0"/>
+              <a:t>número de niños.</a:t>
+            </a:r>
+          </a:p>
+          <a:p>
+            <a:pPr>
+              <a:buFont typeface="Wingdings" panose="05000000000000000000" pitchFamily="2" charset="2"/>
+              <a:buChar char="Ø"/>
+            </a:pPr>
+            <a:r>
+              <a:rPr lang="es-ES" b="1" dirty="0"/>
+              <a:t>no_of_weekend_nights: </a:t>
+            </a:r>
+            <a:r>
+              <a:rPr lang="es-ES" dirty="0"/>
+              <a:t>número de noches de fin de semana reservado.</a:t>
+            </a:r>
+          </a:p>
+          <a:p>
+            <a:pPr>
+              <a:buFont typeface="Wingdings" panose="05000000000000000000" pitchFamily="2" charset="2"/>
+              <a:buChar char="Ø"/>
+            </a:pPr>
+            <a:r>
+              <a:rPr lang="es-ES" b="1" dirty="0"/>
+              <a:t>no_of_week_nights: </a:t>
+            </a:r>
+            <a:r>
+              <a:rPr lang="es-ES" dirty="0"/>
+              <a:t>número de noches de dias de semana reservado.</a:t>
+            </a:r>
+          </a:p>
+          <a:p>
+            <a:pPr>
+              <a:buFont typeface="Wingdings" panose="05000000000000000000" pitchFamily="2" charset="2"/>
+              <a:buChar char="Ø"/>
+            </a:pPr>
+            <a:r>
+              <a:rPr lang="es-ES" b="1" dirty="0"/>
+              <a:t>type_of_meal_plan: </a:t>
+            </a:r>
+            <a:r>
+              <a:rPr lang="es-ES" dirty="0"/>
+              <a:t>plan de alimentación elegido.</a:t>
+            </a:r>
+          </a:p>
+          <a:p>
+            <a:pPr>
+              <a:buFont typeface="Wingdings" panose="05000000000000000000" pitchFamily="2" charset="2"/>
+              <a:buChar char="Ø"/>
+            </a:pPr>
+            <a:r>
+              <a:rPr lang="es-ES" b="1" dirty="0"/>
+              <a:t>required_car_parking_space: </a:t>
+            </a:r>
+            <a:r>
+              <a:rPr lang="es-ES" dirty="0"/>
+              <a:t>si requiere estacionamiento o no.</a:t>
+            </a:r>
+          </a:p>
+          <a:p>
+            <a:pPr>
+              <a:buFont typeface="Wingdings" panose="05000000000000000000" pitchFamily="2" charset="2"/>
+              <a:buChar char="Ø"/>
+            </a:pPr>
+            <a:r>
+              <a:rPr lang="es-ES" b="1" dirty="0"/>
+              <a:t>room_type_reserved: </a:t>
+            </a:r>
+            <a:r>
+              <a:rPr lang="es-ES" dirty="0"/>
+              <a:t>tipo de habitación reservada.</a:t>
+            </a:r>
+          </a:p>
+          <a:p>
+            <a:pPr>
+              <a:buFont typeface="Wingdings" panose="05000000000000000000" pitchFamily="2" charset="2"/>
+              <a:buChar char="Ø"/>
+            </a:pPr>
+            <a:r>
+              <a:rPr lang="es-ES" b="1" dirty="0"/>
+              <a:t>lead_time: </a:t>
+            </a:r>
+            <a:r>
+              <a:rPr lang="es-ES" dirty="0"/>
+              <a:t>cantidad de dias en que hace la reservación.</a:t>
+            </a:r>
+          </a:p>
+          <a:p>
+            <a:pPr>
+              <a:buFont typeface="Wingdings" panose="05000000000000000000" pitchFamily="2" charset="2"/>
+              <a:buChar char="Ø"/>
+            </a:pPr>
+            <a:r>
+              <a:rPr lang="es-ES" b="1" dirty="0"/>
+              <a:t>arrival_year: </a:t>
+            </a:r>
+            <a:r>
+              <a:rPr lang="es-ES" dirty="0"/>
+              <a:t>año de llegada al hotel.</a:t>
+            </a:r>
+          </a:p>
+          <a:p>
+            <a:pPr>
+              <a:buFont typeface="Wingdings" panose="05000000000000000000" pitchFamily="2" charset="2"/>
+              <a:buChar char="Ø"/>
+            </a:pPr>
+            <a:r>
+              <a:rPr lang="es-ES" b="1" dirty="0"/>
+              <a:t>arrival_month: </a:t>
+            </a:r>
+            <a:r>
+              <a:rPr lang="es-ES" dirty="0"/>
+              <a:t>mes de llegada al hotel.</a:t>
+            </a:r>
+          </a:p>
+          <a:p>
+            <a:pPr>
+              <a:buFont typeface="Wingdings" panose="05000000000000000000" pitchFamily="2" charset="2"/>
+              <a:buChar char="Ø"/>
+            </a:pPr>
+            <a:r>
+              <a:rPr lang="es-ES" b="1" dirty="0"/>
+              <a:t>arrival_date: </a:t>
+            </a:r>
+            <a:r>
+              <a:rPr lang="es-ES" dirty="0"/>
+              <a:t>dia de llegada al hotel.</a:t>
+            </a:r>
+          </a:p>
+          <a:p>
+            <a:pPr>
+              <a:buFont typeface="Wingdings" panose="05000000000000000000" pitchFamily="2" charset="2"/>
+              <a:buChar char="Ø"/>
+            </a:pPr>
+            <a:r>
+              <a:rPr lang="es-ES" b="1" dirty="0"/>
+              <a:t>market_segment_type: </a:t>
+            </a:r>
+            <a:r>
+              <a:rPr lang="es-ES" dirty="0"/>
+              <a:t>lugar desde el que se realizó la reserva.</a:t>
+            </a:r>
+          </a:p>
+          <a:p>
+            <a:pPr>
+              <a:buFont typeface="Wingdings" panose="05000000000000000000" pitchFamily="2" charset="2"/>
+              <a:buChar char="Ø"/>
+            </a:pPr>
+            <a:r>
+              <a:rPr lang="es-ES" b="1" dirty="0"/>
+              <a:t>repeated_guest: </a:t>
+            </a:r>
+            <a:r>
+              <a:rPr lang="es-ES" dirty="0"/>
+              <a:t>si la persona que reserva ya había reservado con anterioridad.</a:t>
+            </a:r>
+          </a:p>
+          <a:p>
+            <a:pPr>
+              <a:buFont typeface="Wingdings" panose="05000000000000000000" pitchFamily="2" charset="2"/>
+              <a:buChar char="Ø"/>
+            </a:pPr>
+            <a:r>
+              <a:rPr lang="es-ES" b="1" dirty="0"/>
+              <a:t>no_of_previous_cancellations: </a:t>
+            </a:r>
+            <a:r>
+              <a:rPr lang="es-ES" dirty="0"/>
+              <a:t>cantidad de cancelaciones previas.</a:t>
+            </a:r>
+          </a:p>
+          <a:p>
+            <a:pPr>
+              <a:buFont typeface="Wingdings" panose="05000000000000000000" pitchFamily="2" charset="2"/>
+              <a:buChar char="Ø"/>
+            </a:pPr>
+            <a:r>
+              <a:rPr lang="es-ES" b="1" dirty="0"/>
+              <a:t>no_of_previous_bookings_not_canceled: </a:t>
+            </a:r>
+            <a:r>
+              <a:rPr lang="es-ES" dirty="0"/>
+              <a:t>cantidad de reservas previas no canceladas.</a:t>
+            </a:r>
+          </a:p>
+          <a:p>
+            <a:pPr>
+              <a:buFont typeface="Wingdings" panose="05000000000000000000" pitchFamily="2" charset="2"/>
+              <a:buChar char="Ø"/>
+            </a:pPr>
+            <a:r>
+              <a:rPr lang="es-ES" b="1" dirty="0"/>
+              <a:t>avg_price_per_room: </a:t>
+            </a:r>
+            <a:r>
+              <a:rPr lang="es-ES" dirty="0"/>
+              <a:t>precio promedio por habitación.</a:t>
+            </a:r>
+          </a:p>
+          <a:p>
+            <a:pPr>
+              <a:buFont typeface="Wingdings" panose="05000000000000000000" pitchFamily="2" charset="2"/>
+              <a:buChar char="Ø"/>
+            </a:pPr>
+            <a:r>
+              <a:rPr lang="es-ES" b="1" dirty="0"/>
+              <a:t>no_of_special_requests: </a:t>
+            </a:r>
+            <a:r>
+              <a:rPr lang="es-ES" dirty="0"/>
+              <a:t>cantidad de pedidos especiales.</a:t>
+            </a:r>
+          </a:p>
+          <a:p>
+            <a:pPr>
+              <a:buFont typeface="Wingdings" panose="05000000000000000000" pitchFamily="2" charset="2"/>
+              <a:buChar char="Ø"/>
+            </a:pPr>
+            <a:r>
+              <a:rPr lang="es-ES" b="1" dirty="0"/>
+              <a:t>booking_status: </a:t>
+            </a:r>
+            <a:r>
+              <a:rPr lang="es-ES" dirty="0"/>
+              <a:t>estado final de la reserva.</a:t>
+            </a:r>
+            <a:endParaRPr lang="es-AR" dirty="0"/>
+          </a:p>
+        </p:txBody>
+      </p:sp>
+    </p:spTree>
+    <p:extLst>
+      <p:ext uri="{BB962C8B-B14F-4D97-AF65-F5344CB8AC3E}">
+        <p14:creationId xmlns:p14="http://schemas.microsoft.com/office/powerpoint/2010/main" val="2801440666"/>
+      </p:ext>
+    </p:extLst>
+  </p:cSld>
+  <p:clrMapOvr>
+    <a:masterClrMapping/>
+  </p:clrMapOvr>
+</p:sld>
+</file>
+
+<file path=ppt/slides/slide6.xml><?xml version="1.0" encoding="utf-8"?>
+<p:sld xmlns:a="http://schemas.openxmlformats.org/drawingml/2006/main" xmlns:r="http://schemas.openxmlformats.org/officeDocument/2006/relationships" xmlns:p="http://schemas.openxmlformats.org/presentationml/2006/main">
+  <p:cSld>
+    <p:spTree>
+      <p:nvGrpSpPr>
+        <p:cNvPr id="1" name=""/>
+        <p:cNvGrpSpPr/>
+        <p:nvPr/>
+      </p:nvGrpSpPr>
+      <p:grpSpPr>
+        <a:xfrm>
+          <a:off x="0" y="0"/>
+          <a:ext cx="0" cy="0"/>
+          <a:chOff x="0" y="0"/>
+          <a:chExt cx="0" cy="0"/>
+        </a:xfrm>
+      </p:grpSpPr>
+      <p:sp>
+        <p:nvSpPr>
+          <p:cNvPr id="5" name="Título 4">
+            <a:extLst>
+              <a:ext uri="{FF2B5EF4-FFF2-40B4-BE49-F238E27FC236}">
+                <a16:creationId xmlns:a16="http://schemas.microsoft.com/office/drawing/2014/main" id="{9151932C-7145-4FBD-B81D-9ADC42401B87}"/>
+              </a:ext>
+            </a:extLst>
+          </p:cNvPr>
+          <p:cNvSpPr>
+            <a:spLocks noGrp="1"/>
+          </p:cNvSpPr>
+          <p:nvPr>
+            <p:ph type="title"/>
+          </p:nvPr>
+        </p:nvSpPr>
+        <p:spPr>
+          <a:xfrm>
+            <a:off x="1244600" y="260351"/>
+            <a:ext cx="9702800" cy="973137"/>
+          </a:xfrm>
+        </p:spPr>
+        <p:txBody>
+          <a:bodyPr rtlCol="0" anchor="ctr">
+            <a:normAutofit/>
+          </a:bodyPr>
+          <a:lstStyle/>
+          <a:p>
+            <a:pPr rtl="0"/>
+            <a:r>
+              <a:rPr lang="es-ES" dirty="0"/>
+              <a:t>Contexto Comercial y Analítico</a:t>
+            </a:r>
+          </a:p>
+        </p:txBody>
+      </p:sp>
+      <p:sp>
+        <p:nvSpPr>
+          <p:cNvPr id="7" name="Marcador de contenido 6">
+            <a:extLst>
+              <a:ext uri="{FF2B5EF4-FFF2-40B4-BE49-F238E27FC236}">
+                <a16:creationId xmlns:a16="http://schemas.microsoft.com/office/drawing/2014/main" id="{A7F42263-DE86-44BB-AC19-CD7982D365B2}"/>
+              </a:ext>
+            </a:extLst>
+          </p:cNvPr>
+          <p:cNvSpPr>
+            <a:spLocks noGrp="1"/>
+          </p:cNvSpPr>
+          <p:nvPr>
+            <p:ph idx="1"/>
+          </p:nvPr>
+        </p:nvSpPr>
+        <p:spPr>
+          <a:xfrm>
+            <a:off x="546100" y="1638299"/>
+            <a:ext cx="5346700" cy="4381501"/>
+          </a:xfrm>
+        </p:spPr>
+        <p:txBody>
+          <a:bodyPr rtlCol="0">
+            <a:normAutofit/>
+          </a:bodyPr>
+          <a:lstStyle/>
+          <a:p>
+            <a:pPr marL="0" indent="0" rtl="0">
+              <a:buNone/>
+            </a:pPr>
+            <a:r>
+              <a:rPr lang="es-ES" sz="2000" dirty="0">
+                <a:latin typeface="+mj-lt"/>
+              </a:rPr>
+              <a:t>El sector turístico es uno de los más importantes y dinámicos de la economía global, y los hoteles son una parte fundamental de esta industria. Los hoteles compiten en un mercado altamente competitivo, por lo que lograr realizar predicciones sobre la cancelación de las reservas realizadas pueden ayudarlos a mantenerse competitivos.</a:t>
+            </a:r>
+          </a:p>
+          <a:p>
+            <a:pPr marL="0" indent="0" rtl="0">
+              <a:buNone/>
+            </a:pPr>
+            <a:endParaRPr lang="es-ES" sz="2000" dirty="0">
+              <a:latin typeface="+mj-lt"/>
+            </a:endParaRPr>
+          </a:p>
+          <a:p>
+            <a:pPr marL="0" indent="0" rtl="0">
+              <a:buNone/>
+            </a:pPr>
+            <a:r>
+              <a:rPr lang="es-ES" sz="2000" dirty="0">
+                <a:latin typeface="+mj-lt"/>
+              </a:rPr>
+              <a:t>Los diferentes métodos de reserva que existen (y principalmente la reserva online) afectaron fuertemente el comportamiento de los clientes y sus posibilidades de reservas, muchas de las cuales luego son canceladas o no asistidas. </a:t>
+            </a:r>
+          </a:p>
+        </p:txBody>
+      </p:sp>
+      <p:sp>
+        <p:nvSpPr>
+          <p:cNvPr id="3" name="Marcador de número de diapositiva 2">
+            <a:extLst>
+              <a:ext uri="{FF2B5EF4-FFF2-40B4-BE49-F238E27FC236}">
+                <a16:creationId xmlns:a16="http://schemas.microsoft.com/office/drawing/2014/main" id="{774AF259-0EA0-486A-A345-68549DF558C8}"/>
+              </a:ext>
+            </a:extLst>
+          </p:cNvPr>
+          <p:cNvSpPr>
+            <a:spLocks noGrp="1"/>
+          </p:cNvSpPr>
+          <p:nvPr>
+            <p:ph type="sldNum" sz="quarter" idx="12"/>
+          </p:nvPr>
+        </p:nvSpPr>
+        <p:spPr>
+          <a:xfrm>
+            <a:off x="11518900" y="6581978"/>
+            <a:ext cx="373062" cy="206104"/>
+          </a:xfrm>
+        </p:spPr>
+        <p:txBody>
+          <a:bodyPr rtlCol="0" anchor="ctr">
+            <a:normAutofit/>
+          </a:bodyPr>
+          <a:lstStyle/>
+          <a:p>
+            <a:pPr rtl="0">
+              <a:lnSpc>
+                <a:spcPct val="90000"/>
+              </a:lnSpc>
+              <a:spcAft>
+                <a:spcPts val="600"/>
+              </a:spcAft>
+            </a:pPr>
+            <a:fld id="{03DC2DEF-D2FE-4B45-ABA4-9F153FD1C98A}" type="slidenum">
+              <a:rPr lang="es-ES" sz="800" smtClean="0"/>
+              <a:pPr rtl="0">
+                <a:lnSpc>
+                  <a:spcPct val="90000"/>
+                </a:lnSpc>
+                <a:spcAft>
+                  <a:spcPts val="600"/>
+                </a:spcAft>
+              </a:pPr>
+              <a:t>6</a:t>
+            </a:fld>
+            <a:endParaRPr lang="es-ES" sz="800" dirty="0"/>
+          </a:p>
+        </p:txBody>
+      </p:sp>
+      <p:pic>
+        <p:nvPicPr>
+          <p:cNvPr id="14" name="Imagen 13">
+            <a:extLst>
+              <a:ext uri="{FF2B5EF4-FFF2-40B4-BE49-F238E27FC236}">
+                <a16:creationId xmlns:a16="http://schemas.microsoft.com/office/drawing/2014/main" id="{C61F8187-0A71-55EA-B295-0A0CFE55A7CF}"/>
+              </a:ext>
+            </a:extLst>
+          </p:cNvPr>
+          <p:cNvPicPr>
+            <a:picLocks noChangeAspect="1"/>
+          </p:cNvPicPr>
+          <p:nvPr/>
+        </p:nvPicPr>
+        <p:blipFill rotWithShape="1">
+          <a:blip r:embed="rId3"/>
+          <a:srcRect l="3380"/>
+          <a:stretch/>
+        </p:blipFill>
+        <p:spPr>
+          <a:xfrm>
+            <a:off x="6096000" y="2061167"/>
+            <a:ext cx="6012857" cy="3967268"/>
+          </a:xfrm>
+          <a:prstGeom prst="rect">
+            <a:avLst/>
+          </a:prstGeom>
+          <a:noFill/>
+        </p:spPr>
+      </p:pic>
+      <p:sp>
+        <p:nvSpPr>
+          <p:cNvPr id="15" name="CuadroTexto 14">
+            <a:extLst>
+              <a:ext uri="{FF2B5EF4-FFF2-40B4-BE49-F238E27FC236}">
+                <a16:creationId xmlns:a16="http://schemas.microsoft.com/office/drawing/2014/main" id="{3A0EB2CE-679C-E200-081C-E6383D74B0A1}"/>
+              </a:ext>
+            </a:extLst>
+          </p:cNvPr>
+          <p:cNvSpPr txBox="1"/>
+          <p:nvPr/>
+        </p:nvSpPr>
+        <p:spPr>
+          <a:xfrm>
+            <a:off x="6096000" y="1413042"/>
+            <a:ext cx="5664591" cy="646331"/>
+          </a:xfrm>
+          <a:prstGeom prst="rect">
+            <a:avLst/>
+          </a:prstGeom>
+          <a:noFill/>
+        </p:spPr>
+        <p:txBody>
+          <a:bodyPr wrap="square" rtlCol="0">
+            <a:spAutoFit/>
+          </a:bodyPr>
+          <a:lstStyle/>
+          <a:p>
+            <a:pPr algn="ctr"/>
+            <a:r>
+              <a:rPr lang="es-AR" b="1" dirty="0">
+                <a:latin typeface="+mj-lt"/>
+                <a:ea typeface="+mj-ea"/>
+                <a:cs typeface="+mj-cs"/>
+              </a:rPr>
+              <a:t>Industria hotelera a nivel mundial – 2013 a 2022 – Previsiones para 2023 (en trillones de dólares)</a:t>
+            </a:r>
+          </a:p>
+        </p:txBody>
+      </p:sp>
+      <p:pic>
+        <p:nvPicPr>
+          <p:cNvPr id="1026" name="Picture 2">
+            <a:extLst>
+              <a:ext uri="{FF2B5EF4-FFF2-40B4-BE49-F238E27FC236}">
+                <a16:creationId xmlns:a16="http://schemas.microsoft.com/office/drawing/2014/main" id="{D8A899BD-43F2-F65E-85DA-65A63611C739}"/>
+              </a:ext>
+            </a:extLst>
+          </p:cNvPr>
+          <p:cNvPicPr>
+            <a:picLocks noChangeAspect="1" noChangeArrowheads="1"/>
+          </p:cNvPicPr>
+          <p:nvPr/>
+        </p:nvPicPr>
+        <p:blipFill rotWithShape="1">
+          <a:blip r:embed="rId4">
+            <a:extLst>
+              <a:ext uri="{28A0092B-C50C-407E-A947-70E740481C1C}">
+                <a14:useLocalDpi xmlns:a14="http://schemas.microsoft.com/office/drawing/2010/main" val="0"/>
+              </a:ext>
+            </a:extLst>
+          </a:blip>
+          <a:srcRect t="34786" b="28445"/>
+          <a:stretch/>
+        </p:blipFill>
+        <p:spPr bwMode="auto">
+          <a:xfrm>
+            <a:off x="10571224" y="6028435"/>
+            <a:ext cx="1309406" cy="290737"/>
+          </a:xfrm>
+          <a:prstGeom prst="rect">
+            <a:avLst/>
+          </a:prstGeom>
+          <a:noFill/>
+          <a:extLst>
+            <a:ext uri="{909E8E84-426E-40DD-AFC4-6F175D3DCCD1}">
+              <a14:hiddenFill xmlns:a14="http://schemas.microsoft.com/office/drawing/2010/main">
+                <a:solidFill>
+                  <a:srgbClr val="FFFFFF"/>
+                </a:solidFill>
+              </a14:hiddenFill>
+            </a:ext>
+          </a:extLst>
+        </p:spPr>
+      </p:pic>
+    </p:spTree>
+    <p:extLst>
+      <p:ext uri="{BB962C8B-B14F-4D97-AF65-F5344CB8AC3E}">
+        <p14:creationId xmlns:p14="http://schemas.microsoft.com/office/powerpoint/2010/main" val="3242389936"/>
+      </p:ext>
+    </p:extLst>
+  </p:cSld>
+  <p:clrMapOvr>
+    <a:masterClrMapping/>
+  </p:clrMapOvr>
+</p:sld>
+</file>
+
+<file path=ppt/slides/slide7.xml><?xml version="1.0" encoding="utf-8"?>
+<p:sld xmlns:a="http://schemas.openxmlformats.org/drawingml/2006/main" xmlns:r="http://schemas.openxmlformats.org/officeDocument/2006/relationships" xmlns:p="http://schemas.openxmlformats.org/presentationml/2006/main">
+  <p:cSld>
+    <p:spTree>
+      <p:nvGrpSpPr>
+        <p:cNvPr id="1" name=""/>
+        <p:cNvGrpSpPr/>
+        <p:nvPr/>
+      </p:nvGrpSpPr>
+      <p:grpSpPr>
+        <a:xfrm>
+          <a:off x="0" y="0"/>
+          <a:ext cx="0" cy="0"/>
+          <a:chOff x="0" y="0"/>
+          <a:chExt cx="0" cy="0"/>
+        </a:xfrm>
+      </p:grpSpPr>
+      <p:sp>
+        <p:nvSpPr>
+          <p:cNvPr id="5" name="Título 4">
+            <a:extLst>
+              <a:ext uri="{FF2B5EF4-FFF2-40B4-BE49-F238E27FC236}">
+                <a16:creationId xmlns:a16="http://schemas.microsoft.com/office/drawing/2014/main" id="{9151932C-7145-4FBD-B81D-9ADC42401B87}"/>
+              </a:ext>
+            </a:extLst>
+          </p:cNvPr>
+          <p:cNvSpPr>
+            <a:spLocks noGrp="1"/>
+          </p:cNvSpPr>
+          <p:nvPr>
+            <p:ph type="title"/>
+          </p:nvPr>
+        </p:nvSpPr>
+        <p:spPr>
+          <a:xfrm>
+            <a:off x="371475" y="260351"/>
+            <a:ext cx="11520487" cy="758824"/>
+          </a:xfrm>
+        </p:spPr>
+        <p:txBody>
+          <a:bodyPr rtlCol="0" anchor="ctr">
+            <a:normAutofit/>
+          </a:bodyPr>
+          <a:lstStyle/>
+          <a:p>
+            <a:pPr rtl="0"/>
+            <a:r>
+              <a:rPr lang="es-ES" dirty="0"/>
+              <a:t>Problemática</a:t>
+            </a:r>
+          </a:p>
+        </p:txBody>
+      </p:sp>
+      <p:sp>
+        <p:nvSpPr>
+          <p:cNvPr id="3" name="Marcador de número de diapositiva 2">
+            <a:extLst>
+              <a:ext uri="{FF2B5EF4-FFF2-40B4-BE49-F238E27FC236}">
+                <a16:creationId xmlns:a16="http://schemas.microsoft.com/office/drawing/2014/main" id="{774AF259-0EA0-486A-A345-68549DF558C8}"/>
+              </a:ext>
+            </a:extLst>
+          </p:cNvPr>
+          <p:cNvSpPr>
+            <a:spLocks noGrp="1"/>
+          </p:cNvSpPr>
+          <p:nvPr>
+            <p:ph type="sldNum" sz="quarter" idx="12"/>
+          </p:nvPr>
+        </p:nvSpPr>
+        <p:spPr>
+          <a:xfrm>
+            <a:off x="11518900" y="6581978"/>
+            <a:ext cx="373062" cy="206104"/>
+          </a:xfrm>
+        </p:spPr>
+        <p:txBody>
+          <a:bodyPr rtlCol="0" anchor="ctr">
+            <a:normAutofit/>
+          </a:bodyPr>
+          <a:lstStyle/>
+          <a:p>
+            <a:pPr rtl="0">
+              <a:lnSpc>
+                <a:spcPct val="90000"/>
+              </a:lnSpc>
+              <a:spcAft>
+                <a:spcPts val="600"/>
+              </a:spcAft>
+            </a:pPr>
+            <a:fld id="{03DC2DEF-D2FE-4B45-ABA4-9F153FD1C98A}" type="slidenum">
+              <a:rPr lang="es-ES" sz="800" smtClean="0"/>
+              <a:pPr rtl="0">
+                <a:lnSpc>
+                  <a:spcPct val="90000"/>
+                </a:lnSpc>
+                <a:spcAft>
+                  <a:spcPts val="600"/>
+                </a:spcAft>
+              </a:pPr>
+              <a:t>7</a:t>
+            </a:fld>
+            <a:endParaRPr lang="es-ES" sz="800" dirty="0"/>
           </a:p>
         </p:txBody>
       </p:sp>
@@ -35446,7 +37892,7 @@
 </p:sld>
 </file>
 
-<file path=ppt/slides/slide5.xml><?xml version="1.0" encoding="utf-8"?>
+<file path=ppt/slides/slide8.xml><?xml version="1.0" encoding="utf-8"?>
 <p:sld xmlns:a="http://schemas.openxmlformats.org/drawingml/2006/main" xmlns:r="http://schemas.openxmlformats.org/officeDocument/2006/relationships" xmlns:p="http://schemas.openxmlformats.org/presentationml/2006/main">
   <p:cSld>
     <p:spTree>
@@ -35516,9 +37962,9 @@
             <a:pPr rtl="0"/>
             <a:fld id="{03DC2DEF-D2FE-4B45-ABA4-9F153FD1C98A}" type="slidenum">
               <a:rPr lang="es-ES" smtClean="0"/>
-              <a:t>5</a:t>
+              <a:t>8</a:t>
             </a:fld>
-            <a:endParaRPr lang="es-ES"/>
+            <a:endParaRPr lang="es-ES" dirty="0"/>
           </a:p>
         </p:txBody>
       </p:sp>
@@ -35772,694 +38218,6 @@
     <p:extLst>
       <p:ext uri="{BB962C8B-B14F-4D97-AF65-F5344CB8AC3E}">
         <p14:creationId xmlns:p14="http://schemas.microsoft.com/office/powerpoint/2010/main" val="1154969311"/>
-      </p:ext>
-    </p:extLst>
-  </p:cSld>
-  <p:clrMapOvr>
-    <a:masterClrMapping/>
-  </p:clrMapOvr>
-</p:sld>
-</file>
-
-<file path=ppt/slides/slide6.xml><?xml version="1.0" encoding="utf-8"?>
-<p:sld xmlns:a="http://schemas.openxmlformats.org/drawingml/2006/main" xmlns:r="http://schemas.openxmlformats.org/officeDocument/2006/relationships" xmlns:p="http://schemas.openxmlformats.org/presentationml/2006/main">
-  <p:cSld>
-    <p:spTree>
-      <p:nvGrpSpPr>
-        <p:cNvPr id="1" name=""/>
-        <p:cNvGrpSpPr/>
-        <p:nvPr/>
-      </p:nvGrpSpPr>
-      <p:grpSpPr>
-        <a:xfrm>
-          <a:off x="0" y="0"/>
-          <a:ext cx="0" cy="0"/>
-          <a:chOff x="0" y="0"/>
-          <a:chExt cx="0" cy="0"/>
-        </a:xfrm>
-      </p:grpSpPr>
-      <p:sp>
-        <p:nvSpPr>
-          <p:cNvPr id="19" name="Marcador de texto 18">
-            <a:extLst>
-              <a:ext uri="{FF2B5EF4-FFF2-40B4-BE49-F238E27FC236}">
-                <a16:creationId xmlns:a16="http://schemas.microsoft.com/office/drawing/2014/main" id="{40EB2462-13E7-697D-5A18-B00FCB41A9C9}"/>
-              </a:ext>
-            </a:extLst>
-          </p:cNvPr>
-          <p:cNvSpPr>
-            <a:spLocks noGrp="1"/>
-          </p:cNvSpPr>
-          <p:nvPr>
-            <p:ph type="body" sz="quarter" idx="15"/>
-          </p:nvPr>
-        </p:nvSpPr>
-        <p:spPr/>
-        <p:txBody>
-          <a:bodyPr/>
-          <a:lstStyle/>
-          <a:p>
-            <a:endParaRPr lang="es-AR"/>
-          </a:p>
-        </p:txBody>
-      </p:sp>
-      <p:sp>
-        <p:nvSpPr>
-          <p:cNvPr id="20" name="Marcador de texto 19">
-            <a:extLst>
-              <a:ext uri="{FF2B5EF4-FFF2-40B4-BE49-F238E27FC236}">
-                <a16:creationId xmlns:a16="http://schemas.microsoft.com/office/drawing/2014/main" id="{3CFCFF75-4309-AE5B-3043-CA6D5D357E9D}"/>
-              </a:ext>
-            </a:extLst>
-          </p:cNvPr>
-          <p:cNvSpPr>
-            <a:spLocks noGrp="1"/>
-          </p:cNvSpPr>
-          <p:nvPr>
-            <p:ph type="body" sz="quarter" idx="16"/>
-          </p:nvPr>
-        </p:nvSpPr>
-        <p:spPr/>
-        <p:txBody>
-          <a:bodyPr/>
-          <a:lstStyle/>
-          <a:p>
-            <a:endParaRPr lang="es-AR"/>
-          </a:p>
-        </p:txBody>
-      </p:sp>
-      <p:sp>
-        <p:nvSpPr>
-          <p:cNvPr id="10" name="Marcador de texto 9">
-            <a:extLst>
-              <a:ext uri="{FF2B5EF4-FFF2-40B4-BE49-F238E27FC236}">
-                <a16:creationId xmlns:a16="http://schemas.microsoft.com/office/drawing/2014/main" id="{C60B770E-507E-4361-9D91-5007702BFC32}"/>
-              </a:ext>
-            </a:extLst>
-          </p:cNvPr>
-          <p:cNvSpPr>
-            <a:spLocks noGrp="1"/>
-          </p:cNvSpPr>
-          <p:nvPr>
-            <p:ph type="title" idx="4294967295"/>
-          </p:nvPr>
-        </p:nvSpPr>
-        <p:spPr>
-          <a:xfrm>
-            <a:off x="1973089" y="193287"/>
-            <a:ext cx="8563317" cy="907807"/>
-          </a:xfrm>
-          <a:prstGeom prst="rect">
-            <a:avLst/>
-          </a:prstGeom>
-          <a:noFill/>
-          <a:ln>
-            <a:noFill/>
-            <a:prstDash/>
-          </a:ln>
-          <a:effectLst/>
-        </p:spPr>
-        <p:txBody>
-          <a:bodyPr rot="0" spcFirstLastPara="0" vertOverflow="overflow" horzOverflow="overflow" vert="horz" wrap="square" lIns="91440" tIns="45720" rIns="91440" bIns="45720" numCol="1" spcCol="0" rtlCol="0" fromWordArt="0" anchor="ctr" anchorCtr="0" forceAA="0" compatLnSpc="1">
-            <a:prstTxWarp prst="textNoShape">
-              <a:avLst/>
-            </a:prstTxWarp>
-            <a:noAutofit/>
-          </a:bodyPr>
-          <a:lstStyle/>
-          <a:p>
-            <a:pPr marL="0" marR="0" lvl="0" indent="0" algn="ctr" defTabSz="914400" rtl="0" eaLnBrk="1" fontAlgn="auto" latinLnBrk="0" hangingPunct="1">
-              <a:lnSpc>
-                <a:spcPct val="90000"/>
-              </a:lnSpc>
-              <a:spcBef>
-                <a:spcPts val="1000"/>
-              </a:spcBef>
-              <a:spcAft>
-                <a:spcPts val="0"/>
-              </a:spcAft>
-              <a:buClrTx/>
-              <a:buSzTx/>
-              <a:buFont typeface="Arial" panose="020B0604020202020204" pitchFamily="34" charset="0"/>
-              <a:buNone/>
-              <a:tabLst/>
-              <a:defRPr/>
-            </a:pPr>
-            <a:r>
-              <a:rPr lang="es-ES" sz="2400" b="1" i="0" u="none" strike="noStrike" kern="1200" cap="none" spc="0" normalizeH="0" dirty="0">
-                <a:ln>
-                  <a:noFill/>
-                </a:ln>
-                <a:solidFill>
-                  <a:schemeClr val="tx1"/>
-                </a:solidFill>
-                <a:effectLst/>
-                <a:uLnTx/>
-                <a:uFillTx/>
-                <a:latin typeface="+mj-lt"/>
-                <a:ea typeface="+mn-ea"/>
-                <a:cs typeface="+mn-cs"/>
-              </a:rPr>
-              <a:t>Variable Target – Reservas Canceladas y No Canceladas</a:t>
-            </a:r>
-          </a:p>
-        </p:txBody>
-      </p:sp>
-      <p:sp>
-        <p:nvSpPr>
-          <p:cNvPr id="3" name="Marcador de número de diapositiva 2">
-            <a:extLst>
-              <a:ext uri="{FF2B5EF4-FFF2-40B4-BE49-F238E27FC236}">
-                <a16:creationId xmlns:a16="http://schemas.microsoft.com/office/drawing/2014/main" id="{8D0BEB88-12D3-41F1-B6BA-706EF7480FD3}"/>
-              </a:ext>
-            </a:extLst>
-          </p:cNvPr>
-          <p:cNvSpPr>
-            <a:spLocks noGrp="1"/>
-          </p:cNvSpPr>
-          <p:nvPr>
-            <p:ph type="sldNum" sz="quarter" idx="4294967295"/>
-          </p:nvPr>
-        </p:nvSpPr>
-        <p:spPr>
-          <a:xfrm>
-            <a:off x="11818938" y="6581775"/>
-            <a:ext cx="373062" cy="206375"/>
-          </a:xfrm>
-        </p:spPr>
-        <p:txBody>
-          <a:bodyPr rtlCol="0"/>
-          <a:lstStyle/>
-          <a:p>
-            <a:pPr rtl="0"/>
-            <a:fld id="{03DC2DEF-D2FE-4B45-ABA4-9F153FD1C98A}" type="slidenum">
-              <a:rPr lang="es-ES" smtClean="0"/>
-              <a:t>6</a:t>
-            </a:fld>
-            <a:endParaRPr lang="es-ES"/>
-          </a:p>
-        </p:txBody>
-      </p:sp>
-      <p:pic>
-        <p:nvPicPr>
-          <p:cNvPr id="4" name="Imagen 3">
-            <a:extLst>
-              <a:ext uri="{FF2B5EF4-FFF2-40B4-BE49-F238E27FC236}">
-                <a16:creationId xmlns:a16="http://schemas.microsoft.com/office/drawing/2014/main" id="{6D4BF7C7-B2F3-76AB-F4FF-D1A1C75E6529}"/>
-              </a:ext>
-            </a:extLst>
-          </p:cNvPr>
-          <p:cNvPicPr>
-            <a:picLocks noChangeAspect="1"/>
-          </p:cNvPicPr>
-          <p:nvPr/>
-        </p:nvPicPr>
-        <p:blipFill rotWithShape="1">
-          <a:blip r:embed="rId3"/>
-          <a:srcRect t="6330"/>
-          <a:stretch/>
-        </p:blipFill>
-        <p:spPr>
-          <a:xfrm>
-            <a:off x="300037" y="1358899"/>
-            <a:ext cx="5795963" cy="4127501"/>
-          </a:xfrm>
-          <a:prstGeom prst="rect">
-            <a:avLst/>
-          </a:prstGeom>
-        </p:spPr>
-      </p:pic>
-      <p:sp>
-        <p:nvSpPr>
-          <p:cNvPr id="7" name="CuadroTexto 6">
-            <a:extLst>
-              <a:ext uri="{FF2B5EF4-FFF2-40B4-BE49-F238E27FC236}">
-                <a16:creationId xmlns:a16="http://schemas.microsoft.com/office/drawing/2014/main" id="{A0BD78A5-41D4-9CCA-B7EA-4CD6B5E7574C}"/>
-              </a:ext>
-            </a:extLst>
-          </p:cNvPr>
-          <p:cNvSpPr txBox="1"/>
-          <p:nvPr/>
-        </p:nvSpPr>
-        <p:spPr>
-          <a:xfrm>
-            <a:off x="304626" y="5486400"/>
-            <a:ext cx="5422901" cy="1200329"/>
-          </a:xfrm>
-          <a:prstGeom prst="rect">
-            <a:avLst/>
-          </a:prstGeom>
-          <a:noFill/>
-        </p:spPr>
-        <p:txBody>
-          <a:bodyPr wrap="square" rtlCol="0">
-            <a:spAutoFit/>
-          </a:bodyPr>
-          <a:lstStyle/>
-          <a:p>
-            <a:r>
-              <a:rPr lang="es-ES" dirty="0">
-                <a:solidFill>
-                  <a:schemeClr val="tx1">
-                    <a:lumMod val="50000"/>
-                  </a:schemeClr>
-                </a:solidFill>
-              </a:rPr>
-              <a:t>De acuerdo a lo observado, las reservas NO CANCELADAS alcanzan un total aproximado de 67%, mientras que las reservas CANCELADAS son de alrededor del 33%.</a:t>
-            </a:r>
-            <a:endParaRPr lang="es-AR" dirty="0">
-              <a:solidFill>
-                <a:schemeClr val="tx1">
-                  <a:lumMod val="50000"/>
-                </a:schemeClr>
-              </a:solidFill>
-            </a:endParaRPr>
-          </a:p>
-        </p:txBody>
-      </p:sp>
-      <p:pic>
-        <p:nvPicPr>
-          <p:cNvPr id="14" name="Imagen 13">
-            <a:extLst>
-              <a:ext uri="{FF2B5EF4-FFF2-40B4-BE49-F238E27FC236}">
-                <a16:creationId xmlns:a16="http://schemas.microsoft.com/office/drawing/2014/main" id="{9231A240-C221-33F5-B715-7906D2C286E5}"/>
-              </a:ext>
-            </a:extLst>
-          </p:cNvPr>
-          <p:cNvPicPr>
-            <a:picLocks noChangeAspect="1"/>
-          </p:cNvPicPr>
-          <p:nvPr/>
-        </p:nvPicPr>
-        <p:blipFill>
-          <a:blip r:embed="rId4"/>
-          <a:stretch>
-            <a:fillRect/>
-          </a:stretch>
-        </p:blipFill>
-        <p:spPr>
-          <a:xfrm>
-            <a:off x="6226383" y="1401783"/>
-            <a:ext cx="5899081" cy="3556001"/>
-          </a:xfrm>
-          <a:prstGeom prst="rect">
-            <a:avLst/>
-          </a:prstGeom>
-        </p:spPr>
-      </p:pic>
-      <p:sp>
-        <p:nvSpPr>
-          <p:cNvPr id="16" name="CuadroTexto 15">
-            <a:extLst>
-              <a:ext uri="{FF2B5EF4-FFF2-40B4-BE49-F238E27FC236}">
-                <a16:creationId xmlns:a16="http://schemas.microsoft.com/office/drawing/2014/main" id="{67F27FC8-0946-6A0C-230E-4BFBD4A61B18}"/>
-              </a:ext>
-            </a:extLst>
-          </p:cNvPr>
-          <p:cNvSpPr txBox="1"/>
-          <p:nvPr/>
-        </p:nvSpPr>
-        <p:spPr>
-          <a:xfrm>
-            <a:off x="6464474" y="5483089"/>
-            <a:ext cx="5422900" cy="1200329"/>
-          </a:xfrm>
-          <a:prstGeom prst="rect">
-            <a:avLst/>
-          </a:prstGeom>
-          <a:noFill/>
-        </p:spPr>
-        <p:txBody>
-          <a:bodyPr wrap="square" rtlCol="0">
-            <a:spAutoFit/>
-          </a:bodyPr>
-          <a:lstStyle/>
-          <a:p>
-            <a:r>
-              <a:rPr lang="es-ES" dirty="0">
-                <a:solidFill>
-                  <a:schemeClr val="tx1">
-                    <a:lumMod val="50000"/>
-                  </a:schemeClr>
-                </a:solidFill>
-              </a:rPr>
-              <a:t>Se observa una tasa de cancelación  variable entre el 2% y 67%. El valor más bajo se observa durante la mitad del primer año de registro y luego la tasa de cancelación aumenta oscilando entre el 25 y 50%. </a:t>
-            </a:r>
-            <a:endParaRPr lang="es-AR" dirty="0">
-              <a:solidFill>
-                <a:schemeClr val="tx1">
-                  <a:lumMod val="50000"/>
-                </a:schemeClr>
-              </a:solidFill>
-            </a:endParaRPr>
-          </a:p>
-        </p:txBody>
-      </p:sp>
-    </p:spTree>
-    <p:extLst>
-      <p:ext uri="{BB962C8B-B14F-4D97-AF65-F5344CB8AC3E}">
-        <p14:creationId xmlns:p14="http://schemas.microsoft.com/office/powerpoint/2010/main" val="3149670743"/>
-      </p:ext>
-    </p:extLst>
-  </p:cSld>
-  <p:clrMapOvr>
-    <a:masterClrMapping/>
-  </p:clrMapOvr>
-</p:sld>
-</file>
-
-<file path=ppt/slides/slide7.xml><?xml version="1.0" encoding="utf-8"?>
-<p:sld xmlns:a="http://schemas.openxmlformats.org/drawingml/2006/main" xmlns:r="http://schemas.openxmlformats.org/officeDocument/2006/relationships" xmlns:p="http://schemas.openxmlformats.org/presentationml/2006/main">
-  <p:cSld>
-    <p:spTree>
-      <p:nvGrpSpPr>
-        <p:cNvPr id="1" name=""/>
-        <p:cNvGrpSpPr/>
-        <p:nvPr/>
-      </p:nvGrpSpPr>
-      <p:grpSpPr>
-        <a:xfrm>
-          <a:off x="0" y="0"/>
-          <a:ext cx="0" cy="0"/>
-          <a:chOff x="0" y="0"/>
-          <a:chExt cx="0" cy="0"/>
-        </a:xfrm>
-      </p:grpSpPr>
-      <p:sp>
-        <p:nvSpPr>
-          <p:cNvPr id="6" name="Título 5">
-            <a:extLst>
-              <a:ext uri="{FF2B5EF4-FFF2-40B4-BE49-F238E27FC236}">
-                <a16:creationId xmlns:a16="http://schemas.microsoft.com/office/drawing/2014/main" id="{F2BC7CEB-5DE3-D245-9B58-4890C05407FB}"/>
-              </a:ext>
-            </a:extLst>
-          </p:cNvPr>
-          <p:cNvSpPr>
-            <a:spLocks noGrp="1"/>
-          </p:cNvSpPr>
-          <p:nvPr>
-            <p:ph type="ctrTitle"/>
-          </p:nvPr>
-        </p:nvSpPr>
-        <p:spPr/>
-        <p:txBody>
-          <a:bodyPr/>
-          <a:lstStyle/>
-          <a:p>
-            <a:r>
-              <a:rPr lang="es-AR" dirty="0"/>
-              <a:t>Análisis Exploratorio de datos</a:t>
-            </a:r>
-          </a:p>
-        </p:txBody>
-      </p:sp>
-      <p:sp>
-        <p:nvSpPr>
-          <p:cNvPr id="4" name="Marcador de número de diapositiva 3">
-            <a:extLst>
-              <a:ext uri="{FF2B5EF4-FFF2-40B4-BE49-F238E27FC236}">
-                <a16:creationId xmlns:a16="http://schemas.microsoft.com/office/drawing/2014/main" id="{5F9924DB-D81D-A95C-7F54-13FDBFB50597}"/>
-              </a:ext>
-            </a:extLst>
-          </p:cNvPr>
-          <p:cNvSpPr>
-            <a:spLocks noGrp="1"/>
-          </p:cNvSpPr>
-          <p:nvPr>
-            <p:ph type="sldNum" sz="quarter" idx="4294967295"/>
-          </p:nvPr>
-        </p:nvSpPr>
-        <p:spPr>
-          <a:xfrm>
-            <a:off x="11818938" y="6581775"/>
-            <a:ext cx="373062" cy="206375"/>
-          </a:xfrm>
-        </p:spPr>
-        <p:txBody>
-          <a:bodyPr/>
-          <a:lstStyle/>
-          <a:p>
-            <a:pPr rtl="0"/>
-            <a:fld id="{03DC2DEF-D2FE-4B45-ABA4-9F153FD1C98A}" type="slidenum">
-              <a:rPr lang="es-ES" noProof="0" smtClean="0"/>
-              <a:t>7</a:t>
-            </a:fld>
-            <a:endParaRPr lang="es-ES" noProof="0"/>
-          </a:p>
-        </p:txBody>
-      </p:sp>
-      <p:pic>
-        <p:nvPicPr>
-          <p:cNvPr id="3078" name="Picture 6">
-            <a:extLst>
-              <a:ext uri="{FF2B5EF4-FFF2-40B4-BE49-F238E27FC236}">
-                <a16:creationId xmlns:a16="http://schemas.microsoft.com/office/drawing/2014/main" id="{EAA18E0E-0F4D-D147-2C16-745EBE2AFEA3}"/>
-              </a:ext>
-            </a:extLst>
-          </p:cNvPr>
-          <p:cNvPicPr>
-            <a:picLocks noGrp="1" noChangeAspect="1" noChangeArrowheads="1"/>
-          </p:cNvPicPr>
-          <p:nvPr>
-            <p:ph type="pic" sz="quarter" idx="10"/>
-          </p:nvPr>
-        </p:nvPicPr>
-        <p:blipFill>
-          <a:blip r:embed="rId2">
-            <a:extLst>
-              <a:ext uri="{28A0092B-C50C-407E-A947-70E740481C1C}">
-                <a14:useLocalDpi xmlns:a14="http://schemas.microsoft.com/office/drawing/2010/main" val="0"/>
-              </a:ext>
-            </a:extLst>
-          </a:blip>
-          <a:srcRect t="22610" b="22610"/>
-          <a:stretch>
-            <a:fillRect/>
-          </a:stretch>
-        </p:blipFill>
-        <p:spPr bwMode="auto">
-          <a:prstGeom prst="rect">
-            <a:avLst/>
-          </a:prstGeom>
-          <a:noFill/>
-          <a:extLst>
-            <a:ext uri="{909E8E84-426E-40DD-AFC4-6F175D3DCCD1}">
-              <a14:hiddenFill xmlns:a14="http://schemas.microsoft.com/office/drawing/2010/main">
-                <a:solidFill>
-                  <a:srgbClr val="FFFFFF"/>
-                </a:solidFill>
-              </a14:hiddenFill>
-            </a:ext>
-          </a:extLst>
-        </p:spPr>
-      </p:pic>
-    </p:spTree>
-    <p:extLst>
-      <p:ext uri="{BB962C8B-B14F-4D97-AF65-F5344CB8AC3E}">
-        <p14:creationId xmlns:p14="http://schemas.microsoft.com/office/powerpoint/2010/main" val="3955767059"/>
-      </p:ext>
-    </p:extLst>
-  </p:cSld>
-  <p:clrMapOvr>
-    <a:masterClrMapping/>
-  </p:clrMapOvr>
-</p:sld>
-</file>
-
-<file path=ppt/slides/slide8.xml><?xml version="1.0" encoding="utf-8"?>
-<p:sld xmlns:a="http://schemas.openxmlformats.org/drawingml/2006/main" xmlns:r="http://schemas.openxmlformats.org/officeDocument/2006/relationships" xmlns:p="http://schemas.openxmlformats.org/presentationml/2006/main">
-  <p:cSld>
-    <p:spTree>
-      <p:nvGrpSpPr>
-        <p:cNvPr id="1" name=""/>
-        <p:cNvGrpSpPr/>
-        <p:nvPr/>
-      </p:nvGrpSpPr>
-      <p:grpSpPr>
-        <a:xfrm>
-          <a:off x="0" y="0"/>
-          <a:ext cx="0" cy="0"/>
-          <a:chOff x="0" y="0"/>
-          <a:chExt cx="0" cy="0"/>
-        </a:xfrm>
-      </p:grpSpPr>
-      <p:sp>
-        <p:nvSpPr>
-          <p:cNvPr id="16" name="Título 15">
-            <a:extLst>
-              <a:ext uri="{FF2B5EF4-FFF2-40B4-BE49-F238E27FC236}">
-                <a16:creationId xmlns:a16="http://schemas.microsoft.com/office/drawing/2014/main" id="{2C00B059-8249-401E-BECD-DC838B36F9FB}"/>
-              </a:ext>
-            </a:extLst>
-          </p:cNvPr>
-          <p:cNvSpPr>
-            <a:spLocks noGrp="1"/>
-          </p:cNvSpPr>
-          <p:nvPr>
-            <p:ph type="title"/>
-          </p:nvPr>
-        </p:nvSpPr>
-        <p:spPr>
-          <a:xfrm>
-            <a:off x="403689" y="421201"/>
-            <a:ext cx="5110846" cy="566224"/>
-          </a:xfrm>
-        </p:spPr>
-        <p:txBody>
-          <a:bodyPr rtlCol="0" anchor="b">
-            <a:normAutofit/>
-          </a:bodyPr>
-          <a:lstStyle/>
-          <a:p>
-            <a:pPr rtl="0"/>
-            <a:r>
-              <a:rPr lang="es-ES" dirty="0"/>
-              <a:t>Tiempo de espera de arribo</a:t>
-            </a:r>
-          </a:p>
-        </p:txBody>
-      </p:sp>
-      <p:sp>
-        <p:nvSpPr>
-          <p:cNvPr id="18" name="Marcador de texto 17">
-            <a:extLst>
-              <a:ext uri="{FF2B5EF4-FFF2-40B4-BE49-F238E27FC236}">
-                <a16:creationId xmlns:a16="http://schemas.microsoft.com/office/drawing/2014/main" id="{ED42596E-DB09-43F7-A053-18CEB2DDE639}"/>
-              </a:ext>
-            </a:extLst>
-          </p:cNvPr>
-          <p:cNvSpPr>
-            <a:spLocks noGrp="1"/>
-          </p:cNvSpPr>
-          <p:nvPr>
-            <p:ph type="body" sz="half" idx="2"/>
-          </p:nvPr>
-        </p:nvSpPr>
-        <p:spPr>
-          <a:xfrm>
-            <a:off x="667556" y="1694258"/>
-            <a:ext cx="4583112" cy="3055542"/>
-          </a:xfrm>
-        </p:spPr>
-        <p:txBody>
-          <a:bodyPr rtlCol="0">
-            <a:normAutofit/>
-          </a:bodyPr>
-          <a:lstStyle/>
-          <a:p>
-            <a:pPr rtl="0"/>
-            <a:r>
-              <a:rPr lang="es-ES" sz="1800" dirty="0"/>
-              <a:t>Visualizando el grafico a nuestra derecha, podemos determinar que, a mayor cantidad de días de espera para el arribo al hotel, mayor es la tasa de cancelaciones, llegando incluso a visualizar "</a:t>
-            </a:r>
-            <a:r>
-              <a:rPr lang="es-ES" sz="1800" dirty="0" err="1"/>
-              <a:t>outliers</a:t>
-            </a:r>
-            <a:r>
-              <a:rPr lang="es-ES" sz="1800" dirty="0"/>
-              <a:t>" con valores mayores a 400 días.</a:t>
-            </a:r>
-          </a:p>
-          <a:p>
-            <a:pPr rtl="0"/>
-            <a:endParaRPr lang="es-ES" sz="1800" dirty="0"/>
-          </a:p>
-          <a:p>
-            <a:pPr rtl="0"/>
-            <a:r>
-              <a:rPr lang="es-ES" sz="1800" dirty="0"/>
-              <a:t>Sin embargo, hay reservas con tiempos de espera menores a esa cantidad que no fueron canceladas.</a:t>
-            </a:r>
-          </a:p>
-        </p:txBody>
-      </p:sp>
-      <p:sp>
-        <p:nvSpPr>
-          <p:cNvPr id="3" name="Marcador de número de diapositiva 2">
-            <a:extLst>
-              <a:ext uri="{FF2B5EF4-FFF2-40B4-BE49-F238E27FC236}">
-                <a16:creationId xmlns:a16="http://schemas.microsoft.com/office/drawing/2014/main" id="{581E71C2-3FC1-41C1-8255-33A1AC802247}"/>
-              </a:ext>
-            </a:extLst>
-          </p:cNvPr>
-          <p:cNvSpPr>
-            <a:spLocks noGrp="1"/>
-          </p:cNvSpPr>
-          <p:nvPr>
-            <p:ph type="sldNum" sz="quarter" idx="12"/>
-          </p:nvPr>
-        </p:nvSpPr>
-        <p:spPr>
-          <a:xfrm>
-            <a:off x="11518900" y="6581978"/>
-            <a:ext cx="373062" cy="206104"/>
-          </a:xfrm>
-        </p:spPr>
-        <p:txBody>
-          <a:bodyPr rtlCol="0" anchor="ctr">
-            <a:normAutofit/>
-          </a:bodyPr>
-          <a:lstStyle/>
-          <a:p>
-            <a:pPr rtl="0">
-              <a:lnSpc>
-                <a:spcPct val="90000"/>
-              </a:lnSpc>
-              <a:spcAft>
-                <a:spcPts val="600"/>
-              </a:spcAft>
-            </a:pPr>
-            <a:fld id="{03DC2DEF-D2FE-4B45-ABA4-9F153FD1C98A}" type="slidenum">
-              <a:rPr lang="es-ES" sz="800" smtClean="0"/>
-              <a:pPr rtl="0">
-                <a:lnSpc>
-                  <a:spcPct val="90000"/>
-                </a:lnSpc>
-                <a:spcAft>
-                  <a:spcPts val="600"/>
-                </a:spcAft>
-              </a:pPr>
-              <a:t>8</a:t>
-            </a:fld>
-            <a:endParaRPr lang="es-ES" sz="800"/>
-          </a:p>
-        </p:txBody>
-      </p:sp>
-      <p:pic>
-        <p:nvPicPr>
-          <p:cNvPr id="10" name="Imagen 9">
-            <a:extLst>
-              <a:ext uri="{FF2B5EF4-FFF2-40B4-BE49-F238E27FC236}">
-                <a16:creationId xmlns:a16="http://schemas.microsoft.com/office/drawing/2014/main" id="{5E05276A-5B97-2EF2-68BF-194D323C9CA4}"/>
-              </a:ext>
-            </a:extLst>
-          </p:cNvPr>
-          <p:cNvPicPr>
-            <a:picLocks noChangeAspect="1"/>
-          </p:cNvPicPr>
-          <p:nvPr/>
-        </p:nvPicPr>
-        <p:blipFill>
-          <a:blip r:embed="rId3"/>
-          <a:stretch>
-            <a:fillRect/>
-          </a:stretch>
-        </p:blipFill>
-        <p:spPr>
-          <a:xfrm>
-            <a:off x="6096000" y="1262459"/>
-            <a:ext cx="5795962" cy="4606530"/>
-          </a:xfrm>
-          <a:prstGeom prst="rect">
-            <a:avLst/>
-          </a:prstGeom>
-        </p:spPr>
-      </p:pic>
-    </p:spTree>
-    <p:extLst>
-      <p:ext uri="{BB962C8B-B14F-4D97-AF65-F5344CB8AC3E}">
-        <p14:creationId xmlns:p14="http://schemas.microsoft.com/office/powerpoint/2010/main" val="2900026269"/>
       </p:ext>
     </p:extLst>
   </p:cSld>
@@ -36488,10 +38246,10 @@
       </p:grpSpPr>
       <p:sp>
         <p:nvSpPr>
-          <p:cNvPr id="3" name="Marcador de número de diapositiva 2">
-            <a:extLst>
-              <a:ext uri="{FF2B5EF4-FFF2-40B4-BE49-F238E27FC236}">
-                <a16:creationId xmlns:a16="http://schemas.microsoft.com/office/drawing/2014/main" id="{581E71C2-3FC1-41C1-8255-33A1AC802247}"/>
+          <p:cNvPr id="19" name="Marcador de texto 18">
+            <a:extLst>
+              <a:ext uri="{FF2B5EF4-FFF2-40B4-BE49-F238E27FC236}">
+                <a16:creationId xmlns:a16="http://schemas.microsoft.com/office/drawing/2014/main" id="{40EB2462-13E7-697D-5A18-B00FCB41A9C9}"/>
               </a:ext>
             </a:extLst>
           </p:cNvPr>
@@ -36499,51 +38257,24 @@
             <a:spLocks noGrp="1"/>
           </p:cNvSpPr>
           <p:nvPr>
-            <p:ph type="sldNum" sz="quarter" idx="12"/>
+            <p:ph type="body" sz="quarter" idx="15"/>
           </p:nvPr>
         </p:nvSpPr>
-        <p:spPr>
-          <a:xfrm>
-            <a:off x="11518900" y="6581978"/>
-            <a:ext cx="373062" cy="206104"/>
-          </a:xfrm>
-        </p:spPr>
-        <p:txBody>
-          <a:bodyPr vert="horz" lIns="91440" tIns="45720" rIns="91440" bIns="45720" rtlCol="0" anchor="ctr">
-            <a:normAutofit/>
-          </a:bodyPr>
+        <p:spPr/>
+        <p:txBody>
+          <a:bodyPr/>
           <a:lstStyle/>
           <a:p>
-            <a:pPr>
-              <a:lnSpc>
-                <a:spcPct val="90000"/>
-              </a:lnSpc>
-              <a:spcAft>
-                <a:spcPts val="600"/>
-              </a:spcAft>
-            </a:pPr>
-            <a:fld id="{03DC2DEF-D2FE-4B45-ABA4-9F153FD1C98A}" type="slidenum">
-              <a:rPr lang="es-ES" sz="800" smtClean="0"/>
-              <a:pPr>
-                <a:lnSpc>
-                  <a:spcPct val="90000"/>
-                </a:lnSpc>
-                <a:spcAft>
-                  <a:spcPts val="600"/>
-                </a:spcAft>
-              </a:pPr>
-              <a:t>9</a:t>
-            </a:fld>
-            <a:endParaRPr lang="es-ES" sz="800"/>
-          </a:p>
-        </p:txBody>
-      </p:sp>
-      <p:sp>
-        <p:nvSpPr>
-          <p:cNvPr id="21" name="Text Placeholder 5">
-            <a:extLst>
-              <a:ext uri="{FF2B5EF4-FFF2-40B4-BE49-F238E27FC236}">
-                <a16:creationId xmlns:a16="http://schemas.microsoft.com/office/drawing/2014/main" id="{BB646BEC-4542-8383-9C2B-35A242FF734F}"/>
+            <a:endParaRPr lang="es-AR" dirty="0"/>
+          </a:p>
+        </p:txBody>
+      </p:sp>
+      <p:sp>
+        <p:nvSpPr>
+          <p:cNvPr id="20" name="Marcador de texto 19">
+            <a:extLst>
+              <a:ext uri="{FF2B5EF4-FFF2-40B4-BE49-F238E27FC236}">
+                <a16:creationId xmlns:a16="http://schemas.microsoft.com/office/drawing/2014/main" id="{3CFCFF75-4309-AE5B-3043-CA6D5D357E9D}"/>
               </a:ext>
             </a:extLst>
           </p:cNvPr>
@@ -36551,102 +38282,101 @@
             <a:spLocks noGrp="1"/>
           </p:cNvSpPr>
           <p:nvPr>
-            <p:ph type="body" sz="quarter" idx="3"/>
+            <p:ph type="body" sz="quarter" idx="16"/>
           </p:nvPr>
         </p:nvSpPr>
-        <p:spPr>
-          <a:xfrm>
-            <a:off x="6610169" y="3956706"/>
-            <a:ext cx="5109021" cy="518457"/>
-          </a:xfrm>
-        </p:spPr>
-        <p:txBody>
-          <a:bodyPr vert="horz" lIns="91440" tIns="45720" rIns="91440" bIns="45720" rtlCol="0" anchor="ctr">
-            <a:normAutofit/>
+        <p:spPr/>
+        <p:txBody>
+          <a:bodyPr/>
+          <a:lstStyle/>
+          <a:p>
+            <a:endParaRPr lang="es-AR" dirty="0"/>
+          </a:p>
+        </p:txBody>
+      </p:sp>
+      <p:sp>
+        <p:nvSpPr>
+          <p:cNvPr id="10" name="Marcador de texto 9">
+            <a:extLst>
+              <a:ext uri="{FF2B5EF4-FFF2-40B4-BE49-F238E27FC236}">
+                <a16:creationId xmlns:a16="http://schemas.microsoft.com/office/drawing/2014/main" id="{C60B770E-507E-4361-9D91-5007702BFC32}"/>
+              </a:ext>
+            </a:extLst>
+          </p:cNvPr>
+          <p:cNvSpPr>
+            <a:spLocks noGrp="1"/>
+          </p:cNvSpPr>
+          <p:nvPr>
+            <p:ph type="title" idx="4294967295"/>
+          </p:nvPr>
+        </p:nvSpPr>
+        <p:spPr>
+          <a:xfrm>
+            <a:off x="1973089" y="193287"/>
+            <a:ext cx="8563317" cy="907807"/>
+          </a:xfrm>
+          <a:prstGeom prst="rect">
+            <a:avLst/>
+          </a:prstGeom>
+          <a:noFill/>
+          <a:ln>
+            <a:noFill/>
+            <a:prstDash/>
+          </a:ln>
+          <a:effectLst/>
+        </p:spPr>
+        <p:txBody>
+          <a:bodyPr rot="0" spcFirstLastPara="0" vertOverflow="overflow" horzOverflow="overflow" vert="horz" wrap="square" lIns="91440" tIns="45720" rIns="91440" bIns="45720" numCol="1" spcCol="0" rtlCol="0" fromWordArt="0" anchor="ctr" anchorCtr="0" forceAA="0" compatLnSpc="1">
+            <a:prstTxWarp prst="textNoShape">
+              <a:avLst/>
+            </a:prstTxWarp>
+            <a:noAutofit/>
           </a:bodyPr>
           <a:lstStyle/>
           <a:p>
-            <a:r>
-              <a:rPr lang="es-ES" sz="2800" b="1" kern="1200" dirty="0">
+            <a:pPr marL="0" marR="0" lvl="0" indent="0" algn="ctr" defTabSz="914400" rtl="0" eaLnBrk="1" fontAlgn="auto" latinLnBrk="0" hangingPunct="1">
+              <a:lnSpc>
+                <a:spcPct val="90000"/>
+              </a:lnSpc>
+              <a:spcBef>
+                <a:spcPts val="1000"/>
+              </a:spcBef>
+              <a:spcAft>
+                <a:spcPts val="0"/>
+              </a:spcAft>
+              <a:buClrTx/>
+              <a:buSzTx/>
+              <a:buFont typeface="Arial" panose="020B0604020202020204" pitchFamily="34" charset="0"/>
+              <a:buNone/>
+              <a:tabLst/>
+              <a:defRPr/>
+            </a:pPr>
+            <a:r>
+              <a:rPr lang="es-ES" sz="2400" b="1" i="0" u="none" strike="noStrike" kern="1200" cap="none" spc="0" normalizeH="0" dirty="0">
+                <a:ln>
+                  <a:noFill/>
+                </a:ln>
+                <a:solidFill>
+                  <a:schemeClr val="tx1"/>
+                </a:solidFill>
+                <a:effectLst/>
+                <a:uLnTx/>
+                <a:uFillTx/>
                 <a:latin typeface="+mj-lt"/>
                 <a:ea typeface="+mn-ea"/>
                 <a:cs typeface="+mn-cs"/>
               </a:rPr>
-              <a:t>Cancelaciones por mes</a:t>
-            </a:r>
-          </a:p>
-        </p:txBody>
-      </p:sp>
-      <p:sp>
-        <p:nvSpPr>
-          <p:cNvPr id="15" name="CuadroTexto 14">
-            <a:extLst>
-              <a:ext uri="{FF2B5EF4-FFF2-40B4-BE49-F238E27FC236}">
-                <a16:creationId xmlns:a16="http://schemas.microsoft.com/office/drawing/2014/main" id="{66E1D7D6-9A65-E197-23BF-1A8B4FF71038}"/>
-              </a:ext>
-            </a:extLst>
-          </p:cNvPr>
-          <p:cNvSpPr txBox="1"/>
-          <p:nvPr/>
-        </p:nvSpPr>
-        <p:spPr>
-          <a:xfrm>
-            <a:off x="6610169" y="4569583"/>
-            <a:ext cx="5109021" cy="1412117"/>
-          </a:xfrm>
-          <a:prstGeom prst="rect">
-            <a:avLst/>
-          </a:prstGeom>
-        </p:spPr>
-        <p:txBody>
-          <a:bodyPr vert="horz" lIns="91440" tIns="45720" rIns="91440" bIns="45720" rtlCol="0" anchor="ctr">
-            <a:normAutofit/>
-          </a:bodyPr>
-          <a:lstStyle/>
-          <a:p>
-            <a:pPr>
-              <a:lnSpc>
-                <a:spcPct val="90000"/>
-              </a:lnSpc>
-              <a:spcAft>
-                <a:spcPts val="600"/>
-              </a:spcAft>
-            </a:pPr>
-            <a:r>
-              <a:rPr lang="es-ES" dirty="0">
-                <a:solidFill>
-                  <a:schemeClr val="bg1"/>
-                </a:solidFill>
-              </a:rPr>
-              <a:t>Vemos una gran diferencia entre las distintas reservas realizadas de acuerdo al plan de comidas.</a:t>
-            </a:r>
-          </a:p>
-          <a:p>
-            <a:pPr>
-              <a:lnSpc>
-                <a:spcPct val="90000"/>
-              </a:lnSpc>
-              <a:spcAft>
-                <a:spcPts val="600"/>
-              </a:spcAft>
-            </a:pPr>
-            <a:r>
-              <a:rPr lang="es-ES" dirty="0">
-                <a:solidFill>
-                  <a:schemeClr val="bg1"/>
-                </a:solidFill>
-              </a:rPr>
-              <a:t>El plan 3 casi no registra reservas, mientras que las mayores cancelaciones con relación a las reservas corresponden al plan 2.</a:t>
-            </a:r>
-          </a:p>
-        </p:txBody>
-      </p:sp>
-      <p:sp>
-        <p:nvSpPr>
-          <p:cNvPr id="23" name="Text Placeholder 6">
-            <a:extLst>
-              <a:ext uri="{FF2B5EF4-FFF2-40B4-BE49-F238E27FC236}">
-                <a16:creationId xmlns:a16="http://schemas.microsoft.com/office/drawing/2014/main" id="{BE3DB34D-85D6-29A5-667C-3F1D4055FB22}"/>
+              <a:t>Variable Target – Reservas Canceladas y No Canceladas</a:t>
+            </a:r>
+          </a:p>
+        </p:txBody>
+      </p:sp>
+      <p:sp>
+        <p:nvSpPr>
+          <p:cNvPr id="3" name="Marcador de número de diapositiva 2">
+            <a:extLst>
+              <a:ext uri="{FF2B5EF4-FFF2-40B4-BE49-F238E27FC236}">
+                <a16:creationId xmlns:a16="http://schemas.microsoft.com/office/drawing/2014/main" id="{8D0BEB88-12D3-41F1-B6BA-706EF7480FD3}"/>
               </a:ext>
             </a:extLst>
           </p:cNvPr>
@@ -36654,84 +38384,34 @@
             <a:spLocks noGrp="1"/>
           </p:cNvSpPr>
           <p:nvPr>
-            <p:ph type="body" idx="1"/>
+            <p:ph type="sldNum" sz="quarter" idx="4294967295"/>
           </p:nvPr>
         </p:nvSpPr>
         <p:spPr>
           <a:xfrm>
-            <a:off x="539836" y="1462743"/>
-            <a:ext cx="5227918" cy="518457"/>
-          </a:xfrm>
-        </p:spPr>
-        <p:txBody>
-          <a:bodyPr vert="horz" lIns="91440" tIns="45720" rIns="91440" bIns="45720" rtlCol="0" anchor="ctr">
-            <a:noAutofit/>
-          </a:bodyPr>
+            <a:off x="11818938" y="6581775"/>
+            <a:ext cx="373062" cy="206375"/>
+          </a:xfrm>
+        </p:spPr>
+        <p:txBody>
+          <a:bodyPr rtlCol="0"/>
           <a:lstStyle/>
           <a:p>
-            <a:r>
-              <a:rPr lang="es-ES" sz="2400" b="1" kern="1200" dirty="0">
-                <a:latin typeface="+mj-lt"/>
-                <a:ea typeface="+mn-ea"/>
-                <a:cs typeface="+mn-cs"/>
-              </a:rPr>
-              <a:t>Cancelaciones según el plan de comidas</a:t>
-            </a:r>
-          </a:p>
-        </p:txBody>
-      </p:sp>
-      <p:sp>
-        <p:nvSpPr>
-          <p:cNvPr id="14" name="CuadroTexto 13">
-            <a:extLst>
-              <a:ext uri="{FF2B5EF4-FFF2-40B4-BE49-F238E27FC236}">
-                <a16:creationId xmlns:a16="http://schemas.microsoft.com/office/drawing/2014/main" id="{50B3BB27-4218-2C1E-CABA-AD86B317D24C}"/>
-              </a:ext>
-            </a:extLst>
-          </p:cNvPr>
-          <p:cNvSpPr txBox="1"/>
-          <p:nvPr/>
-        </p:nvSpPr>
-        <p:spPr>
-          <a:xfrm>
-            <a:off x="539836" y="2075621"/>
-            <a:ext cx="5108400" cy="1391480"/>
-          </a:xfrm>
-          <a:prstGeom prst="rect">
-            <a:avLst/>
-          </a:prstGeom>
-        </p:spPr>
-        <p:txBody>
-          <a:bodyPr vert="horz" lIns="91440" tIns="45720" rIns="91440" bIns="45720" rtlCol="0" anchor="ctr">
-            <a:normAutofit/>
-          </a:bodyPr>
-          <a:lstStyle/>
-          <a:p>
-            <a:pPr>
-              <a:lnSpc>
-                <a:spcPct val="90000"/>
-              </a:lnSpc>
-              <a:spcAft>
-                <a:spcPts val="600"/>
-              </a:spcAft>
-            </a:pPr>
-            <a:r>
-              <a:rPr lang="es-ES" sz="2000" dirty="0">
-                <a:solidFill>
-                  <a:schemeClr val="bg1"/>
-                </a:solidFill>
-              </a:rPr>
-              <a:t>Se visualizan mayores cancelaciones durante los meses de Agosto, Septiembre y Octubre, por lo que esto puede relacionarse con las probabilidades de cancelar.</a:t>
-            </a:r>
+            <a:pPr rtl="0"/>
+            <a:fld id="{03DC2DEF-D2FE-4B45-ABA4-9F153FD1C98A}" type="slidenum">
+              <a:rPr lang="es-ES" smtClean="0"/>
+              <a:t>9</a:t>
+            </a:fld>
+            <a:endParaRPr lang="es-ES" dirty="0"/>
           </a:p>
         </p:txBody>
       </p:sp>
       <p:pic>
         <p:nvPicPr>
-          <p:cNvPr id="8" name="Imagen 7" descr="Gráfico, Gráfico de barras&#10;&#10;Descripción generada automáticamente">
-            <a:extLst>
-              <a:ext uri="{FF2B5EF4-FFF2-40B4-BE49-F238E27FC236}">
-                <a16:creationId xmlns:a16="http://schemas.microsoft.com/office/drawing/2014/main" id="{D7777875-6391-5313-1995-D108F7E77F8B}"/>
+          <p:cNvPr id="4" name="Imagen 3">
+            <a:extLst>
+              <a:ext uri="{FF2B5EF4-FFF2-40B4-BE49-F238E27FC236}">
+                <a16:creationId xmlns:a16="http://schemas.microsoft.com/office/drawing/2014/main" id="{6D4BF7C7-B2F3-76AB-F4FF-D1A1C75E6529}"/>
               </a:ext>
             </a:extLst>
           </p:cNvPr>
@@ -36740,29 +38420,75 @@
           </p:cNvPicPr>
           <p:nvPr/>
         </p:nvPicPr>
-        <p:blipFill>
+        <p:blipFill rotWithShape="1">
           <a:blip r:embed="rId3"/>
-          <a:stretch>
-            <a:fillRect/>
-          </a:stretch>
+          <a:srcRect t="6330"/>
+          <a:stretch/>
         </p:blipFill>
         <p:spPr>
           <a:xfrm>
-            <a:off x="5880101" y="1209822"/>
-            <a:ext cx="6012000" cy="2351918"/>
+            <a:off x="300037" y="1358899"/>
+            <a:ext cx="5795963" cy="4127501"/>
+          </a:xfrm>
+          <a:prstGeom prst="rect">
+            <a:avLst/>
+          </a:prstGeom>
+        </p:spPr>
+      </p:pic>
+      <p:sp>
+        <p:nvSpPr>
+          <p:cNvPr id="7" name="CuadroTexto 6">
+            <a:extLst>
+              <a:ext uri="{FF2B5EF4-FFF2-40B4-BE49-F238E27FC236}">
+                <a16:creationId xmlns:a16="http://schemas.microsoft.com/office/drawing/2014/main" id="{A0BD78A5-41D4-9CCA-B7EA-4CD6B5E7574C}"/>
+              </a:ext>
+            </a:extLst>
+          </p:cNvPr>
+          <p:cNvSpPr txBox="1"/>
+          <p:nvPr/>
+        </p:nvSpPr>
+        <p:spPr>
+          <a:xfrm>
+            <a:off x="304626" y="5486400"/>
+            <a:ext cx="5422901" cy="1200329"/>
           </a:xfrm>
           <a:prstGeom prst="rect">
             <a:avLst/>
           </a:prstGeom>
           <a:noFill/>
         </p:spPr>
-      </p:pic>
+        <p:txBody>
+          <a:bodyPr wrap="square" rtlCol="0">
+            <a:spAutoFit/>
+          </a:bodyPr>
+          <a:lstStyle/>
+          <a:p>
+            <a:r>
+              <a:rPr lang="es-ES" dirty="0">
+                <a:solidFill>
+                  <a:schemeClr val="tx1">
+                    <a:lumMod val="50000"/>
+                  </a:schemeClr>
+                </a:solidFill>
+              </a:rPr>
+              <a:t>De acuerdo a lo observado, las reservas NO CANCELADAS alcanzan un total aproximado de 67%, mientras que las reservas CANCELADAS son de alrededor del 33%.</a:t>
+            </a:r>
+            <a:endParaRPr lang="es-AR" dirty="0">
+              <a:solidFill>
+                <a:schemeClr val="tx1">
+                  <a:lumMod val="50000"/>
+                </a:schemeClr>
+              </a:solidFill>
+            </a:endParaRPr>
+          </a:p>
+        </p:txBody>
+      </p:sp>
       <p:pic>
         <p:nvPicPr>
-          <p:cNvPr id="4" name="Imagen 3" descr="Gráfico, Gráfico de barras&#10;&#10;Descripción generada automáticamente">
-            <a:extLst>
-              <a:ext uri="{FF2B5EF4-FFF2-40B4-BE49-F238E27FC236}">
-                <a16:creationId xmlns:a16="http://schemas.microsoft.com/office/drawing/2014/main" id="{5E5E26DF-F859-9909-6673-505FD0F0FDFA}"/>
+          <p:cNvPr id="14" name="Imagen 13">
+            <a:extLst>
+              <a:ext uri="{FF2B5EF4-FFF2-40B4-BE49-F238E27FC236}">
+                <a16:creationId xmlns:a16="http://schemas.microsoft.com/office/drawing/2014/main" id="{9231A240-C221-33F5-B715-7906D2C286E5}"/>
               </a:ext>
             </a:extLst>
           </p:cNvPr>
@@ -36779,19 +38505,66 @@
         </p:blipFill>
         <p:spPr>
           <a:xfrm>
-            <a:off x="539836" y="3758268"/>
-            <a:ext cx="5020225" cy="2761124"/>
+            <a:off x="6226383" y="1401783"/>
+            <a:ext cx="5899081" cy="3556001"/>
+          </a:xfrm>
+          <a:prstGeom prst="rect">
+            <a:avLst/>
+          </a:prstGeom>
+        </p:spPr>
+      </p:pic>
+      <p:sp>
+        <p:nvSpPr>
+          <p:cNvPr id="16" name="CuadroTexto 15">
+            <a:extLst>
+              <a:ext uri="{FF2B5EF4-FFF2-40B4-BE49-F238E27FC236}">
+                <a16:creationId xmlns:a16="http://schemas.microsoft.com/office/drawing/2014/main" id="{67F27FC8-0946-6A0C-230E-4BFBD4A61B18}"/>
+              </a:ext>
+            </a:extLst>
+          </p:cNvPr>
+          <p:cNvSpPr txBox="1"/>
+          <p:nvPr/>
+        </p:nvSpPr>
+        <p:spPr>
+          <a:xfrm>
+            <a:off x="6464474" y="5483089"/>
+            <a:ext cx="5422900" cy="1200329"/>
           </a:xfrm>
           <a:prstGeom prst="rect">
             <a:avLst/>
           </a:prstGeom>
           <a:noFill/>
         </p:spPr>
-      </p:pic>
+        <p:txBody>
+          <a:bodyPr wrap="square" rtlCol="0">
+            <a:spAutoFit/>
+          </a:bodyPr>
+          <a:lstStyle/>
+          <a:p>
+            <a:r>
+              <a:rPr lang="es-ES" dirty="0">
+                <a:solidFill>
+                  <a:schemeClr val="tx1">
+                    <a:lumMod val="50000"/>
+                  </a:schemeClr>
+                </a:solidFill>
+              </a:rPr>
+              <a:t>Se observa una tasa de cancelación  variable entre el 2% y 67%. El valor más bajo se observa durante la mitad del primer año de registro y luego la tasa de cancelación aumenta oscilando entre el 25 y 50%. </a:t>
+            </a:r>
+            <a:endParaRPr lang="es-AR" dirty="0">
+              <a:solidFill>
+                <a:schemeClr val="tx1">
+                  <a:lumMod val="50000"/>
+                </a:schemeClr>
+              </a:solidFill>
+            </a:endParaRPr>
+          </a:p>
+        </p:txBody>
+      </p:sp>
     </p:spTree>
     <p:extLst>
       <p:ext uri="{BB962C8B-B14F-4D97-AF65-F5344CB8AC3E}">
-        <p14:creationId xmlns:p14="http://schemas.microsoft.com/office/powerpoint/2010/main" val="2113628185"/>
+        <p14:creationId xmlns:p14="http://schemas.microsoft.com/office/powerpoint/2010/main" val="3149670743"/>
       </p:ext>
     </p:extLst>
   </p:cSld>
